--- a/doc/Folien Praktikum ArDoCo.pptx
+++ b/doc/Folien Praktikum ArDoCo.pptx
@@ -23,14 +23,14 @@
     <p:sldId id="382" r:id="rId14"/>
     <p:sldId id="369" r:id="rId15"/>
     <p:sldId id="384" r:id="rId16"/>
-    <p:sldId id="375" r:id="rId17"/>
-    <p:sldId id="370" r:id="rId18"/>
-    <p:sldId id="373" r:id="rId19"/>
-    <p:sldId id="355" r:id="rId20"/>
-    <p:sldId id="378" r:id="rId21"/>
-    <p:sldId id="379" r:id="rId22"/>
-    <p:sldId id="359" r:id="rId23"/>
-    <p:sldId id="380" r:id="rId24"/>
+    <p:sldId id="370" r:id="rId17"/>
+    <p:sldId id="373" r:id="rId18"/>
+    <p:sldId id="355" r:id="rId19"/>
+    <p:sldId id="378" r:id="rId20"/>
+    <p:sldId id="379" r:id="rId21"/>
+    <p:sldId id="359" r:id="rId22"/>
+    <p:sldId id="380" r:id="rId23"/>
+    <p:sldId id="387" r:id="rId24"/>
     <p:sldId id="383" r:id="rId25"/>
     <p:sldId id="385" r:id="rId26"/>
     <p:sldId id="363" r:id="rId27"/>
@@ -3371,7 +3371,7 @@
           <a:p>
             <a:fld id="{FA8F02CA-77CB-4E54-B712-21E588799EE8}" type="datetimeFigureOut">
               <a:rPr lang="de-DE" smtClean="0"/>
-              <a:t>18.03.25</a:t>
+              <a:t>20.03.25</a:t>
             </a:fld>
             <a:endParaRPr lang="de-DE"/>
           </a:p>
@@ -4274,114 +4274,6 @@
         <p:cNvPr id="1" name="">
           <a:extLst>
             <a:ext uri="{FF2B5EF4-FFF2-40B4-BE49-F238E27FC236}">
-              <a16:creationId xmlns:a16="http://schemas.microsoft.com/office/drawing/2014/main" id="{39ADCCF6-E6A7-37E5-8101-EC5C7D76FDE7}"/>
-            </a:ext>
-          </a:extLst>
-        </p:cNvPr>
-        <p:cNvGrpSpPr/>
-        <p:nvPr/>
-      </p:nvGrpSpPr>
-      <p:grpSpPr>
-        <a:xfrm>
-          <a:off x="0" y="0"/>
-          <a:ext cx="0" cy="0"/>
-          <a:chOff x="0" y="0"/>
-          <a:chExt cx="0" cy="0"/>
-        </a:xfrm>
-      </p:grpSpPr>
-      <p:sp>
-        <p:nvSpPr>
-          <p:cNvPr id="2" name="Folienbildplatzhalter 1">
-            <a:extLst>
-              <a:ext uri="{FF2B5EF4-FFF2-40B4-BE49-F238E27FC236}">
-                <a16:creationId xmlns:a16="http://schemas.microsoft.com/office/drawing/2014/main" id="{268DA895-590E-ED4E-9834-8532DFE259A5}"/>
-              </a:ext>
-            </a:extLst>
-          </p:cNvPr>
-          <p:cNvSpPr>
-            <a:spLocks noGrp="1" noRot="1" noChangeAspect="1"/>
-          </p:cNvSpPr>
-          <p:nvPr>
-            <p:ph type="sldImg"/>
-          </p:nvPr>
-        </p:nvSpPr>
-        <p:spPr/>
-      </p:sp>
-      <p:sp>
-        <p:nvSpPr>
-          <p:cNvPr id="3" name="Notizenplatzhalter 2">
-            <a:extLst>
-              <a:ext uri="{FF2B5EF4-FFF2-40B4-BE49-F238E27FC236}">
-                <a16:creationId xmlns:a16="http://schemas.microsoft.com/office/drawing/2014/main" id="{21497E0F-6929-8405-2D7E-A94C915D85BB}"/>
-              </a:ext>
-            </a:extLst>
-          </p:cNvPr>
-          <p:cNvSpPr>
-            <a:spLocks noGrp="1"/>
-          </p:cNvSpPr>
-          <p:nvPr>
-            <p:ph type="body" idx="1"/>
-          </p:nvPr>
-        </p:nvSpPr>
-        <p:spPr/>
-        <p:txBody>
-          <a:bodyPr/>
-          <a:lstStyle/>
-          <a:p>
-            <a:endParaRPr lang="de-DE" dirty="0"/>
-          </a:p>
-        </p:txBody>
-      </p:sp>
-      <p:sp>
-        <p:nvSpPr>
-          <p:cNvPr id="4" name="Foliennummernplatzhalter 3">
-            <a:extLst>
-              <a:ext uri="{FF2B5EF4-FFF2-40B4-BE49-F238E27FC236}">
-                <a16:creationId xmlns:a16="http://schemas.microsoft.com/office/drawing/2014/main" id="{4D865B5F-85B4-6526-A9DE-64F862174C5C}"/>
-              </a:ext>
-            </a:extLst>
-          </p:cNvPr>
-          <p:cNvSpPr>
-            <a:spLocks noGrp="1"/>
-          </p:cNvSpPr>
-          <p:nvPr>
-            <p:ph type="sldNum" sz="quarter" idx="5"/>
-          </p:nvPr>
-        </p:nvSpPr>
-        <p:spPr/>
-        <p:txBody>
-          <a:bodyPr/>
-          <a:lstStyle/>
-          <a:p>
-            <a:fld id="{E13F729A-0AF0-4995-B32B-9504BC68960C}" type="slidenum">
-              <a:rPr lang="de-DE" smtClean="0"/>
-              <a:t>16</a:t>
-            </a:fld>
-            <a:endParaRPr lang="de-DE"/>
-          </a:p>
-        </p:txBody>
-      </p:sp>
-    </p:spTree>
-    <p:extLst>
-      <p:ext uri="{BB962C8B-B14F-4D97-AF65-F5344CB8AC3E}">
-        <p14:creationId xmlns:p14="http://schemas.microsoft.com/office/powerpoint/2010/main" val="2795822837"/>
-      </p:ext>
-    </p:extLst>
-  </p:cSld>
-  <p:clrMapOvr>
-    <a:masterClrMapping/>
-  </p:clrMapOvr>
-</p:notes>
-</file>
-
-<file path=ppt/notesSlides/notesSlide16.xml><?xml version="1.0" encoding="utf-8"?>
-<p:notes xmlns:a="http://schemas.openxmlformats.org/drawingml/2006/main" xmlns:r="http://schemas.openxmlformats.org/officeDocument/2006/relationships" xmlns:p="http://schemas.openxmlformats.org/presentationml/2006/main">
-  <p:cSld>
-    <p:spTree>
-      <p:nvGrpSpPr>
-        <p:cNvPr id="1" name="">
-          <a:extLst>
-            <a:ext uri="{FF2B5EF4-FFF2-40B4-BE49-F238E27FC236}">
               <a16:creationId xmlns:a16="http://schemas.microsoft.com/office/drawing/2014/main" id="{9F52B0AA-AAA0-8D94-0C26-561C07FF37D5}"/>
             </a:ext>
           </a:extLst>
@@ -4463,7 +4355,7 @@
           <a:p>
             <a:fld id="{E13F729A-0AF0-4995-B32B-9504BC68960C}" type="slidenum">
               <a:rPr lang="de-DE" smtClean="0"/>
-              <a:t>17</a:t>
+              <a:t>16</a:t>
             </a:fld>
             <a:endParaRPr lang="de-DE"/>
           </a:p>
@@ -4482,7 +4374,7 @@
 </p:notes>
 </file>
 
-<file path=ppt/notesSlides/notesSlide17.xml><?xml version="1.0" encoding="utf-8"?>
+<file path=ppt/notesSlides/notesSlide16.xml><?xml version="1.0" encoding="utf-8"?>
 <p:notes xmlns:a="http://schemas.openxmlformats.org/drawingml/2006/main" xmlns:r="http://schemas.openxmlformats.org/officeDocument/2006/relationships" xmlns:p="http://schemas.openxmlformats.org/presentationml/2006/main">
   <p:cSld>
     <p:spTree>
@@ -4571,7 +4463,7 @@
           <a:p>
             <a:fld id="{E13F729A-0AF0-4995-B32B-9504BC68960C}" type="slidenum">
               <a:rPr lang="de-DE" smtClean="0"/>
-              <a:t>18</a:t>
+              <a:t>17</a:t>
             </a:fld>
             <a:endParaRPr lang="de-DE"/>
           </a:p>
@@ -4590,7 +4482,7 @@
 </p:notes>
 </file>
 
-<file path=ppt/notesSlides/notesSlide18.xml><?xml version="1.0" encoding="utf-8"?>
+<file path=ppt/notesSlides/notesSlide17.xml><?xml version="1.0" encoding="utf-8"?>
 <p:notes xmlns:a="http://schemas.openxmlformats.org/drawingml/2006/main" xmlns:r="http://schemas.openxmlformats.org/officeDocument/2006/relationships" xmlns:p="http://schemas.openxmlformats.org/presentationml/2006/main">
   <p:cSld>
     <p:spTree>
@@ -4679,7 +4571,7 @@
           <a:p>
             <a:fld id="{E13F729A-0AF0-4995-B32B-9504BC68960C}" type="slidenum">
               <a:rPr lang="de-DE" smtClean="0"/>
-              <a:t>19</a:t>
+              <a:t>18</a:t>
             </a:fld>
             <a:endParaRPr lang="de-DE"/>
           </a:p>
@@ -4698,7 +4590,7 @@
 </p:notes>
 </file>
 
-<file path=ppt/notesSlides/notesSlide19.xml><?xml version="1.0" encoding="utf-8"?>
+<file path=ppt/notesSlides/notesSlide18.xml><?xml version="1.0" encoding="utf-8"?>
 <p:notes xmlns:a="http://schemas.openxmlformats.org/drawingml/2006/main" xmlns:r="http://schemas.openxmlformats.org/officeDocument/2006/relationships" xmlns:p="http://schemas.openxmlformats.org/presentationml/2006/main">
   <p:cSld>
     <p:spTree>
@@ -4787,6 +4679,114 @@
           <a:p>
             <a:fld id="{E13F729A-0AF0-4995-B32B-9504BC68960C}" type="slidenum">
               <a:rPr lang="de-DE" smtClean="0"/>
+              <a:t>20</a:t>
+            </a:fld>
+            <a:endParaRPr lang="de-DE"/>
+          </a:p>
+        </p:txBody>
+      </p:sp>
+    </p:spTree>
+    <p:extLst>
+      <p:ext uri="{BB962C8B-B14F-4D97-AF65-F5344CB8AC3E}">
+        <p14:creationId xmlns:p14="http://schemas.microsoft.com/office/powerpoint/2010/main" val="2732140052"/>
+      </p:ext>
+    </p:extLst>
+  </p:cSld>
+  <p:clrMapOvr>
+    <a:masterClrMapping/>
+  </p:clrMapOvr>
+</p:notes>
+</file>
+
+<file path=ppt/notesSlides/notesSlide19.xml><?xml version="1.0" encoding="utf-8"?>
+<p:notes xmlns:a="http://schemas.openxmlformats.org/drawingml/2006/main" xmlns:r="http://schemas.openxmlformats.org/officeDocument/2006/relationships" xmlns:p="http://schemas.openxmlformats.org/presentationml/2006/main">
+  <p:cSld>
+    <p:spTree>
+      <p:nvGrpSpPr>
+        <p:cNvPr id="1" name="">
+          <a:extLst>
+            <a:ext uri="{FF2B5EF4-FFF2-40B4-BE49-F238E27FC236}">
+              <a16:creationId xmlns:a16="http://schemas.microsoft.com/office/drawing/2014/main" id="{FF8518A0-00D5-0A58-FDA7-A0190ED74C87}"/>
+            </a:ext>
+          </a:extLst>
+        </p:cNvPr>
+        <p:cNvGrpSpPr/>
+        <p:nvPr/>
+      </p:nvGrpSpPr>
+      <p:grpSpPr>
+        <a:xfrm>
+          <a:off x="0" y="0"/>
+          <a:ext cx="0" cy="0"/>
+          <a:chOff x="0" y="0"/>
+          <a:chExt cx="0" cy="0"/>
+        </a:xfrm>
+      </p:grpSpPr>
+      <p:sp>
+        <p:nvSpPr>
+          <p:cNvPr id="2" name="Folienbildplatzhalter 1">
+            <a:extLst>
+              <a:ext uri="{FF2B5EF4-FFF2-40B4-BE49-F238E27FC236}">
+                <a16:creationId xmlns:a16="http://schemas.microsoft.com/office/drawing/2014/main" id="{73E3E477-A4FC-F378-4D03-CA9183D8ABC0}"/>
+              </a:ext>
+            </a:extLst>
+          </p:cNvPr>
+          <p:cNvSpPr>
+            <a:spLocks noGrp="1" noRot="1" noChangeAspect="1"/>
+          </p:cNvSpPr>
+          <p:nvPr>
+            <p:ph type="sldImg"/>
+          </p:nvPr>
+        </p:nvSpPr>
+        <p:spPr/>
+      </p:sp>
+      <p:sp>
+        <p:nvSpPr>
+          <p:cNvPr id="3" name="Notizenplatzhalter 2">
+            <a:extLst>
+              <a:ext uri="{FF2B5EF4-FFF2-40B4-BE49-F238E27FC236}">
+                <a16:creationId xmlns:a16="http://schemas.microsoft.com/office/drawing/2014/main" id="{83DBBFFD-E54E-2C38-117A-7FFECB37953A}"/>
+              </a:ext>
+            </a:extLst>
+          </p:cNvPr>
+          <p:cNvSpPr>
+            <a:spLocks noGrp="1"/>
+          </p:cNvSpPr>
+          <p:nvPr>
+            <p:ph type="body" idx="1"/>
+          </p:nvPr>
+        </p:nvSpPr>
+        <p:spPr/>
+        <p:txBody>
+          <a:bodyPr/>
+          <a:lstStyle/>
+          <a:p>
+            <a:endParaRPr lang="de-DE" dirty="0"/>
+          </a:p>
+        </p:txBody>
+      </p:sp>
+      <p:sp>
+        <p:nvSpPr>
+          <p:cNvPr id="4" name="Foliennummernplatzhalter 3">
+            <a:extLst>
+              <a:ext uri="{FF2B5EF4-FFF2-40B4-BE49-F238E27FC236}">
+                <a16:creationId xmlns:a16="http://schemas.microsoft.com/office/drawing/2014/main" id="{69398D08-41A6-C1AA-F666-20D3002F5E44}"/>
+              </a:ext>
+            </a:extLst>
+          </p:cNvPr>
+          <p:cNvSpPr>
+            <a:spLocks noGrp="1"/>
+          </p:cNvSpPr>
+          <p:nvPr>
+            <p:ph type="sldNum" sz="quarter" idx="5"/>
+          </p:nvPr>
+        </p:nvSpPr>
+        <p:spPr/>
+        <p:txBody>
+          <a:bodyPr/>
+          <a:lstStyle/>
+          <a:p>
+            <a:fld id="{E13F729A-0AF0-4995-B32B-9504BC68960C}" type="slidenum">
+              <a:rPr lang="de-DE" smtClean="0"/>
               <a:t>21</a:t>
             </a:fld>
             <a:endParaRPr lang="de-DE"/>
@@ -4796,7 +4796,7 @@
     </p:spTree>
     <p:extLst>
       <p:ext uri="{BB962C8B-B14F-4D97-AF65-F5344CB8AC3E}">
-        <p14:creationId xmlns:p14="http://schemas.microsoft.com/office/powerpoint/2010/main" val="2732140052"/>
+        <p14:creationId xmlns:p14="http://schemas.microsoft.com/office/powerpoint/2010/main" val="2913812798"/>
       </p:ext>
     </p:extLst>
   </p:cSld>
@@ -4919,114 +4919,6 @@
   <p:cSld>
     <p:spTree>
       <p:nvGrpSpPr>
-        <p:cNvPr id="1" name="">
-          <a:extLst>
-            <a:ext uri="{FF2B5EF4-FFF2-40B4-BE49-F238E27FC236}">
-              <a16:creationId xmlns:a16="http://schemas.microsoft.com/office/drawing/2014/main" id="{FF8518A0-00D5-0A58-FDA7-A0190ED74C87}"/>
-            </a:ext>
-          </a:extLst>
-        </p:cNvPr>
-        <p:cNvGrpSpPr/>
-        <p:nvPr/>
-      </p:nvGrpSpPr>
-      <p:grpSpPr>
-        <a:xfrm>
-          <a:off x="0" y="0"/>
-          <a:ext cx="0" cy="0"/>
-          <a:chOff x="0" y="0"/>
-          <a:chExt cx="0" cy="0"/>
-        </a:xfrm>
-      </p:grpSpPr>
-      <p:sp>
-        <p:nvSpPr>
-          <p:cNvPr id="2" name="Folienbildplatzhalter 1">
-            <a:extLst>
-              <a:ext uri="{FF2B5EF4-FFF2-40B4-BE49-F238E27FC236}">
-                <a16:creationId xmlns:a16="http://schemas.microsoft.com/office/drawing/2014/main" id="{73E3E477-A4FC-F378-4D03-CA9183D8ABC0}"/>
-              </a:ext>
-            </a:extLst>
-          </p:cNvPr>
-          <p:cNvSpPr>
-            <a:spLocks noGrp="1" noRot="1" noChangeAspect="1"/>
-          </p:cNvSpPr>
-          <p:nvPr>
-            <p:ph type="sldImg"/>
-          </p:nvPr>
-        </p:nvSpPr>
-        <p:spPr/>
-      </p:sp>
-      <p:sp>
-        <p:nvSpPr>
-          <p:cNvPr id="3" name="Notizenplatzhalter 2">
-            <a:extLst>
-              <a:ext uri="{FF2B5EF4-FFF2-40B4-BE49-F238E27FC236}">
-                <a16:creationId xmlns:a16="http://schemas.microsoft.com/office/drawing/2014/main" id="{83DBBFFD-E54E-2C38-117A-7FFECB37953A}"/>
-              </a:ext>
-            </a:extLst>
-          </p:cNvPr>
-          <p:cNvSpPr>
-            <a:spLocks noGrp="1"/>
-          </p:cNvSpPr>
-          <p:nvPr>
-            <p:ph type="body" idx="1"/>
-          </p:nvPr>
-        </p:nvSpPr>
-        <p:spPr/>
-        <p:txBody>
-          <a:bodyPr/>
-          <a:lstStyle/>
-          <a:p>
-            <a:endParaRPr lang="de-DE" dirty="0"/>
-          </a:p>
-        </p:txBody>
-      </p:sp>
-      <p:sp>
-        <p:nvSpPr>
-          <p:cNvPr id="4" name="Foliennummernplatzhalter 3">
-            <a:extLst>
-              <a:ext uri="{FF2B5EF4-FFF2-40B4-BE49-F238E27FC236}">
-                <a16:creationId xmlns:a16="http://schemas.microsoft.com/office/drawing/2014/main" id="{69398D08-41A6-C1AA-F666-20D3002F5E44}"/>
-              </a:ext>
-            </a:extLst>
-          </p:cNvPr>
-          <p:cNvSpPr>
-            <a:spLocks noGrp="1"/>
-          </p:cNvSpPr>
-          <p:nvPr>
-            <p:ph type="sldNum" sz="quarter" idx="5"/>
-          </p:nvPr>
-        </p:nvSpPr>
-        <p:spPr/>
-        <p:txBody>
-          <a:bodyPr/>
-          <a:lstStyle/>
-          <a:p>
-            <a:fld id="{E13F729A-0AF0-4995-B32B-9504BC68960C}" type="slidenum">
-              <a:rPr lang="de-DE" smtClean="0"/>
-              <a:t>22</a:t>
-            </a:fld>
-            <a:endParaRPr lang="de-DE"/>
-          </a:p>
-        </p:txBody>
-      </p:sp>
-    </p:spTree>
-    <p:extLst>
-      <p:ext uri="{BB962C8B-B14F-4D97-AF65-F5344CB8AC3E}">
-        <p14:creationId xmlns:p14="http://schemas.microsoft.com/office/powerpoint/2010/main" val="2913812798"/>
-      </p:ext>
-    </p:extLst>
-  </p:cSld>
-  <p:clrMapOvr>
-    <a:masterClrMapping/>
-  </p:clrMapOvr>
-</p:notes>
-</file>
-
-<file path=ppt/notesSlides/notesSlide21.xml><?xml version="1.0" encoding="utf-8"?>
-<p:notes xmlns:a="http://schemas.openxmlformats.org/drawingml/2006/main" xmlns:r="http://schemas.openxmlformats.org/officeDocument/2006/relationships" xmlns:p="http://schemas.openxmlformats.org/presentationml/2006/main">
-  <p:cSld>
-    <p:spTree>
-      <p:nvGrpSpPr>
         <p:cNvPr id="1" name=""/>
         <p:cNvGrpSpPr/>
         <p:nvPr/>
@@ -5087,6 +4979,114 @@
           <a:p>
             <a:fld id="{E13F729A-0AF0-4995-B32B-9504BC68960C}" type="slidenum">
               <a:rPr lang="de-DE" smtClean="0"/>
+              <a:t>22</a:t>
+            </a:fld>
+            <a:endParaRPr lang="de-DE"/>
+          </a:p>
+        </p:txBody>
+      </p:sp>
+    </p:spTree>
+    <p:extLst>
+      <p:ext uri="{BB962C8B-B14F-4D97-AF65-F5344CB8AC3E}">
+        <p14:creationId xmlns:p14="http://schemas.microsoft.com/office/powerpoint/2010/main" val="2179894388"/>
+      </p:ext>
+    </p:extLst>
+  </p:cSld>
+  <p:clrMapOvr>
+    <a:masterClrMapping/>
+  </p:clrMapOvr>
+</p:notes>
+</file>
+
+<file path=ppt/notesSlides/notesSlide21.xml><?xml version="1.0" encoding="utf-8"?>
+<p:notes xmlns:a="http://schemas.openxmlformats.org/drawingml/2006/main" xmlns:r="http://schemas.openxmlformats.org/officeDocument/2006/relationships" xmlns:p="http://schemas.openxmlformats.org/presentationml/2006/main">
+  <p:cSld>
+    <p:spTree>
+      <p:nvGrpSpPr>
+        <p:cNvPr id="1" name="">
+          <a:extLst>
+            <a:ext uri="{FF2B5EF4-FFF2-40B4-BE49-F238E27FC236}">
+              <a16:creationId xmlns:a16="http://schemas.microsoft.com/office/drawing/2014/main" id="{5190639B-A322-BE96-0EB0-797ECAF8C72C}"/>
+            </a:ext>
+          </a:extLst>
+        </p:cNvPr>
+        <p:cNvGrpSpPr/>
+        <p:nvPr/>
+      </p:nvGrpSpPr>
+      <p:grpSpPr>
+        <a:xfrm>
+          <a:off x="0" y="0"/>
+          <a:ext cx="0" cy="0"/>
+          <a:chOff x="0" y="0"/>
+          <a:chExt cx="0" cy="0"/>
+        </a:xfrm>
+      </p:grpSpPr>
+      <p:sp>
+        <p:nvSpPr>
+          <p:cNvPr id="2" name="Slide Image Placeholder 1">
+            <a:extLst>
+              <a:ext uri="{FF2B5EF4-FFF2-40B4-BE49-F238E27FC236}">
+                <a16:creationId xmlns:a16="http://schemas.microsoft.com/office/drawing/2014/main" id="{4F392DBC-89AF-7A42-EB5A-02DA79DAB513}"/>
+              </a:ext>
+            </a:extLst>
+          </p:cNvPr>
+          <p:cNvSpPr>
+            <a:spLocks noGrp="1" noRot="1" noChangeAspect="1"/>
+          </p:cNvSpPr>
+          <p:nvPr>
+            <p:ph type="sldImg"/>
+          </p:nvPr>
+        </p:nvSpPr>
+        <p:spPr/>
+      </p:sp>
+      <p:sp>
+        <p:nvSpPr>
+          <p:cNvPr id="3" name="Notes Placeholder 2">
+            <a:extLst>
+              <a:ext uri="{FF2B5EF4-FFF2-40B4-BE49-F238E27FC236}">
+                <a16:creationId xmlns:a16="http://schemas.microsoft.com/office/drawing/2014/main" id="{F5D62557-06A4-CD9B-0A06-CE12FE7C93F3}"/>
+              </a:ext>
+            </a:extLst>
+          </p:cNvPr>
+          <p:cNvSpPr>
+            <a:spLocks noGrp="1"/>
+          </p:cNvSpPr>
+          <p:nvPr>
+            <p:ph type="body" idx="1"/>
+          </p:nvPr>
+        </p:nvSpPr>
+        <p:spPr/>
+        <p:txBody>
+          <a:bodyPr/>
+          <a:lstStyle/>
+          <a:p>
+            <a:endParaRPr lang="en-DE" dirty="0"/>
+          </a:p>
+        </p:txBody>
+      </p:sp>
+      <p:sp>
+        <p:nvSpPr>
+          <p:cNvPr id="4" name="Slide Number Placeholder 3">
+            <a:extLst>
+              <a:ext uri="{FF2B5EF4-FFF2-40B4-BE49-F238E27FC236}">
+                <a16:creationId xmlns:a16="http://schemas.microsoft.com/office/drawing/2014/main" id="{A5F1A9C0-CFC9-7160-E291-4CA4676EE9C2}"/>
+              </a:ext>
+            </a:extLst>
+          </p:cNvPr>
+          <p:cNvSpPr>
+            <a:spLocks noGrp="1"/>
+          </p:cNvSpPr>
+          <p:nvPr>
+            <p:ph type="sldNum" sz="quarter" idx="5"/>
+          </p:nvPr>
+        </p:nvSpPr>
+        <p:spPr/>
+        <p:txBody>
+          <a:bodyPr/>
+          <a:lstStyle/>
+          <a:p>
+            <a:fld id="{E13F729A-0AF0-4995-B32B-9504BC68960C}" type="slidenum">
+              <a:rPr lang="de-DE" smtClean="0"/>
               <a:t>23</a:t>
             </a:fld>
             <a:endParaRPr lang="de-DE"/>
@@ -5096,7 +5096,7 @@
     </p:spTree>
     <p:extLst>
       <p:ext uri="{BB962C8B-B14F-4D97-AF65-F5344CB8AC3E}">
-        <p14:creationId xmlns:p14="http://schemas.microsoft.com/office/powerpoint/2010/main" val="2179894388"/>
+        <p14:creationId xmlns:p14="http://schemas.microsoft.com/office/powerpoint/2010/main" val="513819211"/>
       </p:ext>
     </p:extLst>
   </p:cSld>
@@ -6708,7 +6708,7 @@
           <a:p>
             <a:fld id="{EF9F2463-8150-4DAA-877D-A146C8C8C60A}" type="datetime1">
               <a:rPr lang="de-DE" smtClean="0"/>
-              <a:t>18.03.25</a:t>
+              <a:t>20.03.25</a:t>
             </a:fld>
             <a:endParaRPr lang="de-DE"/>
           </a:p>
@@ -6950,7 +6950,7 @@
           <a:p>
             <a:fld id="{224C4683-D191-47F3-8302-BB2B36B1C86A}" type="datetime1">
               <a:rPr lang="de-DE" smtClean="0"/>
-              <a:t>18.03.25</a:t>
+              <a:t>20.03.25</a:t>
             </a:fld>
             <a:endParaRPr lang="de-DE"/>
           </a:p>
@@ -7149,7 +7149,7 @@
           <a:p>
             <a:fld id="{5E89BE91-4B1C-4025-AE57-60317864A3F3}" type="datetime1">
               <a:rPr lang="de-DE" smtClean="0"/>
-              <a:t>18.03.25</a:t>
+              <a:t>20.03.25</a:t>
             </a:fld>
             <a:endParaRPr lang="de-DE"/>
           </a:p>
@@ -7438,7 +7438,7 @@
           <a:p>
             <a:fld id="{3AD15D93-083F-4B89-951E-D5F35A1BBEC8}" type="datetime1">
               <a:rPr lang="de-DE" smtClean="0"/>
-              <a:t>18.03.25</a:t>
+              <a:t>20.03.25</a:t>
             </a:fld>
             <a:endParaRPr lang="de-DE"/>
           </a:p>
@@ -7680,7 +7680,7 @@
           <a:p>
             <a:fld id="{90C3E158-F33A-4782-AFB5-03A3FD6F0AB2}" type="datetime1">
               <a:rPr lang="de-DE" smtClean="0"/>
-              <a:t>18.03.25</a:t>
+              <a:t>20.03.25</a:t>
             </a:fld>
             <a:endParaRPr lang="de-DE"/>
           </a:p>
@@ -7844,7 +7844,7 @@
           <a:p>
             <a:fld id="{0A9BFA6A-9A63-4E2D-92C0-C77BFA750EDB}" type="datetime1">
               <a:rPr lang="de-DE" noProof="0" smtClean="0"/>
-              <a:t>18.03.25</a:t>
+              <a:t>20.03.25</a:t>
             </a:fld>
             <a:endParaRPr lang="en-US" noProof="0"/>
           </a:p>
@@ -8127,7 +8127,7 @@
           <a:p>
             <a:fld id="{43A9179C-E631-47AA-B9CB-ABFD8F596650}" type="datetime1">
               <a:rPr lang="de-DE" smtClean="0"/>
-              <a:t>18.03.25</a:t>
+              <a:t>20.03.25</a:t>
             </a:fld>
             <a:endParaRPr lang="de-DE"/>
           </a:p>
@@ -8381,7 +8381,7 @@
           <a:p>
             <a:fld id="{43A9179C-E631-47AA-B9CB-ABFD8F596650}" type="datetime1">
               <a:rPr lang="de-DE" smtClean="0"/>
-              <a:t>18.03.25</a:t>
+              <a:t>20.03.25</a:t>
             </a:fld>
             <a:endParaRPr lang="de-DE"/>
           </a:p>
@@ -8794,7 +8794,7 @@
           <a:p>
             <a:fld id="{88C61DB6-D53F-456D-8864-56CE29C6E6BA}" type="datetime1">
               <a:rPr lang="de-DE" smtClean="0"/>
-              <a:t>18.03.25</a:t>
+              <a:t>20.03.25</a:t>
             </a:fld>
             <a:endParaRPr lang="de-DE"/>
           </a:p>
@@ -9182,7 +9182,7 @@
           <a:p>
             <a:fld id="{88C61DB6-D53F-456D-8864-56CE29C6E6BA}" type="datetime1">
               <a:rPr lang="de-DE" smtClean="0"/>
-              <a:t>18.03.25</a:t>
+              <a:t>20.03.25</a:t>
             </a:fld>
             <a:endParaRPr lang="de-DE"/>
           </a:p>
@@ -9316,7 +9316,7 @@
           <a:p>
             <a:fld id="{0A1BF2A7-198D-4BCD-8375-CAC66677F609}" type="datetime1">
               <a:rPr lang="de-DE" smtClean="0"/>
-              <a:t>18.03.25</a:t>
+              <a:t>20.03.25</a:t>
             </a:fld>
             <a:endParaRPr lang="de-DE"/>
           </a:p>
@@ -9490,7 +9490,7 @@
           <a:p>
             <a:fld id="{0A1BF2A7-198D-4BCD-8375-CAC66677F609}" type="datetime1">
               <a:rPr lang="de-DE" smtClean="0"/>
-              <a:t>18.03.25</a:t>
+              <a:t>20.03.25</a:t>
             </a:fld>
             <a:endParaRPr lang="de-DE"/>
           </a:p>
@@ -9710,7 +9710,7 @@
           <a:p>
             <a:fld id="{0A1BF2A7-198D-4BCD-8375-CAC66677F609}" type="datetime1">
               <a:rPr lang="de-DE" smtClean="0"/>
-              <a:t>18.03.25</a:t>
+              <a:t>20.03.25</a:t>
             </a:fld>
             <a:endParaRPr lang="de-DE"/>
           </a:p>
@@ -10025,7 +10025,7 @@
             <a:fld id="{D440409C-9897-4940-8DB3-931E759C1E19}" type="datetime3">
               <a:rPr lang="en-US" smtClean="0"/>
               <a:pPr/>
-              <a:t>18 March 2025</a:t>
+              <a:t>20 March 2025</a:t>
             </a:fld>
             <a:endParaRPr lang="en-US" dirty="0"/>
           </a:p>
@@ -11023,7 +11023,7 @@
           <a:p>
             <a:fld id="{FE82E645-BE21-496B-802B-61065ECF19B4}" type="datetime1">
               <a:rPr lang="de-DE" noProof="0" smtClean="0"/>
-              <a:t>18.03.25</a:t>
+              <a:t>20.03.25</a:t>
             </a:fld>
             <a:endParaRPr lang="en-US" noProof="0"/>
           </a:p>
@@ -11783,6 +11783,140 @@
   <p:clrMapOvr>
     <a:masterClrMapping/>
   </p:clrMapOvr>
+  <p:timing>
+    <p:tnLst>
+      <p:par>
+        <p:cTn id="1" dur="indefinite" restart="never" nodeType="tmRoot">
+          <p:childTnLst>
+            <p:seq concurrent="1" nextAc="seek">
+              <p:cTn id="2" dur="indefinite" nodeType="mainSeq">
+                <p:childTnLst>
+                  <p:par>
+                    <p:cTn id="3" fill="hold">
+                      <p:stCondLst>
+                        <p:cond delay="indefinite"/>
+                      </p:stCondLst>
+                      <p:childTnLst>
+                        <p:par>
+                          <p:cTn id="4" fill="hold">
+                            <p:stCondLst>
+                              <p:cond delay="0"/>
+                            </p:stCondLst>
+                            <p:childTnLst>
+                              <p:par>
+                                <p:cTn id="5" presetID="1" presetClass="entr" presetSubtype="0" fill="hold" grpId="0" nodeType="clickEffect">
+                                  <p:stCondLst>
+                                    <p:cond delay="0"/>
+                                  </p:stCondLst>
+                                  <p:childTnLst>
+                                    <p:set>
+                                      <p:cBhvr>
+                                        <p:cTn id="6" dur="1" fill="hold">
+                                          <p:stCondLst>
+                                            <p:cond delay="0"/>
+                                          </p:stCondLst>
+                                        </p:cTn>
+                                        <p:tgtEl>
+                                          <p:spTgt spid="16"/>
+                                        </p:tgtEl>
+                                        <p:attrNameLst>
+                                          <p:attrName>style.visibility</p:attrName>
+                                        </p:attrNameLst>
+                                      </p:cBhvr>
+                                      <p:to>
+                                        <p:strVal val="visible"/>
+                                      </p:to>
+                                    </p:set>
+                                  </p:childTnLst>
+                                </p:cTn>
+                              </p:par>
+                              <p:par>
+                                <p:cTn id="7" presetID="1" presetClass="entr" presetSubtype="0" fill="hold" grpId="0" nodeType="withEffect">
+                                  <p:stCondLst>
+                                    <p:cond delay="0"/>
+                                  </p:stCondLst>
+                                  <p:childTnLst>
+                                    <p:set>
+                                      <p:cBhvr>
+                                        <p:cTn id="8" dur="1" fill="hold">
+                                          <p:stCondLst>
+                                            <p:cond delay="0"/>
+                                          </p:stCondLst>
+                                        </p:cTn>
+                                        <p:tgtEl>
+                                          <p:spTgt spid="24"/>
+                                        </p:tgtEl>
+                                        <p:attrNameLst>
+                                          <p:attrName>style.visibility</p:attrName>
+                                        </p:attrNameLst>
+                                      </p:cBhvr>
+                                      <p:to>
+                                        <p:strVal val="visible"/>
+                                      </p:to>
+                                    </p:set>
+                                  </p:childTnLst>
+                                </p:cTn>
+                              </p:par>
+                              <p:par>
+                                <p:cTn id="9" presetID="1" presetClass="entr" presetSubtype="0" fill="hold" grpId="0" nodeType="withEffect">
+                                  <p:stCondLst>
+                                    <p:cond delay="0"/>
+                                  </p:stCondLst>
+                                  <p:childTnLst>
+                                    <p:set>
+                                      <p:cBhvr>
+                                        <p:cTn id="10" dur="1" fill="hold">
+                                          <p:stCondLst>
+                                            <p:cond delay="0"/>
+                                          </p:stCondLst>
+                                        </p:cTn>
+                                        <p:tgtEl>
+                                          <p:spTgt spid="2"/>
+                                        </p:tgtEl>
+                                        <p:attrNameLst>
+                                          <p:attrName>style.visibility</p:attrName>
+                                        </p:attrNameLst>
+                                      </p:cBhvr>
+                                      <p:to>
+                                        <p:strVal val="visible"/>
+                                      </p:to>
+                                    </p:set>
+                                  </p:childTnLst>
+                                </p:cTn>
+                              </p:par>
+                            </p:childTnLst>
+                          </p:cTn>
+                        </p:par>
+                      </p:childTnLst>
+                    </p:cTn>
+                  </p:par>
+                </p:childTnLst>
+              </p:cTn>
+              <p:prevCondLst>
+                <p:cond evt="onPrev" delay="0">
+                  <p:tgtEl>
+                    <p:sldTgt/>
+                  </p:tgtEl>
+                </p:cond>
+              </p:prevCondLst>
+              <p:nextCondLst>
+                <p:cond evt="onNext" delay="0">
+                  <p:tgtEl>
+                    <p:sldTgt/>
+                  </p:tgtEl>
+                </p:cond>
+              </p:nextCondLst>
+            </p:seq>
+          </p:childTnLst>
+        </p:cTn>
+      </p:par>
+    </p:tnLst>
+    <p:bldLst>
+      <p:bldP spid="24" grpId="0" animBg="1"/>
+      <p:bldP spid="16" grpId="0" animBg="1"/>
+      <p:bldP spid="2" grpId="0"/>
+    </p:bldLst>
+  </p:timing>
 </p:sld>
 </file>
 
@@ -12062,7 +12196,7 @@
           <a:p>
             <a:fld id="{FE82E645-BE21-496B-802B-61065ECF19B4}" type="datetime1">
               <a:rPr lang="de-DE" noProof="0" smtClean="0"/>
-              <a:t>18.03.25</a:t>
+              <a:t>20.03.25</a:t>
             </a:fld>
             <a:endParaRPr lang="en-US" noProof="0"/>
           </a:p>
@@ -12919,7 +13053,7 @@
           <a:p>
             <a:fld id="{FE82E645-BE21-496B-802B-61065ECF19B4}" type="datetime1">
               <a:rPr lang="de-DE" noProof="0" smtClean="0"/>
-              <a:t>18.03.25</a:t>
+              <a:t>20.03.25</a:t>
             </a:fld>
             <a:endParaRPr lang="en-US" noProof="0"/>
           </a:p>
@@ -15359,7 +15493,7 @@
           <a:p>
             <a:fld id="{FE82E645-BE21-496B-802B-61065ECF19B4}" type="datetime1">
               <a:rPr lang="de-DE" noProof="0" smtClean="0"/>
-              <a:t>18.03.25</a:t>
+              <a:t>20.03.25</a:t>
             </a:fld>
             <a:endParaRPr lang="en-US" noProof="0"/>
           </a:p>
@@ -16983,7 +17117,7 @@
           <a:p>
             <a:fld id="{FE82E645-BE21-496B-802B-61065ECF19B4}" type="datetime1">
               <a:rPr lang="de-DE" noProof="0" smtClean="0"/>
-              <a:t>18.03.25</a:t>
+              <a:t>20.03.25</a:t>
             </a:fld>
             <a:endParaRPr lang="en-US" noProof="0"/>
           </a:p>
@@ -17908,7 +18042,7 @@
           <a:p>
             <a:fld id="{FE82E645-BE21-496B-802B-61065ECF19B4}" type="datetime1">
               <a:rPr lang="de-DE" noProof="0" smtClean="0"/>
-              <a:t>18.03.25</a:t>
+              <a:t>20.03.25</a:t>
             </a:fld>
             <a:endParaRPr lang="en-US" noProof="0"/>
           </a:p>
@@ -19207,6 +19341,99 @@
           </a:p>
         </p:txBody>
       </p:sp>
+      <p:grpSp>
+        <p:nvGrpSpPr>
+          <p:cNvPr id="7" name="Group 6">
+            <a:extLst>
+              <a:ext uri="{FF2B5EF4-FFF2-40B4-BE49-F238E27FC236}">
+                <a16:creationId xmlns:a16="http://schemas.microsoft.com/office/drawing/2014/main" id="{5198D781-6439-4C14-6890-251A21943D2F}"/>
+              </a:ext>
+            </a:extLst>
+          </p:cNvPr>
+          <p:cNvGrpSpPr/>
+          <p:nvPr/>
+        </p:nvGrpSpPr>
+        <p:grpSpPr>
+          <a:xfrm>
+            <a:off x="1835440" y="3563039"/>
+            <a:ext cx="5420095" cy="990773"/>
+            <a:chOff x="1835440" y="3563039"/>
+            <a:chExt cx="5420095" cy="990773"/>
+          </a:xfrm>
+        </p:grpSpPr>
+        <p:pic>
+          <p:nvPicPr>
+            <p:cNvPr id="8" name="Graphic 7" descr="Badge Unfollow with solid fill">
+              <a:extLst>
+                <a:ext uri="{FF2B5EF4-FFF2-40B4-BE49-F238E27FC236}">
+                  <a16:creationId xmlns:a16="http://schemas.microsoft.com/office/drawing/2014/main" id="{785C0FA8-4353-24D2-EFAD-341EB825CF59}"/>
+                </a:ext>
+              </a:extLst>
+            </p:cNvPr>
+            <p:cNvPicPr>
+              <a:picLocks noChangeAspect="1"/>
+            </p:cNvPicPr>
+            <p:nvPr/>
+          </p:nvPicPr>
+          <p:blipFill>
+            <a:blip r:embed="rId8">
+              <a:extLst>
+                <a:ext uri="{96DAC541-7B7A-43D3-8B79-37D633B846F1}">
+                  <asvg:svgBlip xmlns:asvg="http://schemas.microsoft.com/office/drawing/2016/SVG/main" r:embed="rId9"/>
+                </a:ext>
+              </a:extLst>
+            </a:blip>
+            <a:stretch>
+              <a:fillRect/>
+            </a:stretch>
+          </p:blipFill>
+          <p:spPr>
+            <a:xfrm>
+              <a:off x="1835440" y="3563039"/>
+              <a:ext cx="914400" cy="914400"/>
+            </a:xfrm>
+            <a:prstGeom prst="rect">
+              <a:avLst/>
+            </a:prstGeom>
+          </p:spPr>
+        </p:pic>
+        <p:pic>
+          <p:nvPicPr>
+            <p:cNvPr id="18" name="Graphic 17" descr="Tick with solid fill">
+              <a:extLst>
+                <a:ext uri="{FF2B5EF4-FFF2-40B4-BE49-F238E27FC236}">
+                  <a16:creationId xmlns:a16="http://schemas.microsoft.com/office/drawing/2014/main" id="{E0D28757-19CD-D4C9-EB54-E43C2A57F880}"/>
+                </a:ext>
+              </a:extLst>
+            </p:cNvPr>
+            <p:cNvPicPr>
+              <a:picLocks noChangeAspect="1"/>
+            </p:cNvPicPr>
+            <p:nvPr/>
+          </p:nvPicPr>
+          <p:blipFill>
+            <a:blip r:embed="rId10">
+              <a:extLst>
+                <a:ext uri="{96DAC541-7B7A-43D3-8B79-37D633B846F1}">
+                  <asvg:svgBlip xmlns:asvg="http://schemas.microsoft.com/office/drawing/2016/SVG/main" r:embed="rId11"/>
+                </a:ext>
+              </a:extLst>
+            </a:blip>
+            <a:stretch>
+              <a:fillRect/>
+            </a:stretch>
+          </p:blipFill>
+          <p:spPr>
+            <a:xfrm>
+              <a:off x="6341135" y="3639412"/>
+              <a:ext cx="914400" cy="914400"/>
+            </a:xfrm>
+            <a:prstGeom prst="rect">
+              <a:avLst/>
+            </a:prstGeom>
+          </p:spPr>
+        </p:pic>
+      </p:grpSp>
     </p:spTree>
     <p:extLst>
       <p:ext uri="{BB962C8B-B14F-4D97-AF65-F5344CB8AC3E}">
@@ -19603,1429 +19830,33 @@
                       </p:childTnLst>
                     </p:cTn>
                   </p:par>
-                </p:childTnLst>
-              </p:cTn>
-              <p:prevCondLst>
-                <p:cond evt="onPrev" delay="0">
-                  <p:tgtEl>
-                    <p:sldTgt/>
-                  </p:tgtEl>
-                </p:cond>
-              </p:prevCondLst>
-              <p:nextCondLst>
-                <p:cond evt="onNext" delay="0">
-                  <p:tgtEl>
-                    <p:sldTgt/>
-                  </p:tgtEl>
-                </p:cond>
-              </p:nextCondLst>
-            </p:seq>
-          </p:childTnLst>
-        </p:cTn>
-      </p:par>
-    </p:tnLst>
-    <p:bldLst>
-      <p:bldP spid="30" grpId="0" animBg="1"/>
-      <p:bldP spid="36" grpId="1" animBg="1"/>
-      <p:bldP spid="37" grpId="0" animBg="1"/>
-      <p:bldP spid="40" grpId="0" animBg="1"/>
-      <p:bldP spid="41" grpId="0"/>
-      <p:bldP spid="42" grpId="0"/>
-      <p:bldP spid="43" grpId="0"/>
-      <p:bldP spid="44" grpId="0"/>
-      <p:bldP spid="45" grpId="0"/>
-    </p:bldLst>
-  </p:timing>
-</p:sld>
-</file>
-
-<file path=ppt/slides/slide16.xml><?xml version="1.0" encoding="utf-8"?>
-<p:sld xmlns:a="http://schemas.openxmlformats.org/drawingml/2006/main" xmlns:r="http://schemas.openxmlformats.org/officeDocument/2006/relationships" xmlns:p="http://schemas.openxmlformats.org/presentationml/2006/main">
-  <p:cSld>
-    <p:spTree>
-      <p:nvGrpSpPr>
-        <p:cNvPr id="1" name="">
-          <a:extLst>
-            <a:ext uri="{FF2B5EF4-FFF2-40B4-BE49-F238E27FC236}">
-              <a16:creationId xmlns:a16="http://schemas.microsoft.com/office/drawing/2014/main" id="{42E4CE99-9367-3A19-51F8-8A402F76B44F}"/>
-            </a:ext>
-          </a:extLst>
-        </p:cNvPr>
-        <p:cNvGrpSpPr/>
-        <p:nvPr/>
-      </p:nvGrpSpPr>
-      <p:grpSpPr>
-        <a:xfrm>
-          <a:off x="0" y="0"/>
-          <a:ext cx="0" cy="0"/>
-          <a:chOff x="0" y="0"/>
-          <a:chExt cx="0" cy="0"/>
-        </a:xfrm>
-      </p:grpSpPr>
-      <p:sp>
-        <p:nvSpPr>
-          <p:cNvPr id="25" name="TextBox 24">
-            <a:extLst>
-              <a:ext uri="{FF2B5EF4-FFF2-40B4-BE49-F238E27FC236}">
-                <a16:creationId xmlns:a16="http://schemas.microsoft.com/office/drawing/2014/main" id="{7DB00413-5051-10CF-BA56-819EBCEB8989}"/>
-              </a:ext>
-            </a:extLst>
-          </p:cNvPr>
-          <p:cNvSpPr txBox="1"/>
-          <p:nvPr/>
-        </p:nvSpPr>
-        <p:spPr>
-          <a:xfrm>
-            <a:off x="4660086" y="2451457"/>
-            <a:ext cx="4283242" cy="456472"/>
-          </a:xfrm>
-          <a:prstGeom prst="rect">
-            <a:avLst/>
-          </a:prstGeom>
-          <a:noFill/>
-        </p:spPr>
-        <p:txBody>
-          <a:bodyPr wrap="square" rtlCol="0" anchor="t">
-            <a:spAutoFit/>
-          </a:bodyPr>
-          <a:lstStyle/>
-          <a:p>
-            <a:pPr marL="285750" indent="-285750">
-              <a:lnSpc>
-                <a:spcPct val="150000"/>
-              </a:lnSpc>
-              <a:buFont typeface="Arial" panose="020B0604020202020204" pitchFamily="34" charset="0"/>
-              <a:buChar char="•"/>
-            </a:pPr>
-            <a:r>
-              <a:rPr lang="en-DE" dirty="0">
-                <a:solidFill>
-                  <a:schemeClr val="bg1"/>
-                </a:solidFill>
-              </a:rPr>
-              <a:t>ANTLR Visitors</a:t>
-            </a:r>
-          </a:p>
-        </p:txBody>
-      </p:sp>
-      <p:sp>
-        <p:nvSpPr>
-          <p:cNvPr id="16" name="Rounded Rectangle 15">
-            <a:extLst>
-              <a:ext uri="{FF2B5EF4-FFF2-40B4-BE49-F238E27FC236}">
-                <a16:creationId xmlns:a16="http://schemas.microsoft.com/office/drawing/2014/main" id="{08551AB5-5F6F-3B86-A907-AF302FD92B3D}"/>
-              </a:ext>
-            </a:extLst>
-          </p:cNvPr>
-          <p:cNvSpPr/>
-          <p:nvPr/>
-        </p:nvSpPr>
-        <p:spPr>
-          <a:xfrm>
-            <a:off x="182793" y="1100811"/>
-            <a:ext cx="4318999" cy="3376628"/>
-          </a:xfrm>
-          <a:prstGeom prst="roundRect">
-            <a:avLst/>
-          </a:prstGeom>
-          <a:solidFill>
-            <a:schemeClr val="bg2"/>
-          </a:solidFill>
-        </p:spPr>
-        <p:style>
-          <a:lnRef idx="2">
-            <a:schemeClr val="accent1">
-              <a:shade val="15000"/>
-            </a:schemeClr>
-          </a:lnRef>
-          <a:fillRef idx="1">
-            <a:schemeClr val="accent1"/>
-          </a:fillRef>
-          <a:effectRef idx="0">
-            <a:schemeClr val="accent1"/>
-          </a:effectRef>
-          <a:fontRef idx="minor">
-            <a:schemeClr val="lt1"/>
-          </a:fontRef>
-        </p:style>
-        <p:txBody>
-          <a:bodyPr rtlCol="0" anchor="ctr"/>
-          <a:lstStyle/>
-          <a:p>
-            <a:pPr algn="ctr"/>
-            <a:r>
-              <a:rPr lang="en-DE" sz="4800" dirty="0">
-                <a:solidFill>
-                  <a:schemeClr val="tx1">
-                    <a:alpha val="10000"/>
-                  </a:schemeClr>
-                </a:solidFill>
-              </a:rPr>
-              <a:t>Direct</a:t>
-            </a:r>
-          </a:p>
-        </p:txBody>
-      </p:sp>
-      <p:sp>
-        <p:nvSpPr>
-          <p:cNvPr id="18" name="TextBox 17">
-            <a:extLst>
-              <a:ext uri="{FF2B5EF4-FFF2-40B4-BE49-F238E27FC236}">
-                <a16:creationId xmlns:a16="http://schemas.microsoft.com/office/drawing/2014/main" id="{2BB8283F-D2C2-DFEC-E5EE-682FC751060A}"/>
-              </a:ext>
-            </a:extLst>
-          </p:cNvPr>
-          <p:cNvSpPr txBox="1"/>
-          <p:nvPr/>
-        </p:nvSpPr>
-        <p:spPr>
-          <a:xfrm>
-            <a:off x="252226" y="1208852"/>
-            <a:ext cx="4283242" cy="871970"/>
-          </a:xfrm>
-          <a:prstGeom prst="rect">
-            <a:avLst/>
-          </a:prstGeom>
-          <a:noFill/>
-        </p:spPr>
-        <p:txBody>
-          <a:bodyPr wrap="square" rtlCol="0" anchor="t">
-            <a:spAutoFit/>
-          </a:bodyPr>
-          <a:lstStyle/>
-          <a:p>
-            <a:pPr marL="285750" indent="-285750">
-              <a:lnSpc>
-                <a:spcPct val="150000"/>
-              </a:lnSpc>
-              <a:buFont typeface="Arial" panose="020B0604020202020204" pitchFamily="34" charset="0"/>
-              <a:buChar char="•"/>
-            </a:pPr>
-            <a:r>
-              <a:rPr lang="en-DE" dirty="0"/>
-              <a:t>Erlaubt sehr spezifisches Mapping für jede Programmiersprache</a:t>
-            </a:r>
-          </a:p>
-        </p:txBody>
-      </p:sp>
-      <p:sp>
-        <p:nvSpPr>
-          <p:cNvPr id="3" name="Datumsplatzhalter 2">
-            <a:extLst>
-              <a:ext uri="{FF2B5EF4-FFF2-40B4-BE49-F238E27FC236}">
-                <a16:creationId xmlns:a16="http://schemas.microsoft.com/office/drawing/2014/main" id="{24C3B42F-1867-F309-2E5D-208B9CA33C23}"/>
-              </a:ext>
-            </a:extLst>
-          </p:cNvPr>
-          <p:cNvSpPr>
-            <a:spLocks noGrp="1"/>
-          </p:cNvSpPr>
-          <p:nvPr>
-            <p:ph type="dt" sz="half" idx="10"/>
-          </p:nvPr>
-        </p:nvSpPr>
-        <p:spPr/>
-        <p:txBody>
-          <a:bodyPr/>
-          <a:lstStyle/>
-          <a:p>
-            <a:fld id="{FE82E645-BE21-496B-802B-61065ECF19B4}" type="datetime1">
-              <a:rPr lang="de-DE" noProof="0" smtClean="0"/>
-              <a:t>18.03.25</a:t>
-            </a:fld>
-            <a:endParaRPr lang="en-US" noProof="0"/>
-          </a:p>
-        </p:txBody>
-      </p:sp>
-      <p:sp>
-        <p:nvSpPr>
-          <p:cNvPr id="4" name="Foliennummernplatzhalter 3">
-            <a:extLst>
-              <a:ext uri="{FF2B5EF4-FFF2-40B4-BE49-F238E27FC236}">
-                <a16:creationId xmlns:a16="http://schemas.microsoft.com/office/drawing/2014/main" id="{59A0272A-947A-BD68-2E11-B0CD1EB323BE}"/>
-              </a:ext>
-            </a:extLst>
-          </p:cNvPr>
-          <p:cNvSpPr>
-            <a:spLocks noGrp="1"/>
-          </p:cNvSpPr>
-          <p:nvPr>
-            <p:ph type="sldNum" sz="quarter" idx="12"/>
-          </p:nvPr>
-        </p:nvSpPr>
-        <p:spPr/>
-        <p:txBody>
-          <a:bodyPr/>
-          <a:lstStyle/>
-          <a:p>
-            <a:fld id="{61696EC4-B4CF-4701-AD06-A8439D6D8E12}" type="slidenum">
-              <a:rPr lang="en-US" noProof="0" smtClean="0"/>
-              <a:t>16</a:t>
-            </a:fld>
-            <a:endParaRPr lang="en-US" noProof="0"/>
-          </a:p>
-        </p:txBody>
-      </p:sp>
-      <p:sp>
-        <p:nvSpPr>
-          <p:cNvPr id="5" name="Titel 4">
-            <a:extLst>
-              <a:ext uri="{FF2B5EF4-FFF2-40B4-BE49-F238E27FC236}">
-                <a16:creationId xmlns:a16="http://schemas.microsoft.com/office/drawing/2014/main" id="{4EA1DCA9-C537-78D8-23C5-B6498E5AE14E}"/>
-              </a:ext>
-            </a:extLst>
-          </p:cNvPr>
-          <p:cNvSpPr>
-            <a:spLocks noGrp="1"/>
-          </p:cNvSpPr>
-          <p:nvPr>
-            <p:ph type="title"/>
-          </p:nvPr>
-        </p:nvSpPr>
-        <p:spPr/>
-        <p:txBody>
-          <a:bodyPr/>
-          <a:lstStyle/>
-          <a:p>
-            <a:r>
-              <a:rPr lang="de-DE" dirty="0" err="1"/>
-              <a:t>Direct</a:t>
-            </a:r>
-            <a:r>
-              <a:rPr lang="de-DE" dirty="0"/>
-              <a:t>- vs. </a:t>
-            </a:r>
-            <a:r>
-              <a:rPr lang="de-DE" dirty="0" err="1"/>
-              <a:t>Indirect</a:t>
-            </a:r>
-            <a:r>
-              <a:rPr lang="de-DE" dirty="0"/>
-              <a:t>-Mapping</a:t>
-            </a:r>
-          </a:p>
-        </p:txBody>
-      </p:sp>
-      <p:grpSp>
-        <p:nvGrpSpPr>
-          <p:cNvPr id="10" name="Gruppieren 3">
-            <a:extLst>
-              <a:ext uri="{FF2B5EF4-FFF2-40B4-BE49-F238E27FC236}">
-                <a16:creationId xmlns:a16="http://schemas.microsoft.com/office/drawing/2014/main" id="{4186BC6B-1C13-EF38-E123-E6156AD6EC02}"/>
-              </a:ext>
-            </a:extLst>
-          </p:cNvPr>
-          <p:cNvGrpSpPr/>
-          <p:nvPr/>
-        </p:nvGrpSpPr>
-        <p:grpSpPr>
-          <a:xfrm>
-            <a:off x="396000" y="229412"/>
-            <a:ext cx="5351002" cy="276999"/>
-            <a:chOff x="396000" y="229412"/>
-            <a:chExt cx="5351002" cy="276999"/>
-          </a:xfrm>
-        </p:grpSpPr>
-        <p:sp>
-          <p:nvSpPr>
-            <p:cNvPr id="11" name="TextBox 17">
-              <a:extLst>
-                <a:ext uri="{FF2B5EF4-FFF2-40B4-BE49-F238E27FC236}">
-                  <a16:creationId xmlns:a16="http://schemas.microsoft.com/office/drawing/2014/main" id="{A7D3AB4F-8F43-7D1C-DC02-933A79772283}"/>
-                </a:ext>
-              </a:extLst>
-            </p:cNvPr>
-            <p:cNvSpPr txBox="1"/>
-            <p:nvPr/>
-          </p:nvSpPr>
-          <p:spPr>
-            <a:xfrm>
-              <a:off x="396000" y="229412"/>
-              <a:ext cx="698909" cy="276999"/>
-            </a:xfrm>
-            <a:prstGeom prst="rect">
-              <a:avLst/>
-            </a:prstGeom>
-            <a:noFill/>
-          </p:spPr>
-          <p:txBody>
-            <a:bodyPr wrap="none" lIns="0" rIns="0" rtlCol="0">
-              <a:spAutoFit/>
-            </a:bodyPr>
-            <a:lstStyle/>
-            <a:p>
-              <a:r>
-                <a:rPr lang="en-US" sz="1200" dirty="0">
-                  <a:solidFill>
-                    <a:schemeClr val="bg2">
-                      <a:lumMod val="75000"/>
-                    </a:schemeClr>
-                  </a:solidFill>
-                </a:rPr>
-                <a:t>Motivation</a:t>
-              </a:r>
-            </a:p>
-          </p:txBody>
-        </p:sp>
-        <p:sp>
-          <p:nvSpPr>
-            <p:cNvPr id="12" name="TextBox 55">
-              <a:extLst>
-                <a:ext uri="{FF2B5EF4-FFF2-40B4-BE49-F238E27FC236}">
-                  <a16:creationId xmlns:a16="http://schemas.microsoft.com/office/drawing/2014/main" id="{402329F0-3BAD-12B4-BD44-31167E39306E}"/>
-                </a:ext>
-              </a:extLst>
-            </p:cNvPr>
-            <p:cNvSpPr txBox="1"/>
-            <p:nvPr/>
-          </p:nvSpPr>
-          <p:spPr>
-            <a:xfrm>
-              <a:off x="1055563" y="244801"/>
-              <a:ext cx="288284" cy="246221"/>
-            </a:xfrm>
-            <a:prstGeom prst="rect">
-              <a:avLst/>
-            </a:prstGeom>
-            <a:noFill/>
-          </p:spPr>
-          <p:txBody>
-            <a:bodyPr wrap="square" lIns="0" rIns="0" rtlCol="0">
-              <a:spAutoFit/>
-            </a:bodyPr>
-            <a:lstStyle/>
-            <a:p>
-              <a:pPr algn="ctr"/>
-              <a:r>
-                <a:rPr lang="iu-Cans-CA" sz="1000" dirty="0">
-                  <a:solidFill>
-                    <a:schemeClr val="bg2">
-                      <a:lumMod val="75000"/>
-                    </a:schemeClr>
-                  </a:solidFill>
-                  <a:cs typeface="Arial" panose="020B0604020202020204" pitchFamily="34" charset="0"/>
-                </a:rPr>
-                <a:t>ᐅ</a:t>
-              </a:r>
-              <a:endParaRPr lang="en-US" sz="1000" dirty="0">
-                <a:solidFill>
-                  <a:schemeClr val="bg2">
-                    <a:lumMod val="75000"/>
-                  </a:schemeClr>
-                </a:solidFill>
-                <a:latin typeface="Arial" panose="020B0604020202020204" pitchFamily="34" charset="0"/>
-                <a:cs typeface="Arial" panose="020B0604020202020204" pitchFamily="34" charset="0"/>
-              </a:endParaRPr>
-            </a:p>
-          </p:txBody>
-        </p:sp>
-        <p:sp>
-          <p:nvSpPr>
-            <p:cNvPr id="13" name="TextBox 74">
-              <a:extLst>
-                <a:ext uri="{FF2B5EF4-FFF2-40B4-BE49-F238E27FC236}">
-                  <a16:creationId xmlns:a16="http://schemas.microsoft.com/office/drawing/2014/main" id="{F9CBDD03-5F71-5A35-AD3A-9BCD16C74381}"/>
-                </a:ext>
-              </a:extLst>
-            </p:cNvPr>
-            <p:cNvSpPr txBox="1"/>
-            <p:nvPr/>
-          </p:nvSpPr>
-          <p:spPr>
-            <a:xfrm>
-              <a:off x="1304501" y="229412"/>
-              <a:ext cx="637995" cy="276999"/>
-            </a:xfrm>
-            <a:prstGeom prst="rect">
-              <a:avLst/>
-            </a:prstGeom>
-            <a:noFill/>
-          </p:spPr>
-          <p:txBody>
-            <a:bodyPr wrap="none" lIns="0" rIns="0" rtlCol="0">
-              <a:spAutoFit/>
-            </a:bodyPr>
-            <a:lstStyle/>
-            <a:p>
-              <a:r>
-                <a:rPr lang="de-DE" sz="1200" dirty="0">
-                  <a:solidFill>
-                    <a:schemeClr val="bg2">
-                      <a:lumMod val="75000"/>
-                    </a:schemeClr>
-                  </a:solidFill>
-                </a:rPr>
-                <a:t>Überblick</a:t>
-              </a:r>
-              <a:endParaRPr lang="en-US" sz="1200" dirty="0">
-                <a:solidFill>
-                  <a:schemeClr val="bg2">
-                    <a:lumMod val="75000"/>
-                  </a:schemeClr>
-                </a:solidFill>
-              </a:endParaRPr>
-            </a:p>
-          </p:txBody>
-        </p:sp>
-        <p:sp>
-          <p:nvSpPr>
-            <p:cNvPr id="14" name="TextBox 74">
-              <a:extLst>
-                <a:ext uri="{FF2B5EF4-FFF2-40B4-BE49-F238E27FC236}">
-                  <a16:creationId xmlns:a16="http://schemas.microsoft.com/office/drawing/2014/main" id="{03CB6D12-FE08-A12C-8EB8-834B751395B5}"/>
-                </a:ext>
-              </a:extLst>
-            </p:cNvPr>
-            <p:cNvSpPr txBox="1"/>
-            <p:nvPr/>
-          </p:nvSpPr>
-          <p:spPr>
-            <a:xfrm>
-              <a:off x="2152089" y="229412"/>
-              <a:ext cx="281103" cy="276999"/>
-            </a:xfrm>
-            <a:prstGeom prst="rect">
-              <a:avLst/>
-            </a:prstGeom>
-            <a:noFill/>
-          </p:spPr>
-          <p:txBody>
-            <a:bodyPr wrap="none" lIns="0" rIns="0" rtlCol="0">
-              <a:spAutoFit/>
-            </a:bodyPr>
-            <a:lstStyle/>
-            <a:p>
-              <a:r>
-                <a:rPr lang="de-DE" sz="1200" dirty="0">
-                  <a:solidFill>
-                    <a:schemeClr val="bg2">
-                      <a:lumMod val="75000"/>
-                    </a:schemeClr>
-                  </a:solidFill>
-                </a:rPr>
-                <a:t>Tool</a:t>
-              </a:r>
-              <a:endParaRPr lang="en-US" sz="1200" dirty="0">
-                <a:solidFill>
-                  <a:schemeClr val="bg2">
-                    <a:lumMod val="75000"/>
-                  </a:schemeClr>
-                </a:solidFill>
-              </a:endParaRPr>
-            </a:p>
-          </p:txBody>
-        </p:sp>
-        <p:sp>
-          <p:nvSpPr>
-            <p:cNvPr id="15" name="TextBox 55">
-              <a:extLst>
-                <a:ext uri="{FF2B5EF4-FFF2-40B4-BE49-F238E27FC236}">
-                  <a16:creationId xmlns:a16="http://schemas.microsoft.com/office/drawing/2014/main" id="{99DBC8A2-081C-B117-4F1F-4FCE6C6EB3C4}"/>
-                </a:ext>
-              </a:extLst>
-            </p:cNvPr>
-            <p:cNvSpPr txBox="1"/>
-            <p:nvPr/>
-          </p:nvSpPr>
-          <p:spPr>
-            <a:xfrm>
-              <a:off x="1903150" y="244801"/>
-              <a:ext cx="288284" cy="246221"/>
-            </a:xfrm>
-            <a:prstGeom prst="rect">
-              <a:avLst/>
-            </a:prstGeom>
-            <a:noFill/>
-          </p:spPr>
-          <p:txBody>
-            <a:bodyPr wrap="square" lIns="0" rIns="0" rtlCol="0">
-              <a:spAutoFit/>
-            </a:bodyPr>
-            <a:lstStyle/>
-            <a:p>
-              <a:pPr algn="ctr"/>
-              <a:r>
-                <a:rPr lang="iu-Cans-CA" sz="1000" dirty="0">
-                  <a:solidFill>
-                    <a:schemeClr val="bg2">
-                      <a:lumMod val="75000"/>
-                    </a:schemeClr>
-                  </a:solidFill>
-                  <a:cs typeface="Arial" panose="020B0604020202020204" pitchFamily="34" charset="0"/>
-                </a:rPr>
-                <a:t>ᐅ</a:t>
-              </a:r>
-              <a:endParaRPr lang="en-US" sz="1000" dirty="0">
-                <a:solidFill>
-                  <a:schemeClr val="bg2">
-                    <a:lumMod val="75000"/>
-                  </a:schemeClr>
-                </a:solidFill>
-                <a:latin typeface="Arial" panose="020B0604020202020204" pitchFamily="34" charset="0"/>
-                <a:cs typeface="Arial" panose="020B0604020202020204" pitchFamily="34" charset="0"/>
-              </a:endParaRPr>
-            </a:p>
-          </p:txBody>
-        </p:sp>
-        <p:sp>
-          <p:nvSpPr>
-            <p:cNvPr id="17" name="TextBox 74">
-              <a:extLst>
-                <a:ext uri="{FF2B5EF4-FFF2-40B4-BE49-F238E27FC236}">
-                  <a16:creationId xmlns:a16="http://schemas.microsoft.com/office/drawing/2014/main" id="{46F18A66-567E-F3D7-45C1-E07A7E6FDFB2}"/>
-                </a:ext>
-              </a:extLst>
-            </p:cNvPr>
-            <p:cNvSpPr txBox="1"/>
-            <p:nvPr/>
-          </p:nvSpPr>
-          <p:spPr>
-            <a:xfrm>
-              <a:off x="3586555" y="229412"/>
-              <a:ext cx="775853" cy="276999"/>
-            </a:xfrm>
-            <a:prstGeom prst="rect">
-              <a:avLst/>
-            </a:prstGeom>
-            <a:noFill/>
-          </p:spPr>
-          <p:txBody>
-            <a:bodyPr wrap="none" lIns="0" rIns="0" rtlCol="0">
-              <a:spAutoFit/>
-            </a:bodyPr>
-            <a:lstStyle/>
-            <a:p>
-              <a:r>
-                <a:rPr lang="de-DE" sz="1200" dirty="0">
-                  <a:solidFill>
-                    <a:schemeClr val="bg2">
-                      <a:lumMod val="75000"/>
-                    </a:schemeClr>
-                  </a:solidFill>
-                </a:rPr>
-                <a:t>Umsetzung</a:t>
-              </a:r>
-              <a:endParaRPr lang="en-US" sz="1200" dirty="0">
-                <a:solidFill>
-                  <a:schemeClr val="bg2">
-                    <a:lumMod val="75000"/>
-                  </a:schemeClr>
-                </a:solidFill>
-              </a:endParaRPr>
-            </a:p>
-          </p:txBody>
-        </p:sp>
-        <p:sp>
-          <p:nvSpPr>
-            <p:cNvPr id="19" name="TextBox 55">
-              <a:extLst>
-                <a:ext uri="{FF2B5EF4-FFF2-40B4-BE49-F238E27FC236}">
-                  <a16:creationId xmlns:a16="http://schemas.microsoft.com/office/drawing/2014/main" id="{C8B3FB13-257F-F277-4567-44C9689855A3}"/>
-                </a:ext>
-              </a:extLst>
-            </p:cNvPr>
-            <p:cNvSpPr txBox="1"/>
-            <p:nvPr/>
-          </p:nvSpPr>
-          <p:spPr>
-            <a:xfrm>
-              <a:off x="3337616" y="244801"/>
-              <a:ext cx="288284" cy="246221"/>
-            </a:xfrm>
-            <a:prstGeom prst="rect">
-              <a:avLst/>
-            </a:prstGeom>
-            <a:noFill/>
-          </p:spPr>
-          <p:txBody>
-            <a:bodyPr wrap="square" lIns="0" rIns="0" rtlCol="0">
-              <a:spAutoFit/>
-            </a:bodyPr>
-            <a:lstStyle/>
-            <a:p>
-              <a:pPr algn="ctr"/>
-              <a:r>
-                <a:rPr lang="iu-Cans-CA" sz="1000" dirty="0">
-                  <a:solidFill>
-                    <a:schemeClr val="bg2">
-                      <a:lumMod val="75000"/>
-                    </a:schemeClr>
-                  </a:solidFill>
-                  <a:cs typeface="Arial" panose="020B0604020202020204" pitchFamily="34" charset="0"/>
-                </a:rPr>
-                <a:t>ᐅ</a:t>
-              </a:r>
-              <a:endParaRPr lang="en-US" sz="1000" dirty="0">
-                <a:solidFill>
-                  <a:schemeClr val="bg2">
-                    <a:lumMod val="75000"/>
-                  </a:schemeClr>
-                </a:solidFill>
-                <a:latin typeface="Arial" panose="020B0604020202020204" pitchFamily="34" charset="0"/>
-                <a:cs typeface="Arial" panose="020B0604020202020204" pitchFamily="34" charset="0"/>
-              </a:endParaRPr>
-            </a:p>
-          </p:txBody>
-        </p:sp>
-        <p:sp>
-          <p:nvSpPr>
-            <p:cNvPr id="20" name="TextBox 74">
-              <a:extLst>
-                <a:ext uri="{FF2B5EF4-FFF2-40B4-BE49-F238E27FC236}">
-                  <a16:creationId xmlns:a16="http://schemas.microsoft.com/office/drawing/2014/main" id="{331471EA-8D63-E287-CAE7-E944DD2133F7}"/>
-                </a:ext>
-              </a:extLst>
-            </p:cNvPr>
-            <p:cNvSpPr txBox="1"/>
-            <p:nvPr/>
-          </p:nvSpPr>
-          <p:spPr>
-            <a:xfrm>
-              <a:off x="2642786" y="229412"/>
-              <a:ext cx="734175" cy="276999"/>
-            </a:xfrm>
-            <a:prstGeom prst="rect">
-              <a:avLst/>
-            </a:prstGeom>
-            <a:noFill/>
-          </p:spPr>
-          <p:txBody>
-            <a:bodyPr wrap="none" lIns="0" rIns="0" rtlCol="0">
-              <a:spAutoFit/>
-            </a:bodyPr>
-            <a:lstStyle/>
-            <a:p>
-              <a:r>
-                <a:rPr lang="de-DE" sz="1200" dirty="0"/>
-                <a:t>Architektur</a:t>
-              </a:r>
-              <a:endParaRPr lang="en-US" sz="1200" dirty="0"/>
-            </a:p>
-          </p:txBody>
-        </p:sp>
-        <p:sp>
-          <p:nvSpPr>
-            <p:cNvPr id="22" name="TextBox 55">
-              <a:extLst>
-                <a:ext uri="{FF2B5EF4-FFF2-40B4-BE49-F238E27FC236}">
-                  <a16:creationId xmlns:a16="http://schemas.microsoft.com/office/drawing/2014/main" id="{4B4B032A-384A-17FE-68D6-95D1C24312DC}"/>
-                </a:ext>
-              </a:extLst>
-            </p:cNvPr>
-            <p:cNvSpPr txBox="1"/>
-            <p:nvPr/>
-          </p:nvSpPr>
-          <p:spPr>
-            <a:xfrm>
-              <a:off x="2393847" y="244801"/>
-              <a:ext cx="288284" cy="246221"/>
-            </a:xfrm>
-            <a:prstGeom prst="rect">
-              <a:avLst/>
-            </a:prstGeom>
-            <a:noFill/>
-          </p:spPr>
-          <p:txBody>
-            <a:bodyPr wrap="square" lIns="0" rIns="0" rtlCol="0">
-              <a:spAutoFit/>
-            </a:bodyPr>
-            <a:lstStyle/>
-            <a:p>
-              <a:pPr algn="ctr"/>
-              <a:r>
-                <a:rPr lang="iu-Cans-CA" sz="1000" dirty="0">
-                  <a:solidFill>
-                    <a:schemeClr val="bg2">
-                      <a:lumMod val="75000"/>
-                    </a:schemeClr>
-                  </a:solidFill>
-                  <a:cs typeface="Arial" panose="020B0604020202020204" pitchFamily="34" charset="0"/>
-                </a:rPr>
-                <a:t>ᐅ</a:t>
-              </a:r>
-              <a:endParaRPr lang="en-US" sz="1000" dirty="0">
-                <a:solidFill>
-                  <a:schemeClr val="bg2">
-                    <a:lumMod val="75000"/>
-                  </a:schemeClr>
-                </a:solidFill>
-                <a:latin typeface="Arial" panose="020B0604020202020204" pitchFamily="34" charset="0"/>
-                <a:cs typeface="Arial" panose="020B0604020202020204" pitchFamily="34" charset="0"/>
-              </a:endParaRPr>
-            </a:p>
-          </p:txBody>
-        </p:sp>
-        <p:sp>
-          <p:nvSpPr>
-            <p:cNvPr id="27" name="TextBox 74">
-              <a:extLst>
-                <a:ext uri="{FF2B5EF4-FFF2-40B4-BE49-F238E27FC236}">
-                  <a16:creationId xmlns:a16="http://schemas.microsoft.com/office/drawing/2014/main" id="{5A32E26D-A500-D3FE-985F-508752F8BDFD}"/>
-                </a:ext>
-              </a:extLst>
-            </p:cNvPr>
-            <p:cNvSpPr txBox="1"/>
-            <p:nvPr/>
-          </p:nvSpPr>
-          <p:spPr>
-            <a:xfrm>
-              <a:off x="4572000" y="229412"/>
-              <a:ext cx="1175002" cy="276999"/>
-            </a:xfrm>
-            <a:prstGeom prst="rect">
-              <a:avLst/>
-            </a:prstGeom>
-            <a:noFill/>
-          </p:spPr>
-          <p:txBody>
-            <a:bodyPr wrap="none" lIns="0" rIns="0" rtlCol="0">
-              <a:spAutoFit/>
-            </a:bodyPr>
-            <a:lstStyle/>
-            <a:p>
-              <a:r>
-                <a:rPr lang="de-DE" sz="1200" dirty="0" err="1">
-                  <a:solidFill>
-                    <a:schemeClr val="bg2">
-                      <a:lumMod val="75000"/>
-                    </a:schemeClr>
-                  </a:solidFill>
-                </a:rPr>
-                <a:t>Lessons</a:t>
-              </a:r>
-              <a:r>
-                <a:rPr lang="de-DE" sz="1200" dirty="0">
-                  <a:solidFill>
-                    <a:schemeClr val="bg2">
-                      <a:lumMod val="75000"/>
-                    </a:schemeClr>
-                  </a:solidFill>
-                </a:rPr>
-                <a:t> </a:t>
-              </a:r>
-              <a:r>
-                <a:rPr lang="de-DE" sz="1200" dirty="0" err="1">
-                  <a:solidFill>
-                    <a:schemeClr val="bg2">
-                      <a:lumMod val="75000"/>
-                    </a:schemeClr>
-                  </a:solidFill>
-                </a:rPr>
-                <a:t>Learned</a:t>
-              </a:r>
-              <a:endParaRPr lang="en-US" sz="1200" dirty="0">
-                <a:solidFill>
-                  <a:schemeClr val="bg2">
-                    <a:lumMod val="75000"/>
-                  </a:schemeClr>
-                </a:solidFill>
-              </a:endParaRPr>
-            </a:p>
-          </p:txBody>
-        </p:sp>
-        <p:sp>
-          <p:nvSpPr>
-            <p:cNvPr id="28" name="TextBox 55">
-              <a:extLst>
-                <a:ext uri="{FF2B5EF4-FFF2-40B4-BE49-F238E27FC236}">
-                  <a16:creationId xmlns:a16="http://schemas.microsoft.com/office/drawing/2014/main" id="{F4043FF1-170C-5225-DCBC-5E9D16FD396E}"/>
-                </a:ext>
-              </a:extLst>
-            </p:cNvPr>
-            <p:cNvSpPr txBox="1"/>
-            <p:nvPr/>
-          </p:nvSpPr>
-          <p:spPr>
-            <a:xfrm>
-              <a:off x="4323063" y="244801"/>
-              <a:ext cx="288284" cy="246221"/>
-            </a:xfrm>
-            <a:prstGeom prst="rect">
-              <a:avLst/>
-            </a:prstGeom>
-            <a:noFill/>
-          </p:spPr>
-          <p:txBody>
-            <a:bodyPr wrap="square" lIns="0" rIns="0" rtlCol="0">
-              <a:spAutoFit/>
-            </a:bodyPr>
-            <a:lstStyle/>
-            <a:p>
-              <a:pPr algn="ctr"/>
-              <a:r>
-                <a:rPr lang="iu-Cans-CA" sz="1000" dirty="0">
-                  <a:solidFill>
-                    <a:schemeClr val="bg2">
-                      <a:lumMod val="75000"/>
-                    </a:schemeClr>
-                  </a:solidFill>
-                  <a:cs typeface="Arial" panose="020B0604020202020204" pitchFamily="34" charset="0"/>
-                </a:rPr>
-                <a:t>ᐅ</a:t>
-              </a:r>
-              <a:endParaRPr lang="en-US" sz="1000" dirty="0">
-                <a:solidFill>
-                  <a:schemeClr val="bg2">
-                    <a:lumMod val="75000"/>
-                  </a:schemeClr>
-                </a:solidFill>
-                <a:latin typeface="Arial" panose="020B0604020202020204" pitchFamily="34" charset="0"/>
-                <a:cs typeface="Arial" panose="020B0604020202020204" pitchFamily="34" charset="0"/>
-              </a:endParaRPr>
-            </a:p>
-          </p:txBody>
-        </p:sp>
-      </p:grpSp>
-      <p:sp>
-        <p:nvSpPr>
-          <p:cNvPr id="6" name="Rounded Rectangle 5">
-            <a:extLst>
-              <a:ext uri="{FF2B5EF4-FFF2-40B4-BE49-F238E27FC236}">
-                <a16:creationId xmlns:a16="http://schemas.microsoft.com/office/drawing/2014/main" id="{D3852E88-F354-9903-16A2-6E73FF0852B3}"/>
-              </a:ext>
-            </a:extLst>
-          </p:cNvPr>
-          <p:cNvSpPr/>
-          <p:nvPr/>
-        </p:nvSpPr>
-        <p:spPr>
-          <a:xfrm>
-            <a:off x="4638836" y="1100811"/>
-            <a:ext cx="4318999" cy="3376628"/>
-          </a:xfrm>
-          <a:prstGeom prst="roundRect">
-            <a:avLst/>
-          </a:prstGeom>
-          <a:solidFill>
-            <a:schemeClr val="bg2"/>
-          </a:solidFill>
-        </p:spPr>
-        <p:style>
-          <a:lnRef idx="2">
-            <a:schemeClr val="accent1">
-              <a:shade val="15000"/>
-            </a:schemeClr>
-          </a:lnRef>
-          <a:fillRef idx="1">
-            <a:schemeClr val="accent1"/>
-          </a:fillRef>
-          <a:effectRef idx="0">
-            <a:schemeClr val="accent1"/>
-          </a:effectRef>
-          <a:fontRef idx="minor">
-            <a:schemeClr val="lt1"/>
-          </a:fontRef>
-        </p:style>
-        <p:txBody>
-          <a:bodyPr rtlCol="0" anchor="ctr"/>
-          <a:lstStyle/>
-          <a:p>
-            <a:pPr algn="ctr"/>
-            <a:r>
-              <a:rPr lang="en-DE" sz="4800" dirty="0">
-                <a:solidFill>
-                  <a:schemeClr val="tx1">
-                    <a:alpha val="10000"/>
-                  </a:schemeClr>
-                </a:solidFill>
-              </a:rPr>
-              <a:t>Indirect</a:t>
-            </a:r>
-          </a:p>
-        </p:txBody>
-      </p:sp>
-      <p:sp>
-        <p:nvSpPr>
-          <p:cNvPr id="7" name="TextBox 6">
-            <a:extLst>
-              <a:ext uri="{FF2B5EF4-FFF2-40B4-BE49-F238E27FC236}">
-                <a16:creationId xmlns:a16="http://schemas.microsoft.com/office/drawing/2014/main" id="{FFCB011E-D4DA-0D0F-7A51-6190B44F4866}"/>
-              </a:ext>
-            </a:extLst>
-          </p:cNvPr>
-          <p:cNvSpPr txBox="1"/>
-          <p:nvPr/>
-        </p:nvSpPr>
-        <p:spPr>
-          <a:xfrm>
-            <a:off x="4695843" y="1208852"/>
-            <a:ext cx="4283242" cy="456472"/>
-          </a:xfrm>
-          <a:prstGeom prst="rect">
-            <a:avLst/>
-          </a:prstGeom>
-          <a:noFill/>
-        </p:spPr>
-        <p:txBody>
-          <a:bodyPr wrap="square" rtlCol="0" anchor="t">
-            <a:spAutoFit/>
-          </a:bodyPr>
-          <a:lstStyle/>
-          <a:p>
-            <a:pPr marL="285750" indent="-285750">
-              <a:lnSpc>
-                <a:spcPct val="150000"/>
-              </a:lnSpc>
-              <a:buFont typeface="Arial" panose="020B0604020202020204" pitchFamily="34" charset="0"/>
-              <a:buChar char="•"/>
-            </a:pPr>
-            <a:r>
-              <a:rPr lang="en-DE" dirty="0"/>
-              <a:t>Konsistente Struktur der Elemente</a:t>
-            </a:r>
-          </a:p>
-        </p:txBody>
-      </p:sp>
-      <p:sp>
-        <p:nvSpPr>
-          <p:cNvPr id="8" name="TextBox 7">
-            <a:extLst>
-              <a:ext uri="{FF2B5EF4-FFF2-40B4-BE49-F238E27FC236}">
-                <a16:creationId xmlns:a16="http://schemas.microsoft.com/office/drawing/2014/main" id="{E982D16D-CFC3-81A5-73D4-6DE8836FE65E}"/>
-              </a:ext>
-            </a:extLst>
-          </p:cNvPr>
-          <p:cNvSpPr txBox="1"/>
-          <p:nvPr/>
-        </p:nvSpPr>
-        <p:spPr>
-          <a:xfrm>
-            <a:off x="252226" y="2049373"/>
-            <a:ext cx="4283242" cy="871970"/>
-          </a:xfrm>
-          <a:prstGeom prst="rect">
-            <a:avLst/>
-          </a:prstGeom>
-          <a:noFill/>
-        </p:spPr>
-        <p:txBody>
-          <a:bodyPr wrap="square" rtlCol="0" anchor="t">
-            <a:spAutoFit/>
-          </a:bodyPr>
-          <a:lstStyle/>
-          <a:p>
-            <a:pPr marL="285750" indent="-285750">
-              <a:lnSpc>
-                <a:spcPct val="150000"/>
-              </a:lnSpc>
-              <a:buFont typeface="Arial" panose="020B0604020202020204" pitchFamily="34" charset="0"/>
-              <a:buChar char="•"/>
-            </a:pPr>
-            <a:r>
-              <a:rPr lang="en-DE" dirty="0"/>
-              <a:t>Erlaubt hohe Flexibilität der zu extrahierenden Informationen</a:t>
-            </a:r>
-          </a:p>
-        </p:txBody>
-      </p:sp>
-      <p:sp>
-        <p:nvSpPr>
-          <p:cNvPr id="21" name="TextBox 20">
-            <a:extLst>
-              <a:ext uri="{FF2B5EF4-FFF2-40B4-BE49-F238E27FC236}">
-                <a16:creationId xmlns:a16="http://schemas.microsoft.com/office/drawing/2014/main" id="{B7E434C3-94BC-FE2E-79CF-DF53B7FCE41B}"/>
-              </a:ext>
-            </a:extLst>
-          </p:cNvPr>
-          <p:cNvSpPr txBox="1"/>
-          <p:nvPr/>
-        </p:nvSpPr>
-        <p:spPr>
-          <a:xfrm>
-            <a:off x="4695843" y="1607640"/>
-            <a:ext cx="4283242" cy="871970"/>
-          </a:xfrm>
-          <a:prstGeom prst="rect">
-            <a:avLst/>
-          </a:prstGeom>
-          <a:noFill/>
-        </p:spPr>
-        <p:txBody>
-          <a:bodyPr wrap="square" rtlCol="0" anchor="t">
-            <a:spAutoFit/>
-          </a:bodyPr>
-          <a:lstStyle/>
-          <a:p>
-            <a:pPr marL="285750" indent="-285750">
-              <a:lnSpc>
-                <a:spcPct val="150000"/>
-              </a:lnSpc>
-              <a:buFont typeface="Arial" panose="020B0604020202020204" pitchFamily="34" charset="0"/>
-              <a:buChar char="•"/>
-            </a:pPr>
-            <a:r>
-              <a:rPr lang="en-DE" dirty="0"/>
-              <a:t>Vereinfacht Integration neuer Sprachen in das ArDoCo-Framework</a:t>
-            </a:r>
-          </a:p>
-        </p:txBody>
-      </p:sp>
-      <p:sp>
-        <p:nvSpPr>
-          <p:cNvPr id="23" name="TextBox 22">
-            <a:extLst>
-              <a:ext uri="{FF2B5EF4-FFF2-40B4-BE49-F238E27FC236}">
-                <a16:creationId xmlns:a16="http://schemas.microsoft.com/office/drawing/2014/main" id="{659C1527-FD05-CAC9-60C4-423C1A2F6D22}"/>
-              </a:ext>
-            </a:extLst>
-          </p:cNvPr>
-          <p:cNvSpPr txBox="1"/>
-          <p:nvPr/>
-        </p:nvSpPr>
-        <p:spPr>
-          <a:xfrm>
-            <a:off x="4695843" y="2421926"/>
-            <a:ext cx="4283242" cy="456472"/>
-          </a:xfrm>
-          <a:prstGeom prst="rect">
-            <a:avLst/>
-          </a:prstGeom>
-          <a:noFill/>
-        </p:spPr>
-        <p:txBody>
-          <a:bodyPr wrap="square" rtlCol="0" anchor="t">
-            <a:spAutoFit/>
-          </a:bodyPr>
-          <a:lstStyle/>
-          <a:p>
-            <a:pPr marL="285750" indent="-285750">
-              <a:lnSpc>
-                <a:spcPct val="150000"/>
-              </a:lnSpc>
-              <a:buFont typeface="Arial" panose="020B0604020202020204" pitchFamily="34" charset="0"/>
-              <a:buChar char="•"/>
-            </a:pPr>
-            <a:r>
-              <a:rPr lang="en-DE" dirty="0"/>
-              <a:t>Geringere Wartungsaufwendungen</a:t>
-            </a:r>
-          </a:p>
-        </p:txBody>
-      </p:sp>
-      <p:sp>
-        <p:nvSpPr>
-          <p:cNvPr id="26" name="TextBox 25">
-            <a:extLst>
-              <a:ext uri="{FF2B5EF4-FFF2-40B4-BE49-F238E27FC236}">
-                <a16:creationId xmlns:a16="http://schemas.microsoft.com/office/drawing/2014/main" id="{75BA346E-9439-0EBC-70C3-4FB3B79F0CEA}"/>
-              </a:ext>
-            </a:extLst>
-          </p:cNvPr>
-          <p:cNvSpPr txBox="1"/>
-          <p:nvPr/>
-        </p:nvSpPr>
-        <p:spPr>
-          <a:xfrm>
-            <a:off x="4695843" y="2820714"/>
-            <a:ext cx="4283242" cy="871970"/>
-          </a:xfrm>
-          <a:prstGeom prst="rect">
-            <a:avLst/>
-          </a:prstGeom>
-          <a:noFill/>
-        </p:spPr>
-        <p:txBody>
-          <a:bodyPr wrap="square" rtlCol="0" anchor="t">
-            <a:spAutoFit/>
-          </a:bodyPr>
-          <a:lstStyle/>
-          <a:p>
-            <a:pPr marL="285750" indent="-285750">
-              <a:lnSpc>
-                <a:spcPct val="150000"/>
-              </a:lnSpc>
-              <a:buFont typeface="Arial" panose="020B0604020202020204" pitchFamily="34" charset="0"/>
-              <a:buChar char="•"/>
-            </a:pPr>
-            <a:r>
-              <a:rPr lang="en-DE" dirty="0"/>
-              <a:t>Keine individuelle Mapping Logik nötig</a:t>
-            </a:r>
-          </a:p>
-        </p:txBody>
-      </p:sp>
-      <p:grpSp>
-        <p:nvGrpSpPr>
-          <p:cNvPr id="29" name="Group 28">
-            <a:extLst>
-              <a:ext uri="{FF2B5EF4-FFF2-40B4-BE49-F238E27FC236}">
-                <a16:creationId xmlns:a16="http://schemas.microsoft.com/office/drawing/2014/main" id="{AD1D0FF6-CD6F-E421-EE47-577FDEAF787F}"/>
-              </a:ext>
-            </a:extLst>
-          </p:cNvPr>
-          <p:cNvGrpSpPr/>
-          <p:nvPr/>
-        </p:nvGrpSpPr>
-        <p:grpSpPr>
-          <a:xfrm>
-            <a:off x="1835440" y="3563039"/>
-            <a:ext cx="5420095" cy="990773"/>
-            <a:chOff x="1835440" y="3563039"/>
-            <a:chExt cx="5420095" cy="990773"/>
-          </a:xfrm>
-        </p:grpSpPr>
-        <p:pic>
-          <p:nvPicPr>
-            <p:cNvPr id="33" name="Graphic 32" descr="Badge Unfollow with solid fill">
-              <a:extLst>
-                <a:ext uri="{FF2B5EF4-FFF2-40B4-BE49-F238E27FC236}">
-                  <a16:creationId xmlns:a16="http://schemas.microsoft.com/office/drawing/2014/main" id="{E741446E-5D14-512B-2F9C-B192EA56C7C2}"/>
-                </a:ext>
-              </a:extLst>
-            </p:cNvPr>
-            <p:cNvPicPr>
-              <a:picLocks noChangeAspect="1"/>
-            </p:cNvPicPr>
-            <p:nvPr/>
-          </p:nvPicPr>
-          <p:blipFill>
-            <a:blip r:embed="rId3">
-              <a:extLst>
-                <a:ext uri="{96DAC541-7B7A-43D3-8B79-37D633B846F1}">
-                  <asvg:svgBlip xmlns:asvg="http://schemas.microsoft.com/office/drawing/2016/SVG/main" r:embed="rId4"/>
-                </a:ext>
-              </a:extLst>
-            </a:blip>
-            <a:stretch>
-              <a:fillRect/>
-            </a:stretch>
-          </p:blipFill>
-          <p:spPr>
-            <a:xfrm>
-              <a:off x="1835440" y="3563039"/>
-              <a:ext cx="914400" cy="914400"/>
-            </a:xfrm>
-            <a:prstGeom prst="rect">
-              <a:avLst/>
-            </a:prstGeom>
-          </p:spPr>
-        </p:pic>
-        <p:pic>
-          <p:nvPicPr>
-            <p:cNvPr id="32" name="Graphic 31" descr="Tick with solid fill">
-              <a:extLst>
-                <a:ext uri="{FF2B5EF4-FFF2-40B4-BE49-F238E27FC236}">
-                  <a16:creationId xmlns:a16="http://schemas.microsoft.com/office/drawing/2014/main" id="{CE656D15-3B24-BF2D-9DD7-CC43D0DC7474}"/>
-                </a:ext>
-              </a:extLst>
-            </p:cNvPr>
-            <p:cNvPicPr>
-              <a:picLocks noChangeAspect="1"/>
-            </p:cNvPicPr>
-            <p:nvPr/>
-          </p:nvPicPr>
-          <p:blipFill>
-            <a:blip r:embed="rId5">
-              <a:extLst>
-                <a:ext uri="{96DAC541-7B7A-43D3-8B79-37D633B846F1}">
-                  <asvg:svgBlip xmlns:asvg="http://schemas.microsoft.com/office/drawing/2016/SVG/main" r:embed="rId6"/>
-                </a:ext>
-              </a:extLst>
-            </a:blip>
-            <a:stretch>
-              <a:fillRect/>
-            </a:stretch>
-          </p:blipFill>
-          <p:spPr>
-            <a:xfrm>
-              <a:off x="6341135" y="3639412"/>
-              <a:ext cx="914400" cy="914400"/>
-            </a:xfrm>
-            <a:prstGeom prst="rect">
-              <a:avLst/>
-            </a:prstGeom>
-          </p:spPr>
-        </p:pic>
-      </p:grpSp>
-    </p:spTree>
-    <p:extLst>
-      <p:ext uri="{BB962C8B-B14F-4D97-AF65-F5344CB8AC3E}">
-        <p14:creationId xmlns:p14="http://schemas.microsoft.com/office/powerpoint/2010/main" val="38250863"/>
-      </p:ext>
-    </p:extLst>
-  </p:cSld>
-  <p:clrMapOvr>
-    <a:masterClrMapping/>
-  </p:clrMapOvr>
-  <p:timing>
-    <p:tnLst>
-      <p:par>
-        <p:cTn id="1" dur="indefinite" restart="never" nodeType="tmRoot">
-          <p:childTnLst>
-            <p:seq concurrent="1" nextAc="seek">
-              <p:cTn id="2" dur="indefinite" nodeType="mainSeq">
-                <p:childTnLst>
                   <p:par>
-                    <p:cTn id="3" fill="hold">
+                    <p:cTn id="33" fill="hold">
                       <p:stCondLst>
                         <p:cond delay="indefinite"/>
                       </p:stCondLst>
                       <p:childTnLst>
                         <p:par>
-                          <p:cTn id="4" fill="hold">
+                          <p:cTn id="34" fill="hold">
                             <p:stCondLst>
                               <p:cond delay="0"/>
                             </p:stCondLst>
                             <p:childTnLst>
                               <p:par>
-                                <p:cTn id="5" presetID="1" presetClass="entr" presetSubtype="0" fill="hold" grpId="0" nodeType="clickEffect">
+                                <p:cTn id="35" presetID="1" presetClass="entr" presetSubtype="0" fill="hold" nodeType="clickEffect">
                                   <p:stCondLst>
                                     <p:cond delay="0"/>
                                   </p:stCondLst>
                                   <p:childTnLst>
                                     <p:set>
                                       <p:cBhvr>
-                                        <p:cTn id="6" dur="1" fill="hold">
+                                        <p:cTn id="36" dur="1" fill="hold">
                                           <p:stCondLst>
                                             <p:cond delay="0"/>
                                           </p:stCondLst>
                                         </p:cTn>
                                         <p:tgtEl>
                                           <p:spTgt spid="7"/>
-                                        </p:tgtEl>
-                                        <p:attrNameLst>
-                                          <p:attrName>style.visibility</p:attrName>
-                                        </p:attrNameLst>
-                                      </p:cBhvr>
-                                      <p:to>
-                                        <p:strVal val="visible"/>
-                                      </p:to>
-                                    </p:set>
-                                  </p:childTnLst>
-                                </p:cTn>
-                              </p:par>
-                              <p:par>
-                                <p:cTn id="7" presetID="1" presetClass="entr" presetSubtype="0" fill="hold" grpId="0" nodeType="withEffect">
-                                  <p:stCondLst>
-                                    <p:cond delay="0"/>
-                                  </p:stCondLst>
-                                  <p:childTnLst>
-                                    <p:set>
-                                      <p:cBhvr>
-                                        <p:cTn id="8" dur="1" fill="hold">
-                                          <p:stCondLst>
-                                            <p:cond delay="0"/>
-                                          </p:stCondLst>
-                                        </p:cTn>
-                                        <p:tgtEl>
-                                          <p:spTgt spid="21"/>
-                                        </p:tgtEl>
-                                        <p:attrNameLst>
-                                          <p:attrName>style.visibility</p:attrName>
-                                        </p:attrNameLst>
-                                      </p:cBhvr>
-                                      <p:to>
-                                        <p:strVal val="visible"/>
-                                      </p:to>
-                                    </p:set>
-                                  </p:childTnLst>
-                                </p:cTn>
-                              </p:par>
-                            </p:childTnLst>
-                          </p:cTn>
-                        </p:par>
-                      </p:childTnLst>
-                    </p:cTn>
-                  </p:par>
-                  <p:par>
-                    <p:cTn id="9" fill="hold">
-                      <p:stCondLst>
-                        <p:cond delay="indefinite"/>
-                      </p:stCondLst>
-                      <p:childTnLst>
-                        <p:par>
-                          <p:cTn id="10" fill="hold">
-                            <p:stCondLst>
-                              <p:cond delay="0"/>
-                            </p:stCondLst>
-                            <p:childTnLst>
-                              <p:par>
-                                <p:cTn id="11" presetID="1" presetClass="entr" presetSubtype="0" fill="hold" grpId="0" nodeType="clickEffect">
-                                  <p:stCondLst>
-                                    <p:cond delay="0"/>
-                                  </p:stCondLst>
-                                  <p:childTnLst>
-                                    <p:set>
-                                      <p:cBhvr>
-                                        <p:cTn id="12" dur="1" fill="hold">
-                                          <p:stCondLst>
-                                            <p:cond delay="0"/>
-                                          </p:stCondLst>
-                                        </p:cTn>
-                                        <p:tgtEl>
-                                          <p:spTgt spid="23"/>
-                                        </p:tgtEl>
-                                        <p:attrNameLst>
-                                          <p:attrName>style.visibility</p:attrName>
-                                        </p:attrNameLst>
-                                      </p:cBhvr>
-                                      <p:to>
-                                        <p:strVal val="visible"/>
-                                      </p:to>
-                                    </p:set>
-                                  </p:childTnLst>
-                                </p:cTn>
-                              </p:par>
-                              <p:par>
-                                <p:cTn id="13" presetID="1" presetClass="entr" presetSubtype="0" fill="hold" grpId="0" nodeType="withEffect">
-                                  <p:stCondLst>
-                                    <p:cond delay="0"/>
-                                  </p:stCondLst>
-                                  <p:childTnLst>
-                                    <p:set>
-                                      <p:cBhvr>
-                                        <p:cTn id="14" dur="1" fill="hold">
-                                          <p:stCondLst>
-                                            <p:cond delay="0"/>
-                                          </p:stCondLst>
-                                        </p:cTn>
-                                        <p:tgtEl>
-                                          <p:spTgt spid="26"/>
-                                        </p:tgtEl>
-                                        <p:attrNameLst>
-                                          <p:attrName>style.visibility</p:attrName>
-                                        </p:attrNameLst>
-                                      </p:cBhvr>
-                                      <p:to>
-                                        <p:strVal val="visible"/>
-                                      </p:to>
-                                    </p:set>
-                                  </p:childTnLst>
-                                </p:cTn>
-                              </p:par>
-                            </p:childTnLst>
-                          </p:cTn>
-                        </p:par>
-                      </p:childTnLst>
-                    </p:cTn>
-                  </p:par>
-                  <p:par>
-                    <p:cTn id="15" fill="hold">
-                      <p:stCondLst>
-                        <p:cond delay="indefinite"/>
-                      </p:stCondLst>
-                      <p:childTnLst>
-                        <p:par>
-                          <p:cTn id="16" fill="hold">
-                            <p:stCondLst>
-                              <p:cond delay="0"/>
-                            </p:stCondLst>
-                            <p:childTnLst>
-                              <p:par>
-                                <p:cTn id="17" presetID="1" presetClass="entr" presetSubtype="0" fill="hold" nodeType="clickEffect">
-                                  <p:stCondLst>
-                                    <p:cond delay="0"/>
-                                  </p:stCondLst>
-                                  <p:childTnLst>
-                                    <p:set>
-                                      <p:cBhvr>
-                                        <p:cTn id="18" dur="1" fill="hold">
-                                          <p:stCondLst>
-                                            <p:cond delay="0"/>
-                                          </p:stCondLst>
-                                        </p:cTn>
-                                        <p:tgtEl>
-                                          <p:spTgt spid="29"/>
                                         </p:tgtEl>
                                         <p:attrNameLst>
                                           <p:attrName>style.visibility</p:attrName>
@@ -21066,16 +19897,21 @@
       </p:par>
     </p:tnLst>
     <p:bldLst>
-      <p:bldP spid="7" grpId="0"/>
-      <p:bldP spid="21" grpId="0"/>
-      <p:bldP spid="23" grpId="0"/>
-      <p:bldP spid="26" grpId="0"/>
+      <p:bldP spid="30" grpId="0" animBg="1"/>
+      <p:bldP spid="36" grpId="1" animBg="1"/>
+      <p:bldP spid="37" grpId="0" animBg="1"/>
+      <p:bldP spid="40" grpId="0" animBg="1"/>
+      <p:bldP spid="41" grpId="0"/>
+      <p:bldP spid="42" grpId="0"/>
+      <p:bldP spid="43" grpId="0"/>
+      <p:bldP spid="44" grpId="0"/>
+      <p:bldP spid="45" grpId="0"/>
     </p:bldLst>
   </p:timing>
 </p:sld>
 </file>
 
-<file path=ppt/slides/slide17.xml><?xml version="1.0" encoding="utf-8"?>
+<file path=ppt/slides/slide16.xml><?xml version="1.0" encoding="utf-8"?>
 <p:sld xmlns:a="http://schemas.openxmlformats.org/drawingml/2006/main" xmlns:r="http://schemas.openxmlformats.org/officeDocument/2006/relationships" xmlns:p="http://schemas.openxmlformats.org/presentationml/2006/main">
   <p:cSld>
     <p:spTree>
@@ -21317,7 +20153,7 @@
           <a:p>
             <a:fld id="{FE82E645-BE21-496B-802B-61065ECF19B4}" type="datetime1">
               <a:rPr lang="de-DE" noProof="0" smtClean="0"/>
-              <a:t>18.03.25</a:t>
+              <a:t>20.03.25</a:t>
             </a:fld>
             <a:endParaRPr lang="en-US" noProof="0"/>
           </a:p>
@@ -21346,7 +20182,7 @@
           <a:p>
             <a:fld id="{61696EC4-B4CF-4701-AD06-A8439D6D8E12}" type="slidenum">
               <a:rPr lang="en-US" noProof="0" smtClean="0"/>
-              <a:t>17</a:t>
+              <a:t>16</a:t>
             </a:fld>
             <a:endParaRPr lang="en-US" noProof="0"/>
           </a:p>
@@ -22080,7 +20916,7 @@
 </p:sld>
 </file>
 
-<file path=ppt/slides/slide18.xml><?xml version="1.0" encoding="utf-8"?>
+<file path=ppt/slides/slide17.xml><?xml version="1.0" encoding="utf-8"?>
 <p:sld xmlns:a="http://schemas.openxmlformats.org/drawingml/2006/main" xmlns:r="http://schemas.openxmlformats.org/officeDocument/2006/relationships" xmlns:p="http://schemas.openxmlformats.org/presentationml/2006/main">
   <p:cSld>
     <p:spTree>
@@ -22126,7 +20962,7 @@
           <a:p>
             <a:fld id="{FE82E645-BE21-496B-802B-61065ECF19B4}" type="datetime1">
               <a:rPr lang="de-DE" noProof="0" smtClean="0"/>
-              <a:t>18.03.25</a:t>
+              <a:t>20.03.25</a:t>
             </a:fld>
             <a:endParaRPr lang="en-US" noProof="0"/>
           </a:p>
@@ -22155,7 +20991,7 @@
           <a:p>
             <a:fld id="{61696EC4-B4CF-4701-AD06-A8439D6D8E12}" type="slidenum">
               <a:rPr lang="en-US" noProof="0" smtClean="0"/>
-              <a:t>18</a:t>
+              <a:t>17</a:t>
             </a:fld>
             <a:endParaRPr lang="en-US" noProof="0"/>
           </a:p>
@@ -23280,7 +22116,7 @@
 </p:sld>
 </file>
 
-<file path=ppt/slides/slide19.xml><?xml version="1.0" encoding="utf-8"?>
+<file path=ppt/slides/slide18.xml><?xml version="1.0" encoding="utf-8"?>
 <p:sld xmlns:a="http://schemas.openxmlformats.org/drawingml/2006/main" xmlns:r="http://schemas.openxmlformats.org/officeDocument/2006/relationships" xmlns:p="http://schemas.openxmlformats.org/presentationml/2006/main">
   <p:cSld>
     <p:spTree>
@@ -24515,7 +23351,7 @@
           <a:p>
             <a:fld id="{FE82E645-BE21-496B-802B-61065ECF19B4}" type="datetime1">
               <a:rPr lang="de-DE" noProof="0" smtClean="0"/>
-              <a:t>18.03.25</a:t>
+              <a:t>20.03.25</a:t>
             </a:fld>
             <a:endParaRPr lang="en-US" noProof="0"/>
           </a:p>
@@ -24544,7 +23380,7 @@
           <a:p>
             <a:fld id="{61696EC4-B4CF-4701-AD06-A8439D6D8E12}" type="slidenum">
               <a:rPr lang="en-US" noProof="0" smtClean="0"/>
-              <a:t>19</a:t>
+              <a:t>18</a:t>
             </a:fld>
             <a:endParaRPr lang="en-US" noProof="0"/>
           </a:p>
@@ -25148,6 +23984,539 @@
           </p:txBody>
         </p:sp>
       </p:grpSp>
+      <p:grpSp>
+        <p:nvGrpSpPr>
+          <p:cNvPr id="16" name="Group 15">
+            <a:extLst>
+              <a:ext uri="{FF2B5EF4-FFF2-40B4-BE49-F238E27FC236}">
+                <a16:creationId xmlns:a16="http://schemas.microsoft.com/office/drawing/2014/main" id="{12C9AF2B-3E46-E7C4-BF1A-DFF1D911B0F5}"/>
+              </a:ext>
+            </a:extLst>
+          </p:cNvPr>
+          <p:cNvGrpSpPr/>
+          <p:nvPr/>
+        </p:nvGrpSpPr>
+        <p:grpSpPr>
+          <a:xfrm>
+            <a:off x="812854" y="3160174"/>
+            <a:ext cx="1684267" cy="1328673"/>
+            <a:chOff x="812854" y="3160174"/>
+            <a:chExt cx="1684267" cy="1328673"/>
+          </a:xfrm>
+        </p:grpSpPr>
+        <p:sp>
+          <p:nvSpPr>
+            <p:cNvPr id="2" name="Freeform 1">
+              <a:extLst>
+                <a:ext uri="{FF2B5EF4-FFF2-40B4-BE49-F238E27FC236}">
+                  <a16:creationId xmlns:a16="http://schemas.microsoft.com/office/drawing/2014/main" id="{10512677-435F-A6A6-733E-BE15306E0F1C}"/>
+                </a:ext>
+              </a:extLst>
+            </p:cNvPr>
+            <p:cNvSpPr/>
+            <p:nvPr/>
+          </p:nvSpPr>
+          <p:spPr>
+            <a:xfrm>
+              <a:off x="812854" y="3653083"/>
+              <a:ext cx="1684267" cy="835764"/>
+            </a:xfrm>
+            <a:custGeom>
+              <a:avLst/>
+              <a:gdLst>
+                <a:gd name="connsiteX0" fmla="*/ 0 w 1392940"/>
+                <a:gd name="connsiteY0" fmla="*/ 83576 h 835764"/>
+                <a:gd name="connsiteX1" fmla="*/ 83576 w 1392940"/>
+                <a:gd name="connsiteY1" fmla="*/ 0 h 835764"/>
+                <a:gd name="connsiteX2" fmla="*/ 1309364 w 1392940"/>
+                <a:gd name="connsiteY2" fmla="*/ 0 h 835764"/>
+                <a:gd name="connsiteX3" fmla="*/ 1392940 w 1392940"/>
+                <a:gd name="connsiteY3" fmla="*/ 83576 h 835764"/>
+                <a:gd name="connsiteX4" fmla="*/ 1392940 w 1392940"/>
+                <a:gd name="connsiteY4" fmla="*/ 752188 h 835764"/>
+                <a:gd name="connsiteX5" fmla="*/ 1309364 w 1392940"/>
+                <a:gd name="connsiteY5" fmla="*/ 835764 h 835764"/>
+                <a:gd name="connsiteX6" fmla="*/ 83576 w 1392940"/>
+                <a:gd name="connsiteY6" fmla="*/ 835764 h 835764"/>
+                <a:gd name="connsiteX7" fmla="*/ 0 w 1392940"/>
+                <a:gd name="connsiteY7" fmla="*/ 752188 h 835764"/>
+                <a:gd name="connsiteX8" fmla="*/ 0 w 1392940"/>
+                <a:gd name="connsiteY8" fmla="*/ 83576 h 835764"/>
+              </a:gdLst>
+              <a:ahLst/>
+              <a:cxnLst>
+                <a:cxn ang="0">
+                  <a:pos x="connsiteX0" y="connsiteY0"/>
+                </a:cxn>
+                <a:cxn ang="0">
+                  <a:pos x="connsiteX1" y="connsiteY1"/>
+                </a:cxn>
+                <a:cxn ang="0">
+                  <a:pos x="connsiteX2" y="connsiteY2"/>
+                </a:cxn>
+                <a:cxn ang="0">
+                  <a:pos x="connsiteX3" y="connsiteY3"/>
+                </a:cxn>
+                <a:cxn ang="0">
+                  <a:pos x="connsiteX4" y="connsiteY4"/>
+                </a:cxn>
+                <a:cxn ang="0">
+                  <a:pos x="connsiteX5" y="connsiteY5"/>
+                </a:cxn>
+                <a:cxn ang="0">
+                  <a:pos x="connsiteX6" y="connsiteY6"/>
+                </a:cxn>
+                <a:cxn ang="0">
+                  <a:pos x="connsiteX7" y="connsiteY7"/>
+                </a:cxn>
+                <a:cxn ang="0">
+                  <a:pos x="connsiteX8" y="connsiteY8"/>
+                </a:cxn>
+              </a:cxnLst>
+              <a:rect l="l" t="t" r="r" b="b"/>
+              <a:pathLst>
+                <a:path w="1392940" h="835764">
+                  <a:moveTo>
+                    <a:pt x="0" y="83576"/>
+                  </a:moveTo>
+                  <a:cubicBezTo>
+                    <a:pt x="0" y="37418"/>
+                    <a:pt x="37418" y="0"/>
+                    <a:pt x="83576" y="0"/>
+                  </a:cubicBezTo>
+                  <a:lnTo>
+                    <a:pt x="1309364" y="0"/>
+                  </a:lnTo>
+                  <a:cubicBezTo>
+                    <a:pt x="1355522" y="0"/>
+                    <a:pt x="1392940" y="37418"/>
+                    <a:pt x="1392940" y="83576"/>
+                  </a:cubicBezTo>
+                  <a:lnTo>
+                    <a:pt x="1392940" y="752188"/>
+                  </a:lnTo>
+                  <a:cubicBezTo>
+                    <a:pt x="1392940" y="798346"/>
+                    <a:pt x="1355522" y="835764"/>
+                    <a:pt x="1309364" y="835764"/>
+                  </a:cubicBezTo>
+                  <a:lnTo>
+                    <a:pt x="83576" y="835764"/>
+                  </a:lnTo>
+                  <a:cubicBezTo>
+                    <a:pt x="37418" y="835764"/>
+                    <a:pt x="0" y="798346"/>
+                    <a:pt x="0" y="752188"/>
+                  </a:cubicBezTo>
+                  <a:lnTo>
+                    <a:pt x="0" y="83576"/>
+                  </a:lnTo>
+                  <a:close/>
+                </a:path>
+              </a:pathLst>
+            </a:custGeom>
+          </p:spPr>
+          <p:style>
+            <a:lnRef idx="2">
+              <a:schemeClr val="lt1">
+                <a:hueOff val="0"/>
+                <a:satOff val="0"/>
+                <a:lumOff val="0"/>
+                <a:alphaOff val="0"/>
+              </a:schemeClr>
+            </a:lnRef>
+            <a:fillRef idx="1">
+              <a:schemeClr val="accent1">
+                <a:hueOff val="0"/>
+                <a:satOff val="0"/>
+                <a:lumOff val="0"/>
+                <a:alphaOff val="0"/>
+              </a:schemeClr>
+            </a:fillRef>
+            <a:effectRef idx="0">
+              <a:schemeClr val="accent1">
+                <a:hueOff val="0"/>
+                <a:satOff val="0"/>
+                <a:lumOff val="0"/>
+                <a:alphaOff val="0"/>
+              </a:schemeClr>
+            </a:effectRef>
+            <a:fontRef idx="minor">
+              <a:schemeClr val="lt1"/>
+            </a:fontRef>
+          </p:style>
+          <p:txBody>
+            <a:bodyPr spcFirstLastPara="0" vert="horz" wrap="square" lIns="93059" tIns="93059" rIns="93059" bIns="93059" numCol="1" spcCol="1270" anchor="ctr" anchorCtr="0">
+              <a:noAutofit/>
+            </a:bodyPr>
+            <a:lstStyle/>
+            <a:p>
+              <a:pPr marL="0" lvl="0" indent="0" algn="ctr" defTabSz="800100">
+                <a:lnSpc>
+                  <a:spcPct val="90000"/>
+                </a:lnSpc>
+                <a:spcBef>
+                  <a:spcPct val="0"/>
+                </a:spcBef>
+                <a:spcAft>
+                  <a:spcPct val="35000"/>
+                </a:spcAft>
+                <a:buNone/>
+              </a:pPr>
+              <a:r>
+                <a:rPr lang="en-GB" sz="1800" kern="1200" dirty="0" err="1"/>
+                <a:t>Vergleich</a:t>
+              </a:r>
+              <a:r>
+                <a:rPr lang="en-GB" sz="1800" kern="1200" dirty="0"/>
+                <a:t> </a:t>
+              </a:r>
+              <a:r>
+                <a:rPr lang="en-GB" sz="1800" kern="1200" dirty="0" err="1"/>
+                <a:t>mit</a:t>
+              </a:r>
+              <a:r>
+                <a:rPr lang="en-GB" sz="1800" kern="1200" dirty="0"/>
+                <a:t> </a:t>
+              </a:r>
+              <a:r>
+                <a:rPr lang="en-GB" sz="1800" kern="1200" dirty="0" err="1"/>
+                <a:t>bisheriger</a:t>
+              </a:r>
+              <a:r>
+                <a:rPr lang="en-GB" sz="1800" kern="1200" dirty="0"/>
+                <a:t> </a:t>
+              </a:r>
+              <a:r>
+                <a:rPr lang="en-GB" sz="1800" kern="1200" dirty="0" err="1"/>
+                <a:t>Lösung</a:t>
+              </a:r>
+              <a:endParaRPr lang="en-GB" sz="1800" kern="1200" dirty="0"/>
+            </a:p>
+          </p:txBody>
+        </p:sp>
+        <p:grpSp>
+          <p:nvGrpSpPr>
+            <p:cNvPr id="9" name="Group 8">
+              <a:extLst>
+                <a:ext uri="{FF2B5EF4-FFF2-40B4-BE49-F238E27FC236}">
+                  <a16:creationId xmlns:a16="http://schemas.microsoft.com/office/drawing/2014/main" id="{90BB86A9-E0F7-A5D8-776F-07667A4C63ED}"/>
+                </a:ext>
+              </a:extLst>
+            </p:cNvPr>
+            <p:cNvGrpSpPr/>
+            <p:nvPr/>
+          </p:nvGrpSpPr>
+          <p:grpSpPr>
+            <a:xfrm>
+              <a:off x="1482264" y="3160174"/>
+              <a:ext cx="345450" cy="428512"/>
+              <a:chOff x="1430146" y="3167217"/>
+              <a:chExt cx="345450" cy="428512"/>
+            </a:xfrm>
+          </p:grpSpPr>
+          <p:sp>
+            <p:nvSpPr>
+              <p:cNvPr id="7" name="Freeform 6">
+                <a:extLst>
+                  <a:ext uri="{FF2B5EF4-FFF2-40B4-BE49-F238E27FC236}">
+                    <a16:creationId xmlns:a16="http://schemas.microsoft.com/office/drawing/2014/main" id="{4494B3E3-597E-95B6-6EAD-6EA2EAF7DD3B}"/>
+                  </a:ext>
+                </a:extLst>
+              </p:cNvPr>
+              <p:cNvSpPr/>
+              <p:nvPr/>
+            </p:nvSpPr>
+            <p:spPr>
+              <a:xfrm rot="5400000">
+                <a:off x="1455220" y="3275353"/>
+                <a:ext cx="295303" cy="345449"/>
+              </a:xfrm>
+              <a:custGeom>
+                <a:avLst/>
+                <a:gdLst>
+                  <a:gd name="connsiteX0" fmla="*/ 0 w 295303"/>
+                  <a:gd name="connsiteY0" fmla="*/ 69090 h 345449"/>
+                  <a:gd name="connsiteX1" fmla="*/ 147652 w 295303"/>
+                  <a:gd name="connsiteY1" fmla="*/ 69090 h 345449"/>
+                  <a:gd name="connsiteX2" fmla="*/ 147652 w 295303"/>
+                  <a:gd name="connsiteY2" fmla="*/ 0 h 345449"/>
+                  <a:gd name="connsiteX3" fmla="*/ 295303 w 295303"/>
+                  <a:gd name="connsiteY3" fmla="*/ 172725 h 345449"/>
+                  <a:gd name="connsiteX4" fmla="*/ 147652 w 295303"/>
+                  <a:gd name="connsiteY4" fmla="*/ 345449 h 345449"/>
+                  <a:gd name="connsiteX5" fmla="*/ 147652 w 295303"/>
+                  <a:gd name="connsiteY5" fmla="*/ 276359 h 345449"/>
+                  <a:gd name="connsiteX6" fmla="*/ 0 w 295303"/>
+                  <a:gd name="connsiteY6" fmla="*/ 276359 h 345449"/>
+                  <a:gd name="connsiteX7" fmla="*/ 0 w 295303"/>
+                  <a:gd name="connsiteY7" fmla="*/ 69090 h 345449"/>
+                </a:gdLst>
+                <a:ahLst/>
+                <a:cxnLst>
+                  <a:cxn ang="0">
+                    <a:pos x="connsiteX0" y="connsiteY0"/>
+                  </a:cxn>
+                  <a:cxn ang="0">
+                    <a:pos x="connsiteX1" y="connsiteY1"/>
+                  </a:cxn>
+                  <a:cxn ang="0">
+                    <a:pos x="connsiteX2" y="connsiteY2"/>
+                  </a:cxn>
+                  <a:cxn ang="0">
+                    <a:pos x="connsiteX3" y="connsiteY3"/>
+                  </a:cxn>
+                  <a:cxn ang="0">
+                    <a:pos x="connsiteX4" y="connsiteY4"/>
+                  </a:cxn>
+                  <a:cxn ang="0">
+                    <a:pos x="connsiteX5" y="connsiteY5"/>
+                  </a:cxn>
+                  <a:cxn ang="0">
+                    <a:pos x="connsiteX6" y="connsiteY6"/>
+                  </a:cxn>
+                  <a:cxn ang="0">
+                    <a:pos x="connsiteX7" y="connsiteY7"/>
+                  </a:cxn>
+                </a:cxnLst>
+                <a:rect l="l" t="t" r="r" b="b"/>
+                <a:pathLst>
+                  <a:path w="295303" h="345449">
+                    <a:moveTo>
+                      <a:pt x="0" y="69090"/>
+                    </a:moveTo>
+                    <a:lnTo>
+                      <a:pt x="147652" y="69090"/>
+                    </a:lnTo>
+                    <a:lnTo>
+                      <a:pt x="147652" y="0"/>
+                    </a:lnTo>
+                    <a:lnTo>
+                      <a:pt x="295303" y="172725"/>
+                    </a:lnTo>
+                    <a:lnTo>
+                      <a:pt x="147652" y="345449"/>
+                    </a:lnTo>
+                    <a:lnTo>
+                      <a:pt x="147652" y="276359"/>
+                    </a:lnTo>
+                    <a:lnTo>
+                      <a:pt x="0" y="276359"/>
+                    </a:lnTo>
+                    <a:lnTo>
+                      <a:pt x="0" y="69090"/>
+                    </a:lnTo>
+                    <a:close/>
+                  </a:path>
+                </a:pathLst>
+              </a:custGeom>
+            </p:spPr>
+            <p:style>
+              <a:lnRef idx="0">
+                <a:schemeClr val="accent1">
+                  <a:tint val="60000"/>
+                  <a:hueOff val="0"/>
+                  <a:satOff val="0"/>
+                  <a:lumOff val="0"/>
+                  <a:alphaOff val="0"/>
+                </a:schemeClr>
+              </a:lnRef>
+              <a:fillRef idx="1">
+                <a:schemeClr val="accent1">
+                  <a:tint val="60000"/>
+                  <a:hueOff val="0"/>
+                  <a:satOff val="0"/>
+                  <a:lumOff val="0"/>
+                  <a:alphaOff val="0"/>
+                </a:schemeClr>
+              </a:fillRef>
+              <a:effectRef idx="0">
+                <a:schemeClr val="accent1">
+                  <a:tint val="60000"/>
+                  <a:hueOff val="0"/>
+                  <a:satOff val="0"/>
+                  <a:lumOff val="0"/>
+                  <a:alphaOff val="0"/>
+                </a:schemeClr>
+              </a:effectRef>
+              <a:fontRef idx="minor">
+                <a:schemeClr val="lt1"/>
+              </a:fontRef>
+            </p:style>
+            <p:txBody>
+              <a:bodyPr spcFirstLastPara="0" vert="horz" wrap="square" lIns="0" tIns="69090" rIns="88591" bIns="69090" numCol="1" spcCol="1270" anchor="ctr" anchorCtr="0">
+                <a:noAutofit/>
+              </a:bodyPr>
+              <a:lstStyle/>
+              <a:p>
+                <a:pPr marL="0" lvl="0" indent="0" algn="ctr" defTabSz="622300">
+                  <a:lnSpc>
+                    <a:spcPct val="90000"/>
+                  </a:lnSpc>
+                  <a:spcBef>
+                    <a:spcPct val="0"/>
+                  </a:spcBef>
+                  <a:spcAft>
+                    <a:spcPct val="35000"/>
+                  </a:spcAft>
+                  <a:buNone/>
+                </a:pPr>
+                <a:endParaRPr lang="en-GB" sz="1400" kern="1200"/>
+              </a:p>
+            </p:txBody>
+          </p:sp>
+          <p:sp>
+            <p:nvSpPr>
+              <p:cNvPr id="8" name="Freeform 7">
+                <a:extLst>
+                  <a:ext uri="{FF2B5EF4-FFF2-40B4-BE49-F238E27FC236}">
+                    <a16:creationId xmlns:a16="http://schemas.microsoft.com/office/drawing/2014/main" id="{0CCE48BD-D1DE-B36B-8454-CE22F68A3541}"/>
+                  </a:ext>
+                </a:extLst>
+              </p:cNvPr>
+              <p:cNvSpPr/>
+              <p:nvPr/>
+            </p:nvSpPr>
+            <p:spPr>
+              <a:xfrm rot="16200000">
+                <a:off x="1455219" y="3142144"/>
+                <a:ext cx="295303" cy="345449"/>
+              </a:xfrm>
+              <a:custGeom>
+                <a:avLst/>
+                <a:gdLst>
+                  <a:gd name="connsiteX0" fmla="*/ 0 w 295303"/>
+                  <a:gd name="connsiteY0" fmla="*/ 69090 h 345449"/>
+                  <a:gd name="connsiteX1" fmla="*/ 147652 w 295303"/>
+                  <a:gd name="connsiteY1" fmla="*/ 69090 h 345449"/>
+                  <a:gd name="connsiteX2" fmla="*/ 147652 w 295303"/>
+                  <a:gd name="connsiteY2" fmla="*/ 0 h 345449"/>
+                  <a:gd name="connsiteX3" fmla="*/ 295303 w 295303"/>
+                  <a:gd name="connsiteY3" fmla="*/ 172725 h 345449"/>
+                  <a:gd name="connsiteX4" fmla="*/ 147652 w 295303"/>
+                  <a:gd name="connsiteY4" fmla="*/ 345449 h 345449"/>
+                  <a:gd name="connsiteX5" fmla="*/ 147652 w 295303"/>
+                  <a:gd name="connsiteY5" fmla="*/ 276359 h 345449"/>
+                  <a:gd name="connsiteX6" fmla="*/ 0 w 295303"/>
+                  <a:gd name="connsiteY6" fmla="*/ 276359 h 345449"/>
+                  <a:gd name="connsiteX7" fmla="*/ 0 w 295303"/>
+                  <a:gd name="connsiteY7" fmla="*/ 69090 h 345449"/>
+                </a:gdLst>
+                <a:ahLst/>
+                <a:cxnLst>
+                  <a:cxn ang="0">
+                    <a:pos x="connsiteX0" y="connsiteY0"/>
+                  </a:cxn>
+                  <a:cxn ang="0">
+                    <a:pos x="connsiteX1" y="connsiteY1"/>
+                  </a:cxn>
+                  <a:cxn ang="0">
+                    <a:pos x="connsiteX2" y="connsiteY2"/>
+                  </a:cxn>
+                  <a:cxn ang="0">
+                    <a:pos x="connsiteX3" y="connsiteY3"/>
+                  </a:cxn>
+                  <a:cxn ang="0">
+                    <a:pos x="connsiteX4" y="connsiteY4"/>
+                  </a:cxn>
+                  <a:cxn ang="0">
+                    <a:pos x="connsiteX5" y="connsiteY5"/>
+                  </a:cxn>
+                  <a:cxn ang="0">
+                    <a:pos x="connsiteX6" y="connsiteY6"/>
+                  </a:cxn>
+                  <a:cxn ang="0">
+                    <a:pos x="connsiteX7" y="connsiteY7"/>
+                  </a:cxn>
+                </a:cxnLst>
+                <a:rect l="l" t="t" r="r" b="b"/>
+                <a:pathLst>
+                  <a:path w="295303" h="345449">
+                    <a:moveTo>
+                      <a:pt x="0" y="69090"/>
+                    </a:moveTo>
+                    <a:lnTo>
+                      <a:pt x="147652" y="69090"/>
+                    </a:lnTo>
+                    <a:lnTo>
+                      <a:pt x="147652" y="0"/>
+                    </a:lnTo>
+                    <a:lnTo>
+                      <a:pt x="295303" y="172725"/>
+                    </a:lnTo>
+                    <a:lnTo>
+                      <a:pt x="147652" y="345449"/>
+                    </a:lnTo>
+                    <a:lnTo>
+                      <a:pt x="147652" y="276359"/>
+                    </a:lnTo>
+                    <a:lnTo>
+                      <a:pt x="0" y="276359"/>
+                    </a:lnTo>
+                    <a:lnTo>
+                      <a:pt x="0" y="69090"/>
+                    </a:lnTo>
+                    <a:close/>
+                  </a:path>
+                </a:pathLst>
+              </a:custGeom>
+            </p:spPr>
+            <p:style>
+              <a:lnRef idx="0">
+                <a:schemeClr val="accent1">
+                  <a:tint val="60000"/>
+                  <a:hueOff val="0"/>
+                  <a:satOff val="0"/>
+                  <a:lumOff val="0"/>
+                  <a:alphaOff val="0"/>
+                </a:schemeClr>
+              </a:lnRef>
+              <a:fillRef idx="1">
+                <a:schemeClr val="accent1">
+                  <a:tint val="60000"/>
+                  <a:hueOff val="0"/>
+                  <a:satOff val="0"/>
+                  <a:lumOff val="0"/>
+                  <a:alphaOff val="0"/>
+                </a:schemeClr>
+              </a:fillRef>
+              <a:effectRef idx="0">
+                <a:schemeClr val="accent1">
+                  <a:tint val="60000"/>
+                  <a:hueOff val="0"/>
+                  <a:satOff val="0"/>
+                  <a:lumOff val="0"/>
+                  <a:alphaOff val="0"/>
+                </a:schemeClr>
+              </a:effectRef>
+              <a:fontRef idx="minor">
+                <a:schemeClr val="lt1"/>
+              </a:fontRef>
+            </p:style>
+            <p:txBody>
+              <a:bodyPr spcFirstLastPara="0" vert="horz" wrap="square" lIns="0" tIns="69090" rIns="88591" bIns="69090" numCol="1" spcCol="1270" anchor="ctr" anchorCtr="0">
+                <a:noAutofit/>
+              </a:bodyPr>
+              <a:lstStyle/>
+              <a:p>
+                <a:pPr marL="0" lvl="0" indent="0" algn="ctr" defTabSz="622300">
+                  <a:lnSpc>
+                    <a:spcPct val="90000"/>
+                  </a:lnSpc>
+                  <a:spcBef>
+                    <a:spcPct val="0"/>
+                  </a:spcBef>
+                  <a:spcAft>
+                    <a:spcPct val="35000"/>
+                  </a:spcAft>
+                  <a:buNone/>
+                </a:pPr>
+                <a:endParaRPr lang="en-GB" sz="1400" kern="1200"/>
+              </a:p>
+            </p:txBody>
+          </p:sp>
+        </p:grpSp>
+      </p:grpSp>
     </p:spTree>
     <p:extLst>
       <p:ext uri="{BB962C8B-B14F-4D97-AF65-F5344CB8AC3E}">
@@ -25192,7 +24561,7 @@
                                           </p:stCondLst>
                                         </p:cTn>
                                         <p:tgtEl>
-                                          <p:spTgt spid="36"/>
+                                          <p:spTgt spid="16"/>
                                         </p:tgtEl>
                                         <p:attrNameLst>
                                           <p:attrName>style.visibility</p:attrName>
@@ -25237,7 +24606,7 @@
                                           </p:stCondLst>
                                         </p:cTn>
                                         <p:tgtEl>
-                                          <p:spTgt spid="37"/>
+                                          <p:spTgt spid="36"/>
                                         </p:tgtEl>
                                         <p:attrNameLst>
                                           <p:attrName>style.visibility</p:attrName>
@@ -25277,6 +24646,51 @@
                                     <p:set>
                                       <p:cBhvr>
                                         <p:cTn id="14" dur="1" fill="hold">
+                                          <p:stCondLst>
+                                            <p:cond delay="0"/>
+                                          </p:stCondLst>
+                                        </p:cTn>
+                                        <p:tgtEl>
+                                          <p:spTgt spid="37"/>
+                                        </p:tgtEl>
+                                        <p:attrNameLst>
+                                          <p:attrName>style.visibility</p:attrName>
+                                        </p:attrNameLst>
+                                      </p:cBhvr>
+                                      <p:to>
+                                        <p:strVal val="visible"/>
+                                      </p:to>
+                                    </p:set>
+                                  </p:childTnLst>
+                                </p:cTn>
+                              </p:par>
+                            </p:childTnLst>
+                          </p:cTn>
+                        </p:par>
+                      </p:childTnLst>
+                    </p:cTn>
+                  </p:par>
+                  <p:par>
+                    <p:cTn id="15" fill="hold">
+                      <p:stCondLst>
+                        <p:cond delay="indefinite"/>
+                      </p:stCondLst>
+                      <p:childTnLst>
+                        <p:par>
+                          <p:cTn id="16" fill="hold">
+                            <p:stCondLst>
+                              <p:cond delay="0"/>
+                            </p:stCondLst>
+                            <p:childTnLst>
+                              <p:par>
+                                <p:cTn id="17" presetID="1" presetClass="entr" presetSubtype="0" fill="hold" nodeType="clickEffect">
+                                  <p:stCondLst>
+                                    <p:cond delay="0"/>
+                                  </p:stCondLst>
+                                  <p:childTnLst>
+                                    <p:set>
+                                      <p:cBhvr>
+                                        <p:cTn id="18" dur="1" fill="hold">
                                           <p:stCondLst>
                                             <p:cond delay="0"/>
                                           </p:stCondLst>
@@ -25326,1417 +24740,7 @@
 </p:sld>
 </file>
 
-<file path=ppt/slides/slide2.xml><?xml version="1.0" encoding="utf-8"?>
-<p:sld xmlns:a="http://schemas.openxmlformats.org/drawingml/2006/main" xmlns:r="http://schemas.openxmlformats.org/officeDocument/2006/relationships" xmlns:p="http://schemas.openxmlformats.org/presentationml/2006/main">
-  <p:cSld>
-    <p:spTree>
-      <p:nvGrpSpPr>
-        <p:cNvPr id="1" name="">
-          <a:extLst>
-            <a:ext uri="{FF2B5EF4-FFF2-40B4-BE49-F238E27FC236}">
-              <a16:creationId xmlns:a16="http://schemas.microsoft.com/office/drawing/2014/main" id="{2B8A7EA5-3A1D-6BF1-6D6A-4401F3BCF6D3}"/>
-            </a:ext>
-          </a:extLst>
-        </p:cNvPr>
-        <p:cNvGrpSpPr/>
-        <p:nvPr/>
-      </p:nvGrpSpPr>
-      <p:grpSpPr>
-        <a:xfrm>
-          <a:off x="0" y="0"/>
-          <a:ext cx="0" cy="0"/>
-          <a:chOff x="0" y="0"/>
-          <a:chExt cx="0" cy="0"/>
-        </a:xfrm>
-      </p:grpSpPr>
-      <p:sp>
-        <p:nvSpPr>
-          <p:cNvPr id="3" name="Datumsplatzhalter 2">
-            <a:extLst>
-              <a:ext uri="{FF2B5EF4-FFF2-40B4-BE49-F238E27FC236}">
-                <a16:creationId xmlns:a16="http://schemas.microsoft.com/office/drawing/2014/main" id="{A155476B-2E4B-2F84-8F87-87CC5921BCD4}"/>
-              </a:ext>
-            </a:extLst>
-          </p:cNvPr>
-          <p:cNvSpPr>
-            <a:spLocks noGrp="1"/>
-          </p:cNvSpPr>
-          <p:nvPr>
-            <p:ph type="dt" sz="half" idx="10"/>
-          </p:nvPr>
-        </p:nvSpPr>
-        <p:spPr/>
-        <p:txBody>
-          <a:bodyPr/>
-          <a:lstStyle/>
-          <a:p>
-            <a:fld id="{FE82E645-BE21-496B-802B-61065ECF19B4}" type="datetime1">
-              <a:rPr lang="de-DE" noProof="0" smtClean="0"/>
-              <a:t>18.03.25</a:t>
-            </a:fld>
-            <a:endParaRPr lang="en-US" noProof="0"/>
-          </a:p>
-        </p:txBody>
-      </p:sp>
-      <p:sp>
-        <p:nvSpPr>
-          <p:cNvPr id="4" name="Foliennummernplatzhalter 3">
-            <a:extLst>
-              <a:ext uri="{FF2B5EF4-FFF2-40B4-BE49-F238E27FC236}">
-                <a16:creationId xmlns:a16="http://schemas.microsoft.com/office/drawing/2014/main" id="{CCDE46AA-C347-F260-0582-D8518A5A0E49}"/>
-              </a:ext>
-            </a:extLst>
-          </p:cNvPr>
-          <p:cNvSpPr>
-            <a:spLocks noGrp="1"/>
-          </p:cNvSpPr>
-          <p:nvPr>
-            <p:ph type="sldNum" sz="quarter" idx="12"/>
-          </p:nvPr>
-        </p:nvSpPr>
-        <p:spPr/>
-        <p:txBody>
-          <a:bodyPr/>
-          <a:lstStyle/>
-          <a:p>
-            <a:fld id="{61696EC4-B4CF-4701-AD06-A8439D6D8E12}" type="slidenum">
-              <a:rPr lang="en-US" noProof="0" smtClean="0"/>
-              <a:t>2</a:t>
-            </a:fld>
-            <a:endParaRPr lang="en-US" noProof="0"/>
-          </a:p>
-        </p:txBody>
-      </p:sp>
-      <p:sp>
-        <p:nvSpPr>
-          <p:cNvPr id="5" name="Titel 4">
-            <a:extLst>
-              <a:ext uri="{FF2B5EF4-FFF2-40B4-BE49-F238E27FC236}">
-                <a16:creationId xmlns:a16="http://schemas.microsoft.com/office/drawing/2014/main" id="{B5566A80-2211-918A-EA12-BC79CB919CCF}"/>
-              </a:ext>
-            </a:extLst>
-          </p:cNvPr>
-          <p:cNvSpPr>
-            <a:spLocks noGrp="1"/>
-          </p:cNvSpPr>
-          <p:nvPr>
-            <p:ph type="title"/>
-          </p:nvPr>
-        </p:nvSpPr>
-        <p:spPr/>
-        <p:txBody>
-          <a:bodyPr/>
-          <a:lstStyle/>
-          <a:p>
-            <a:r>
-              <a:rPr lang="de-DE" dirty="0"/>
-              <a:t>Was ist </a:t>
-            </a:r>
-            <a:r>
-              <a:rPr lang="de-DE" dirty="0" err="1"/>
-              <a:t>ArDoCo</a:t>
-            </a:r>
-            <a:r>
-              <a:rPr lang="de-DE" dirty="0"/>
-              <a:t>?</a:t>
-            </a:r>
-          </a:p>
-        </p:txBody>
-      </p:sp>
-      <p:sp>
-        <p:nvSpPr>
-          <p:cNvPr id="11" name="TextBox 10">
-            <a:extLst>
-              <a:ext uri="{FF2B5EF4-FFF2-40B4-BE49-F238E27FC236}">
-                <a16:creationId xmlns:a16="http://schemas.microsoft.com/office/drawing/2014/main" id="{A80C3C23-8436-799A-A711-CE47E423016E}"/>
-              </a:ext>
-            </a:extLst>
-          </p:cNvPr>
-          <p:cNvSpPr txBox="1"/>
-          <p:nvPr/>
-        </p:nvSpPr>
-        <p:spPr>
-          <a:xfrm>
-            <a:off x="296234" y="888791"/>
-            <a:ext cx="4352474" cy="369332"/>
-          </a:xfrm>
-          <a:prstGeom prst="rect">
-            <a:avLst/>
-          </a:prstGeom>
-          <a:noFill/>
-        </p:spPr>
-        <p:txBody>
-          <a:bodyPr wrap="none" rtlCol="0">
-            <a:spAutoFit/>
-          </a:bodyPr>
-          <a:lstStyle/>
-          <a:p>
-            <a:r>
-              <a:rPr lang="en-DE" dirty="0"/>
-              <a:t>Architecture Documentation Consistency</a:t>
-            </a:r>
-          </a:p>
-        </p:txBody>
-      </p:sp>
-      <p:pic>
-        <p:nvPicPr>
-          <p:cNvPr id="22" name="Graphic 21" descr="Document outline">
-            <a:extLst>
-              <a:ext uri="{FF2B5EF4-FFF2-40B4-BE49-F238E27FC236}">
-                <a16:creationId xmlns:a16="http://schemas.microsoft.com/office/drawing/2014/main" id="{86ECC9B5-6B32-BC89-1835-795DDE3C46EE}"/>
-              </a:ext>
-            </a:extLst>
-          </p:cNvPr>
-          <p:cNvPicPr>
-            <a:picLocks noChangeAspect="1"/>
-          </p:cNvPicPr>
-          <p:nvPr/>
-        </p:nvPicPr>
-        <p:blipFill>
-          <a:blip r:embed="rId3">
-            <a:extLst>
-              <a:ext uri="{96DAC541-7B7A-43D3-8B79-37D633B846F1}">
-                <asvg:svgBlip xmlns:asvg="http://schemas.microsoft.com/office/drawing/2016/SVG/main" r:embed="rId4"/>
-              </a:ext>
-            </a:extLst>
-          </a:blip>
-          <a:stretch>
-            <a:fillRect/>
-          </a:stretch>
-        </p:blipFill>
-        <p:spPr>
-          <a:xfrm>
-            <a:off x="6773994" y="2095509"/>
-            <a:ext cx="1430039" cy="1430039"/>
-          </a:xfrm>
-          <a:prstGeom prst="rect">
-            <a:avLst/>
-          </a:prstGeom>
-        </p:spPr>
-      </p:pic>
-      <p:grpSp>
-        <p:nvGrpSpPr>
-          <p:cNvPr id="17" name="Group 16">
-            <a:extLst>
-              <a:ext uri="{FF2B5EF4-FFF2-40B4-BE49-F238E27FC236}">
-                <a16:creationId xmlns:a16="http://schemas.microsoft.com/office/drawing/2014/main" id="{2E7914CC-A177-ABC7-7F0E-E79A16175A68}"/>
-              </a:ext>
-            </a:extLst>
-          </p:cNvPr>
-          <p:cNvGrpSpPr/>
-          <p:nvPr/>
-        </p:nvGrpSpPr>
-        <p:grpSpPr>
-          <a:xfrm>
-            <a:off x="1227730" y="1514091"/>
-            <a:ext cx="988996" cy="2800248"/>
-            <a:chOff x="1227730" y="1514091"/>
-            <a:chExt cx="988996" cy="2800248"/>
-          </a:xfrm>
-        </p:grpSpPr>
-        <p:pic>
-          <p:nvPicPr>
-            <p:cNvPr id="13" name="Picture 12" descr="A black background with a black square&#10;&#10;AI-generated content may be incorrect.">
-              <a:extLst>
-                <a:ext uri="{FF2B5EF4-FFF2-40B4-BE49-F238E27FC236}">
-                  <a16:creationId xmlns:a16="http://schemas.microsoft.com/office/drawing/2014/main" id="{11A90DA4-5D90-AD3A-4330-2E4C80C389A6}"/>
-                </a:ext>
-              </a:extLst>
-            </p:cNvPr>
-            <p:cNvPicPr>
-              <a:picLocks noChangeAspect="1"/>
-            </p:cNvPicPr>
-            <p:nvPr/>
-          </p:nvPicPr>
-          <p:blipFill>
-            <a:blip r:embed="rId5">
-              <a:extLst>
-                <a:ext uri="{28A0092B-C50C-407E-A947-70E740481C1C}">
-                  <a14:useLocalDpi xmlns:a14="http://schemas.microsoft.com/office/drawing/2010/main" val="0"/>
-                </a:ext>
-              </a:extLst>
-            </a:blip>
-            <a:stretch>
-              <a:fillRect/>
-            </a:stretch>
-          </p:blipFill>
-          <p:spPr>
-            <a:xfrm>
-              <a:off x="1227730" y="3325343"/>
-              <a:ext cx="988996" cy="988996"/>
-            </a:xfrm>
-            <a:prstGeom prst="rect">
-              <a:avLst/>
-            </a:prstGeom>
-          </p:spPr>
-        </p:pic>
-        <p:pic>
-          <p:nvPicPr>
-            <p:cNvPr id="38" name="Graphic 37" descr="Web design outline">
-              <a:extLst>
-                <a:ext uri="{FF2B5EF4-FFF2-40B4-BE49-F238E27FC236}">
-                  <a16:creationId xmlns:a16="http://schemas.microsoft.com/office/drawing/2014/main" id="{6727C9C1-D2ED-FD18-9EF6-EE768F3A1FA1}"/>
-                </a:ext>
-              </a:extLst>
-            </p:cNvPr>
-            <p:cNvPicPr>
-              <a:picLocks noChangeAspect="1"/>
-            </p:cNvPicPr>
-            <p:nvPr/>
-          </p:nvPicPr>
-          <p:blipFill>
-            <a:blip r:embed="rId6">
-              <a:extLst>
-                <a:ext uri="{96DAC541-7B7A-43D3-8B79-37D633B846F1}">
-                  <asvg:svgBlip xmlns:asvg="http://schemas.microsoft.com/office/drawing/2016/SVG/main" r:embed="rId7"/>
-                </a:ext>
-              </a:extLst>
-            </a:blip>
-            <a:stretch>
-              <a:fillRect/>
-            </a:stretch>
-          </p:blipFill>
-          <p:spPr>
-            <a:xfrm>
-              <a:off x="1227730" y="1514091"/>
-              <a:ext cx="988996" cy="988996"/>
-            </a:xfrm>
-            <a:prstGeom prst="rect">
-              <a:avLst/>
-            </a:prstGeom>
-          </p:spPr>
-        </p:pic>
-      </p:grpSp>
-      <p:sp>
-        <p:nvSpPr>
-          <p:cNvPr id="27" name="Right Arrow 26">
-            <a:extLst>
-              <a:ext uri="{FF2B5EF4-FFF2-40B4-BE49-F238E27FC236}">
-                <a16:creationId xmlns:a16="http://schemas.microsoft.com/office/drawing/2014/main" id="{606E1902-6506-1D5B-714A-7C4863C4DC4F}"/>
-              </a:ext>
-            </a:extLst>
-          </p:cNvPr>
-          <p:cNvSpPr/>
-          <p:nvPr/>
-        </p:nvSpPr>
-        <p:spPr>
-          <a:xfrm rot="1005956">
-            <a:off x="2852902" y="2221157"/>
-            <a:ext cx="978408" cy="484632"/>
-          </a:xfrm>
-          <a:prstGeom prst="rightArrow">
-            <a:avLst/>
-          </a:prstGeom>
-        </p:spPr>
-        <p:style>
-          <a:lnRef idx="2">
-            <a:schemeClr val="accent1">
-              <a:shade val="15000"/>
-            </a:schemeClr>
-          </a:lnRef>
-          <a:fillRef idx="1">
-            <a:schemeClr val="accent1"/>
-          </a:fillRef>
-          <a:effectRef idx="0">
-            <a:schemeClr val="accent1"/>
-          </a:effectRef>
-          <a:fontRef idx="minor">
-            <a:schemeClr val="lt1"/>
-          </a:fontRef>
-        </p:style>
-        <p:txBody>
-          <a:bodyPr rtlCol="0" anchor="ctr"/>
-          <a:lstStyle/>
-          <a:p>
-            <a:pPr algn="ctr"/>
-            <a:endParaRPr lang="en-DE"/>
-          </a:p>
-        </p:txBody>
-      </p:sp>
-      <p:grpSp>
-        <p:nvGrpSpPr>
-          <p:cNvPr id="20" name="Group 19">
-            <a:extLst>
-              <a:ext uri="{FF2B5EF4-FFF2-40B4-BE49-F238E27FC236}">
-                <a16:creationId xmlns:a16="http://schemas.microsoft.com/office/drawing/2014/main" id="{0AAB3EFF-D789-D21B-13CC-0467E5A1813E}"/>
-              </a:ext>
-            </a:extLst>
-          </p:cNvPr>
-          <p:cNvGrpSpPr/>
-          <p:nvPr/>
-        </p:nvGrpSpPr>
-        <p:grpSpPr>
-          <a:xfrm>
-            <a:off x="2878937" y="2259934"/>
-            <a:ext cx="3453077" cy="1307725"/>
-            <a:chOff x="2878937" y="2259934"/>
-            <a:chExt cx="3453077" cy="1307725"/>
-          </a:xfrm>
-        </p:grpSpPr>
-        <p:pic>
-          <p:nvPicPr>
-            <p:cNvPr id="10" name="Picture 9" descr="A cartoon of an owl holding a paper&#10;&#10;AI-generated content may be incorrect.">
-              <a:extLst>
-                <a:ext uri="{FF2B5EF4-FFF2-40B4-BE49-F238E27FC236}">
-                  <a16:creationId xmlns:a16="http://schemas.microsoft.com/office/drawing/2014/main" id="{FF0BD6ED-C897-0165-B250-E592022D33C1}"/>
-                </a:ext>
-              </a:extLst>
-            </p:cNvPr>
-            <p:cNvPicPr>
-              <a:picLocks noChangeAspect="1"/>
-            </p:cNvPicPr>
-            <p:nvPr/>
-          </p:nvPicPr>
-          <p:blipFill>
-            <a:blip r:embed="rId8">
-              <a:extLst>
-                <a:ext uri="{28A0092B-C50C-407E-A947-70E740481C1C}">
-                  <a14:useLocalDpi xmlns:a14="http://schemas.microsoft.com/office/drawing/2010/main" val="0"/>
-                </a:ext>
-              </a:extLst>
-            </a:blip>
-            <a:stretch>
-              <a:fillRect/>
-            </a:stretch>
-          </p:blipFill>
-          <p:spPr>
-            <a:xfrm>
-              <a:off x="4168703" y="2259934"/>
-              <a:ext cx="922674" cy="1153343"/>
-            </a:xfrm>
-            <a:prstGeom prst="rect">
-              <a:avLst/>
-            </a:prstGeom>
-          </p:spPr>
-        </p:pic>
-        <p:sp>
-          <p:nvSpPr>
-            <p:cNvPr id="28" name="Right Arrow 27">
-              <a:extLst>
-                <a:ext uri="{FF2B5EF4-FFF2-40B4-BE49-F238E27FC236}">
-                  <a16:creationId xmlns:a16="http://schemas.microsoft.com/office/drawing/2014/main" id="{BA9EC2A2-036F-8117-5EE3-61A647CBA461}"/>
-                </a:ext>
-              </a:extLst>
-            </p:cNvPr>
-            <p:cNvSpPr/>
-            <p:nvPr/>
-          </p:nvSpPr>
-          <p:spPr>
-            <a:xfrm rot="10800000">
-              <a:off x="5353606" y="2615184"/>
-              <a:ext cx="978408" cy="484632"/>
-            </a:xfrm>
-            <a:prstGeom prst="rightArrow">
-              <a:avLst/>
-            </a:prstGeom>
-          </p:spPr>
-          <p:style>
-            <a:lnRef idx="2">
-              <a:schemeClr val="accent1">
-                <a:shade val="15000"/>
-              </a:schemeClr>
-            </a:lnRef>
-            <a:fillRef idx="1">
-              <a:schemeClr val="accent1"/>
-            </a:fillRef>
-            <a:effectRef idx="0">
-              <a:schemeClr val="accent1"/>
-            </a:effectRef>
-            <a:fontRef idx="minor">
-              <a:schemeClr val="lt1"/>
-            </a:fontRef>
-          </p:style>
-          <p:txBody>
-            <a:bodyPr rtlCol="0" anchor="ctr"/>
-            <a:lstStyle/>
-            <a:p>
-              <a:pPr algn="ctr"/>
-              <a:endParaRPr lang="en-DE"/>
-            </a:p>
-          </p:txBody>
-        </p:sp>
-        <p:sp>
-          <p:nvSpPr>
-            <p:cNvPr id="39" name="Right Arrow 38">
-              <a:extLst>
-                <a:ext uri="{FF2B5EF4-FFF2-40B4-BE49-F238E27FC236}">
-                  <a16:creationId xmlns:a16="http://schemas.microsoft.com/office/drawing/2014/main" id="{AB83F42E-5B99-A44A-7D76-71DF0D0AB4CE}"/>
-                </a:ext>
-              </a:extLst>
-            </p:cNvPr>
-            <p:cNvSpPr/>
-            <p:nvPr/>
-          </p:nvSpPr>
-          <p:spPr>
-            <a:xfrm rot="-1020000">
-              <a:off x="2878937" y="3083027"/>
-              <a:ext cx="978408" cy="484632"/>
-            </a:xfrm>
-            <a:prstGeom prst="rightArrow">
-              <a:avLst/>
-            </a:prstGeom>
-          </p:spPr>
-          <p:style>
-            <a:lnRef idx="2">
-              <a:schemeClr val="accent1">
-                <a:shade val="15000"/>
-              </a:schemeClr>
-            </a:lnRef>
-            <a:fillRef idx="1">
-              <a:schemeClr val="accent1"/>
-            </a:fillRef>
-            <a:effectRef idx="0">
-              <a:schemeClr val="accent1"/>
-            </a:effectRef>
-            <a:fontRef idx="minor">
-              <a:schemeClr val="lt1"/>
-            </a:fontRef>
-          </p:style>
-          <p:txBody>
-            <a:bodyPr rtlCol="0" anchor="ctr"/>
-            <a:lstStyle/>
-            <a:p>
-              <a:pPr algn="ctr"/>
-              <a:endParaRPr lang="en-DE"/>
-            </a:p>
-          </p:txBody>
-        </p:sp>
-      </p:grpSp>
-      <p:grpSp>
-        <p:nvGrpSpPr>
-          <p:cNvPr id="8" name="Group 7">
-            <a:extLst>
-              <a:ext uri="{FF2B5EF4-FFF2-40B4-BE49-F238E27FC236}">
-                <a16:creationId xmlns:a16="http://schemas.microsoft.com/office/drawing/2014/main" id="{215F4138-19FD-59A8-5371-84D2672512B0}"/>
-              </a:ext>
-            </a:extLst>
-          </p:cNvPr>
-          <p:cNvGrpSpPr/>
-          <p:nvPr/>
-        </p:nvGrpSpPr>
-        <p:grpSpPr>
-          <a:xfrm>
-            <a:off x="987203" y="1744223"/>
-            <a:ext cx="4262683" cy="1293900"/>
-            <a:chOff x="987203" y="1744223"/>
-            <a:chExt cx="4262683" cy="1293900"/>
-          </a:xfrm>
-        </p:grpSpPr>
-        <p:sp>
-          <p:nvSpPr>
-            <p:cNvPr id="7" name="Rounded Rectangle 6">
-              <a:extLst>
-                <a:ext uri="{FF2B5EF4-FFF2-40B4-BE49-F238E27FC236}">
-                  <a16:creationId xmlns:a16="http://schemas.microsoft.com/office/drawing/2014/main" id="{B446479B-80F5-3369-48D9-FF87155B42E6}"/>
-                </a:ext>
-              </a:extLst>
-            </p:cNvPr>
-            <p:cNvSpPr/>
-            <p:nvPr/>
-          </p:nvSpPr>
-          <p:spPr>
-            <a:xfrm rot="1028537">
-              <a:off x="987203" y="1744223"/>
-              <a:ext cx="4262683" cy="1293900"/>
-            </a:xfrm>
-            <a:prstGeom prst="roundRect">
-              <a:avLst/>
-            </a:prstGeom>
-            <a:noFill/>
-            <a:ln w="50800">
-              <a:solidFill>
-                <a:srgbClr val="C00000"/>
-              </a:solidFill>
-            </a:ln>
-          </p:spPr>
-          <p:style>
-            <a:lnRef idx="2">
-              <a:schemeClr val="accent1">
-                <a:shade val="15000"/>
-              </a:schemeClr>
-            </a:lnRef>
-            <a:fillRef idx="1">
-              <a:schemeClr val="accent1"/>
-            </a:fillRef>
-            <a:effectRef idx="0">
-              <a:schemeClr val="accent1"/>
-            </a:effectRef>
-            <a:fontRef idx="minor">
-              <a:schemeClr val="lt1"/>
-            </a:fontRef>
-          </p:style>
-          <p:txBody>
-            <a:bodyPr rtlCol="0" anchor="ctr"/>
-            <a:lstStyle/>
-            <a:p>
-              <a:pPr algn="ctr"/>
-              <a:endParaRPr lang="en-DE"/>
-            </a:p>
-          </p:txBody>
-        </p:sp>
-        <p:sp>
-          <p:nvSpPr>
-            <p:cNvPr id="12" name="Right Arrow 11">
-              <a:extLst>
-                <a:ext uri="{FF2B5EF4-FFF2-40B4-BE49-F238E27FC236}">
-                  <a16:creationId xmlns:a16="http://schemas.microsoft.com/office/drawing/2014/main" id="{F602B442-8F4F-0FC5-1B3D-B78B3FBEB42C}"/>
-                </a:ext>
-              </a:extLst>
-            </p:cNvPr>
-            <p:cNvSpPr/>
-            <p:nvPr/>
-          </p:nvSpPr>
-          <p:spPr>
-            <a:xfrm rot="1005956">
-              <a:off x="2192335" y="2115684"/>
-              <a:ext cx="1973797" cy="609903"/>
-            </a:xfrm>
-            <a:prstGeom prst="rightArrow">
-              <a:avLst/>
-            </a:prstGeom>
-          </p:spPr>
-          <p:style>
-            <a:lnRef idx="2">
-              <a:schemeClr val="accent1">
-                <a:shade val="15000"/>
-              </a:schemeClr>
-            </a:lnRef>
-            <a:fillRef idx="1">
-              <a:schemeClr val="accent1"/>
-            </a:fillRef>
-            <a:effectRef idx="0">
-              <a:schemeClr val="accent1"/>
-            </a:effectRef>
-            <a:fontRef idx="minor">
-              <a:schemeClr val="lt1"/>
-            </a:fontRef>
-          </p:style>
-          <p:txBody>
-            <a:bodyPr rtlCol="0" anchor="ctr"/>
-            <a:lstStyle/>
-            <a:p>
-              <a:pPr algn="ctr"/>
-              <a:r>
-                <a:rPr lang="en-DE" dirty="0"/>
-                <a:t>Code Extraktion</a:t>
-              </a:r>
-            </a:p>
-          </p:txBody>
-        </p:sp>
-      </p:grpSp>
-      <p:grpSp>
-        <p:nvGrpSpPr>
-          <p:cNvPr id="29" name="Gruppieren 3">
-            <a:extLst>
-              <a:ext uri="{FF2B5EF4-FFF2-40B4-BE49-F238E27FC236}">
-                <a16:creationId xmlns:a16="http://schemas.microsoft.com/office/drawing/2014/main" id="{56B24417-4338-5261-67AC-BA476D6AEC2D}"/>
-              </a:ext>
-            </a:extLst>
-          </p:cNvPr>
-          <p:cNvGrpSpPr/>
-          <p:nvPr/>
-        </p:nvGrpSpPr>
-        <p:grpSpPr>
-          <a:xfrm>
-            <a:off x="396000" y="229412"/>
-            <a:ext cx="5351002" cy="276999"/>
-            <a:chOff x="396000" y="229412"/>
-            <a:chExt cx="5351002" cy="276999"/>
-          </a:xfrm>
-        </p:grpSpPr>
-        <p:sp>
-          <p:nvSpPr>
-            <p:cNvPr id="30" name="TextBox 17">
-              <a:extLst>
-                <a:ext uri="{FF2B5EF4-FFF2-40B4-BE49-F238E27FC236}">
-                  <a16:creationId xmlns:a16="http://schemas.microsoft.com/office/drawing/2014/main" id="{F31A54A2-0B1A-448E-2320-8E25E4942554}"/>
-                </a:ext>
-              </a:extLst>
-            </p:cNvPr>
-            <p:cNvSpPr txBox="1"/>
-            <p:nvPr/>
-          </p:nvSpPr>
-          <p:spPr>
-            <a:xfrm>
-              <a:off x="396000" y="229412"/>
-              <a:ext cx="698909" cy="276999"/>
-            </a:xfrm>
-            <a:prstGeom prst="rect">
-              <a:avLst/>
-            </a:prstGeom>
-            <a:noFill/>
-          </p:spPr>
-          <p:txBody>
-            <a:bodyPr wrap="none" lIns="0" rIns="0" rtlCol="0">
-              <a:spAutoFit/>
-            </a:bodyPr>
-            <a:lstStyle/>
-            <a:p>
-              <a:r>
-                <a:rPr lang="en-US" sz="1200" dirty="0"/>
-                <a:t>Motivation</a:t>
-              </a:r>
-            </a:p>
-          </p:txBody>
-        </p:sp>
-        <p:sp>
-          <p:nvSpPr>
-            <p:cNvPr id="31" name="TextBox 55">
-              <a:extLst>
-                <a:ext uri="{FF2B5EF4-FFF2-40B4-BE49-F238E27FC236}">
-                  <a16:creationId xmlns:a16="http://schemas.microsoft.com/office/drawing/2014/main" id="{F270A205-0B6E-F97D-0C26-F0FC1646714D}"/>
-                </a:ext>
-              </a:extLst>
-            </p:cNvPr>
-            <p:cNvSpPr txBox="1"/>
-            <p:nvPr/>
-          </p:nvSpPr>
-          <p:spPr>
-            <a:xfrm>
-              <a:off x="1055563" y="244801"/>
-              <a:ext cx="288284" cy="246221"/>
-            </a:xfrm>
-            <a:prstGeom prst="rect">
-              <a:avLst/>
-            </a:prstGeom>
-            <a:noFill/>
-          </p:spPr>
-          <p:txBody>
-            <a:bodyPr wrap="square" lIns="0" rIns="0" rtlCol="0">
-              <a:spAutoFit/>
-            </a:bodyPr>
-            <a:lstStyle/>
-            <a:p>
-              <a:pPr algn="ctr"/>
-              <a:r>
-                <a:rPr lang="iu-Cans-CA" sz="1000" dirty="0">
-                  <a:solidFill>
-                    <a:schemeClr val="bg2">
-                      <a:lumMod val="75000"/>
-                    </a:schemeClr>
-                  </a:solidFill>
-                  <a:cs typeface="Arial" panose="020B0604020202020204" pitchFamily="34" charset="0"/>
-                </a:rPr>
-                <a:t>ᐅ</a:t>
-              </a:r>
-              <a:endParaRPr lang="en-US" sz="1000" dirty="0">
-                <a:solidFill>
-                  <a:schemeClr val="bg2">
-                    <a:lumMod val="75000"/>
-                  </a:schemeClr>
-                </a:solidFill>
-                <a:latin typeface="Arial" panose="020B0604020202020204" pitchFamily="34" charset="0"/>
-                <a:cs typeface="Arial" panose="020B0604020202020204" pitchFamily="34" charset="0"/>
-              </a:endParaRPr>
-            </a:p>
-          </p:txBody>
-        </p:sp>
-        <p:sp>
-          <p:nvSpPr>
-            <p:cNvPr id="32" name="TextBox 74">
-              <a:extLst>
-                <a:ext uri="{FF2B5EF4-FFF2-40B4-BE49-F238E27FC236}">
-                  <a16:creationId xmlns:a16="http://schemas.microsoft.com/office/drawing/2014/main" id="{28A1EBA8-4049-C3E0-D657-FB365AD3A595}"/>
-                </a:ext>
-              </a:extLst>
-            </p:cNvPr>
-            <p:cNvSpPr txBox="1"/>
-            <p:nvPr/>
-          </p:nvSpPr>
-          <p:spPr>
-            <a:xfrm>
-              <a:off x="1304501" y="229412"/>
-              <a:ext cx="637995" cy="276999"/>
-            </a:xfrm>
-            <a:prstGeom prst="rect">
-              <a:avLst/>
-            </a:prstGeom>
-            <a:noFill/>
-          </p:spPr>
-          <p:txBody>
-            <a:bodyPr wrap="none" lIns="0" rIns="0" rtlCol="0">
-              <a:spAutoFit/>
-            </a:bodyPr>
-            <a:lstStyle/>
-            <a:p>
-              <a:r>
-                <a:rPr lang="de-DE" sz="1200" dirty="0">
-                  <a:solidFill>
-                    <a:schemeClr val="bg2">
-                      <a:lumMod val="75000"/>
-                    </a:schemeClr>
-                  </a:solidFill>
-                </a:rPr>
-                <a:t>Überblick</a:t>
-              </a:r>
-              <a:endParaRPr lang="en-US" sz="1200" dirty="0">
-                <a:solidFill>
-                  <a:schemeClr val="bg2">
-                    <a:lumMod val="75000"/>
-                  </a:schemeClr>
-                </a:solidFill>
-              </a:endParaRPr>
-            </a:p>
-          </p:txBody>
-        </p:sp>
-        <p:sp>
-          <p:nvSpPr>
-            <p:cNvPr id="33" name="TextBox 74">
-              <a:extLst>
-                <a:ext uri="{FF2B5EF4-FFF2-40B4-BE49-F238E27FC236}">
-                  <a16:creationId xmlns:a16="http://schemas.microsoft.com/office/drawing/2014/main" id="{F87AE829-EDDB-CC74-100E-E07276ADD351}"/>
-                </a:ext>
-              </a:extLst>
-            </p:cNvPr>
-            <p:cNvSpPr txBox="1"/>
-            <p:nvPr/>
-          </p:nvSpPr>
-          <p:spPr>
-            <a:xfrm>
-              <a:off x="2152089" y="229412"/>
-              <a:ext cx="281103" cy="276999"/>
-            </a:xfrm>
-            <a:prstGeom prst="rect">
-              <a:avLst/>
-            </a:prstGeom>
-            <a:noFill/>
-          </p:spPr>
-          <p:txBody>
-            <a:bodyPr wrap="none" lIns="0" rIns="0" rtlCol="0">
-              <a:spAutoFit/>
-            </a:bodyPr>
-            <a:lstStyle/>
-            <a:p>
-              <a:r>
-                <a:rPr lang="de-DE" sz="1200" dirty="0">
-                  <a:solidFill>
-                    <a:schemeClr val="bg2">
-                      <a:lumMod val="75000"/>
-                    </a:schemeClr>
-                  </a:solidFill>
-                </a:rPr>
-                <a:t>Tool</a:t>
-              </a:r>
-              <a:endParaRPr lang="en-US" sz="1200" dirty="0">
-                <a:solidFill>
-                  <a:schemeClr val="bg2">
-                    <a:lumMod val="75000"/>
-                  </a:schemeClr>
-                </a:solidFill>
-              </a:endParaRPr>
-            </a:p>
-          </p:txBody>
-        </p:sp>
-        <p:sp>
-          <p:nvSpPr>
-            <p:cNvPr id="34" name="TextBox 55">
-              <a:extLst>
-                <a:ext uri="{FF2B5EF4-FFF2-40B4-BE49-F238E27FC236}">
-                  <a16:creationId xmlns:a16="http://schemas.microsoft.com/office/drawing/2014/main" id="{2523928C-906C-EFDB-9D56-0BA79291D474}"/>
-                </a:ext>
-              </a:extLst>
-            </p:cNvPr>
-            <p:cNvSpPr txBox="1"/>
-            <p:nvPr/>
-          </p:nvSpPr>
-          <p:spPr>
-            <a:xfrm>
-              <a:off x="1903150" y="244801"/>
-              <a:ext cx="288284" cy="246221"/>
-            </a:xfrm>
-            <a:prstGeom prst="rect">
-              <a:avLst/>
-            </a:prstGeom>
-            <a:noFill/>
-          </p:spPr>
-          <p:txBody>
-            <a:bodyPr wrap="square" lIns="0" rIns="0" rtlCol="0">
-              <a:spAutoFit/>
-            </a:bodyPr>
-            <a:lstStyle/>
-            <a:p>
-              <a:pPr algn="ctr"/>
-              <a:r>
-                <a:rPr lang="iu-Cans-CA" sz="1000" dirty="0">
-                  <a:solidFill>
-                    <a:schemeClr val="bg2">
-                      <a:lumMod val="75000"/>
-                    </a:schemeClr>
-                  </a:solidFill>
-                  <a:cs typeface="Arial" panose="020B0604020202020204" pitchFamily="34" charset="0"/>
-                </a:rPr>
-                <a:t>ᐅ</a:t>
-              </a:r>
-              <a:endParaRPr lang="en-US" sz="1000" dirty="0">
-                <a:solidFill>
-                  <a:schemeClr val="bg2">
-                    <a:lumMod val="75000"/>
-                  </a:schemeClr>
-                </a:solidFill>
-                <a:latin typeface="Arial" panose="020B0604020202020204" pitchFamily="34" charset="0"/>
-                <a:cs typeface="Arial" panose="020B0604020202020204" pitchFamily="34" charset="0"/>
-              </a:endParaRPr>
-            </a:p>
-          </p:txBody>
-        </p:sp>
-        <p:sp>
-          <p:nvSpPr>
-            <p:cNvPr id="35" name="TextBox 74">
-              <a:extLst>
-                <a:ext uri="{FF2B5EF4-FFF2-40B4-BE49-F238E27FC236}">
-                  <a16:creationId xmlns:a16="http://schemas.microsoft.com/office/drawing/2014/main" id="{671D7642-9FCA-2D18-686A-7BC41489221C}"/>
-                </a:ext>
-              </a:extLst>
-            </p:cNvPr>
-            <p:cNvSpPr txBox="1"/>
-            <p:nvPr/>
-          </p:nvSpPr>
-          <p:spPr>
-            <a:xfrm>
-              <a:off x="3586555" y="229412"/>
-              <a:ext cx="775853" cy="276999"/>
-            </a:xfrm>
-            <a:prstGeom prst="rect">
-              <a:avLst/>
-            </a:prstGeom>
-            <a:noFill/>
-          </p:spPr>
-          <p:txBody>
-            <a:bodyPr wrap="none" lIns="0" rIns="0" rtlCol="0">
-              <a:spAutoFit/>
-            </a:bodyPr>
-            <a:lstStyle/>
-            <a:p>
-              <a:r>
-                <a:rPr lang="de-DE" sz="1200" dirty="0">
-                  <a:solidFill>
-                    <a:schemeClr val="bg2">
-                      <a:lumMod val="75000"/>
-                    </a:schemeClr>
-                  </a:solidFill>
-                </a:rPr>
-                <a:t>Umsetzung</a:t>
-              </a:r>
-              <a:endParaRPr lang="en-US" sz="1200" dirty="0">
-                <a:solidFill>
-                  <a:schemeClr val="bg2">
-                    <a:lumMod val="75000"/>
-                  </a:schemeClr>
-                </a:solidFill>
-              </a:endParaRPr>
-            </a:p>
-          </p:txBody>
-        </p:sp>
-        <p:sp>
-          <p:nvSpPr>
-            <p:cNvPr id="36" name="TextBox 55">
-              <a:extLst>
-                <a:ext uri="{FF2B5EF4-FFF2-40B4-BE49-F238E27FC236}">
-                  <a16:creationId xmlns:a16="http://schemas.microsoft.com/office/drawing/2014/main" id="{6CAEA851-8C06-23BE-9447-1BBC2E0D89FB}"/>
-                </a:ext>
-              </a:extLst>
-            </p:cNvPr>
-            <p:cNvSpPr txBox="1"/>
-            <p:nvPr/>
-          </p:nvSpPr>
-          <p:spPr>
-            <a:xfrm>
-              <a:off x="3337616" y="244801"/>
-              <a:ext cx="288284" cy="246221"/>
-            </a:xfrm>
-            <a:prstGeom prst="rect">
-              <a:avLst/>
-            </a:prstGeom>
-            <a:noFill/>
-          </p:spPr>
-          <p:txBody>
-            <a:bodyPr wrap="square" lIns="0" rIns="0" rtlCol="0">
-              <a:spAutoFit/>
-            </a:bodyPr>
-            <a:lstStyle/>
-            <a:p>
-              <a:pPr algn="ctr"/>
-              <a:r>
-                <a:rPr lang="iu-Cans-CA" sz="1000" dirty="0">
-                  <a:solidFill>
-                    <a:schemeClr val="bg2">
-                      <a:lumMod val="75000"/>
-                    </a:schemeClr>
-                  </a:solidFill>
-                  <a:cs typeface="Arial" panose="020B0604020202020204" pitchFamily="34" charset="0"/>
-                </a:rPr>
-                <a:t>ᐅ</a:t>
-              </a:r>
-              <a:endParaRPr lang="en-US" sz="1000" dirty="0">
-                <a:solidFill>
-                  <a:schemeClr val="bg2">
-                    <a:lumMod val="75000"/>
-                  </a:schemeClr>
-                </a:solidFill>
-                <a:latin typeface="Arial" panose="020B0604020202020204" pitchFamily="34" charset="0"/>
-                <a:cs typeface="Arial" panose="020B0604020202020204" pitchFamily="34" charset="0"/>
-              </a:endParaRPr>
-            </a:p>
-          </p:txBody>
-        </p:sp>
-        <p:sp>
-          <p:nvSpPr>
-            <p:cNvPr id="37" name="TextBox 74">
-              <a:extLst>
-                <a:ext uri="{FF2B5EF4-FFF2-40B4-BE49-F238E27FC236}">
-                  <a16:creationId xmlns:a16="http://schemas.microsoft.com/office/drawing/2014/main" id="{188D6D67-8A11-0FA1-53EB-7387CBB348ED}"/>
-                </a:ext>
-              </a:extLst>
-            </p:cNvPr>
-            <p:cNvSpPr txBox="1"/>
-            <p:nvPr/>
-          </p:nvSpPr>
-          <p:spPr>
-            <a:xfrm>
-              <a:off x="2642786" y="229412"/>
-              <a:ext cx="734175" cy="276999"/>
-            </a:xfrm>
-            <a:prstGeom prst="rect">
-              <a:avLst/>
-            </a:prstGeom>
-            <a:noFill/>
-          </p:spPr>
-          <p:txBody>
-            <a:bodyPr wrap="none" lIns="0" rIns="0" rtlCol="0">
-              <a:spAutoFit/>
-            </a:bodyPr>
-            <a:lstStyle/>
-            <a:p>
-              <a:r>
-                <a:rPr lang="de-DE" sz="1200" dirty="0">
-                  <a:solidFill>
-                    <a:schemeClr val="bg2">
-                      <a:lumMod val="75000"/>
-                    </a:schemeClr>
-                  </a:solidFill>
-                </a:rPr>
-                <a:t>Architektur</a:t>
-              </a:r>
-              <a:endParaRPr lang="en-US" sz="1200" dirty="0">
-                <a:solidFill>
-                  <a:schemeClr val="bg2">
-                    <a:lumMod val="75000"/>
-                  </a:schemeClr>
-                </a:solidFill>
-              </a:endParaRPr>
-            </a:p>
-          </p:txBody>
-        </p:sp>
-        <p:sp>
-          <p:nvSpPr>
-            <p:cNvPr id="40" name="TextBox 55">
-              <a:extLst>
-                <a:ext uri="{FF2B5EF4-FFF2-40B4-BE49-F238E27FC236}">
-                  <a16:creationId xmlns:a16="http://schemas.microsoft.com/office/drawing/2014/main" id="{9FE4B2F6-0F20-5B22-4224-6027459BFCF6}"/>
-                </a:ext>
-              </a:extLst>
-            </p:cNvPr>
-            <p:cNvSpPr txBox="1"/>
-            <p:nvPr/>
-          </p:nvSpPr>
-          <p:spPr>
-            <a:xfrm>
-              <a:off x="2393847" y="244801"/>
-              <a:ext cx="288284" cy="246221"/>
-            </a:xfrm>
-            <a:prstGeom prst="rect">
-              <a:avLst/>
-            </a:prstGeom>
-            <a:noFill/>
-          </p:spPr>
-          <p:txBody>
-            <a:bodyPr wrap="square" lIns="0" rIns="0" rtlCol="0">
-              <a:spAutoFit/>
-            </a:bodyPr>
-            <a:lstStyle/>
-            <a:p>
-              <a:pPr algn="ctr"/>
-              <a:r>
-                <a:rPr lang="iu-Cans-CA" sz="1000" dirty="0">
-                  <a:solidFill>
-                    <a:schemeClr val="bg2">
-                      <a:lumMod val="75000"/>
-                    </a:schemeClr>
-                  </a:solidFill>
-                  <a:cs typeface="Arial" panose="020B0604020202020204" pitchFamily="34" charset="0"/>
-                </a:rPr>
-                <a:t>ᐅ</a:t>
-              </a:r>
-              <a:endParaRPr lang="en-US" sz="1000" dirty="0">
-                <a:solidFill>
-                  <a:schemeClr val="bg2">
-                    <a:lumMod val="75000"/>
-                  </a:schemeClr>
-                </a:solidFill>
-                <a:latin typeface="Arial" panose="020B0604020202020204" pitchFamily="34" charset="0"/>
-                <a:cs typeface="Arial" panose="020B0604020202020204" pitchFamily="34" charset="0"/>
-              </a:endParaRPr>
-            </a:p>
-          </p:txBody>
-        </p:sp>
-        <p:sp>
-          <p:nvSpPr>
-            <p:cNvPr id="41" name="TextBox 74">
-              <a:extLst>
-                <a:ext uri="{FF2B5EF4-FFF2-40B4-BE49-F238E27FC236}">
-                  <a16:creationId xmlns:a16="http://schemas.microsoft.com/office/drawing/2014/main" id="{62585E9D-1A79-0F96-C829-5E8F22F1D404}"/>
-                </a:ext>
-              </a:extLst>
-            </p:cNvPr>
-            <p:cNvSpPr txBox="1"/>
-            <p:nvPr/>
-          </p:nvSpPr>
-          <p:spPr>
-            <a:xfrm>
-              <a:off x="4572000" y="229412"/>
-              <a:ext cx="1175002" cy="276999"/>
-            </a:xfrm>
-            <a:prstGeom prst="rect">
-              <a:avLst/>
-            </a:prstGeom>
-            <a:noFill/>
-          </p:spPr>
-          <p:txBody>
-            <a:bodyPr wrap="none" lIns="0" rIns="0" rtlCol="0">
-              <a:spAutoFit/>
-            </a:bodyPr>
-            <a:lstStyle/>
-            <a:p>
-              <a:r>
-                <a:rPr lang="de-DE" sz="1200" dirty="0" err="1">
-                  <a:solidFill>
-                    <a:schemeClr val="bg2">
-                      <a:lumMod val="75000"/>
-                    </a:schemeClr>
-                  </a:solidFill>
-                </a:rPr>
-                <a:t>Lessons</a:t>
-              </a:r>
-              <a:r>
-                <a:rPr lang="de-DE" sz="1200" dirty="0">
-                  <a:solidFill>
-                    <a:schemeClr val="bg2">
-                      <a:lumMod val="75000"/>
-                    </a:schemeClr>
-                  </a:solidFill>
-                </a:rPr>
-                <a:t> </a:t>
-              </a:r>
-              <a:r>
-                <a:rPr lang="de-DE" sz="1200" dirty="0" err="1">
-                  <a:solidFill>
-                    <a:schemeClr val="bg2">
-                      <a:lumMod val="75000"/>
-                    </a:schemeClr>
-                  </a:solidFill>
-                </a:rPr>
-                <a:t>Learned</a:t>
-              </a:r>
-              <a:endParaRPr lang="en-US" sz="1200" dirty="0">
-                <a:solidFill>
-                  <a:schemeClr val="bg2">
-                    <a:lumMod val="75000"/>
-                  </a:schemeClr>
-                </a:solidFill>
-              </a:endParaRPr>
-            </a:p>
-          </p:txBody>
-        </p:sp>
-        <p:sp>
-          <p:nvSpPr>
-            <p:cNvPr id="42" name="TextBox 55">
-              <a:extLst>
-                <a:ext uri="{FF2B5EF4-FFF2-40B4-BE49-F238E27FC236}">
-                  <a16:creationId xmlns:a16="http://schemas.microsoft.com/office/drawing/2014/main" id="{2B82F2B2-B44E-CA83-998C-20CEB619DA2A}"/>
-                </a:ext>
-              </a:extLst>
-            </p:cNvPr>
-            <p:cNvSpPr txBox="1"/>
-            <p:nvPr/>
-          </p:nvSpPr>
-          <p:spPr>
-            <a:xfrm>
-              <a:off x="4323063" y="244801"/>
-              <a:ext cx="288284" cy="246221"/>
-            </a:xfrm>
-            <a:prstGeom prst="rect">
-              <a:avLst/>
-            </a:prstGeom>
-            <a:noFill/>
-          </p:spPr>
-          <p:txBody>
-            <a:bodyPr wrap="square" lIns="0" rIns="0" rtlCol="0">
-              <a:spAutoFit/>
-            </a:bodyPr>
-            <a:lstStyle/>
-            <a:p>
-              <a:pPr algn="ctr"/>
-              <a:r>
-                <a:rPr lang="iu-Cans-CA" sz="1000" dirty="0">
-                  <a:solidFill>
-                    <a:schemeClr val="bg2">
-                      <a:lumMod val="75000"/>
-                    </a:schemeClr>
-                  </a:solidFill>
-                  <a:cs typeface="Arial" panose="020B0604020202020204" pitchFamily="34" charset="0"/>
-                </a:rPr>
-                <a:t>ᐅ</a:t>
-              </a:r>
-              <a:endParaRPr lang="en-US" sz="1000" dirty="0">
-                <a:solidFill>
-                  <a:schemeClr val="bg2">
-                    <a:lumMod val="75000"/>
-                  </a:schemeClr>
-                </a:solidFill>
-                <a:latin typeface="Arial" panose="020B0604020202020204" pitchFamily="34" charset="0"/>
-                <a:cs typeface="Arial" panose="020B0604020202020204" pitchFamily="34" charset="0"/>
-              </a:endParaRPr>
-            </a:p>
-          </p:txBody>
-        </p:sp>
-      </p:grpSp>
-    </p:spTree>
-    <p:extLst>
-      <p:ext uri="{BB962C8B-B14F-4D97-AF65-F5344CB8AC3E}">
-        <p14:creationId xmlns:p14="http://schemas.microsoft.com/office/powerpoint/2010/main" val="1379775355"/>
-      </p:ext>
-    </p:extLst>
-  </p:cSld>
-  <p:clrMapOvr>
-    <a:masterClrMapping/>
-  </p:clrMapOvr>
-  <p:timing>
-    <p:tnLst>
-      <p:par>
-        <p:cTn id="1" dur="indefinite" restart="never" nodeType="tmRoot">
-          <p:childTnLst>
-            <p:seq concurrent="1" nextAc="seek">
-              <p:cTn id="2" dur="indefinite" nodeType="mainSeq">
-                <p:childTnLst>
-                  <p:par>
-                    <p:cTn id="3" fill="hold">
-                      <p:stCondLst>
-                        <p:cond delay="indefinite"/>
-                      </p:stCondLst>
-                      <p:childTnLst>
-                        <p:par>
-                          <p:cTn id="4" fill="hold">
-                            <p:stCondLst>
-                              <p:cond delay="0"/>
-                            </p:stCondLst>
-                            <p:childTnLst>
-                              <p:par>
-                                <p:cTn id="5" presetID="1" presetClass="entr" presetSubtype="0" fill="hold" nodeType="clickEffect">
-                                  <p:stCondLst>
-                                    <p:cond delay="0"/>
-                                  </p:stCondLst>
-                                  <p:childTnLst>
-                                    <p:set>
-                                      <p:cBhvr>
-                                        <p:cTn id="6" dur="1" fill="hold">
-                                          <p:stCondLst>
-                                            <p:cond delay="0"/>
-                                          </p:stCondLst>
-                                        </p:cTn>
-                                        <p:tgtEl>
-                                          <p:spTgt spid="22"/>
-                                        </p:tgtEl>
-                                        <p:attrNameLst>
-                                          <p:attrName>style.visibility</p:attrName>
-                                        </p:attrNameLst>
-                                      </p:cBhvr>
-                                      <p:to>
-                                        <p:strVal val="visible"/>
-                                      </p:to>
-                                    </p:set>
-                                  </p:childTnLst>
-                                </p:cTn>
-                              </p:par>
-                            </p:childTnLst>
-                          </p:cTn>
-                        </p:par>
-                      </p:childTnLst>
-                    </p:cTn>
-                  </p:par>
-                  <p:par>
-                    <p:cTn id="7" fill="hold">
-                      <p:stCondLst>
-                        <p:cond delay="indefinite"/>
-                      </p:stCondLst>
-                      <p:childTnLst>
-                        <p:par>
-                          <p:cTn id="8" fill="hold">
-                            <p:stCondLst>
-                              <p:cond delay="0"/>
-                            </p:stCondLst>
-                            <p:childTnLst>
-                              <p:par>
-                                <p:cTn id="9" presetID="1" presetClass="entr" presetSubtype="0" fill="hold" nodeType="clickEffect">
-                                  <p:stCondLst>
-                                    <p:cond delay="0"/>
-                                  </p:stCondLst>
-                                  <p:childTnLst>
-                                    <p:set>
-                                      <p:cBhvr>
-                                        <p:cTn id="10" dur="1" fill="hold">
-                                          <p:stCondLst>
-                                            <p:cond delay="0"/>
-                                          </p:stCondLst>
-                                        </p:cTn>
-                                        <p:tgtEl>
-                                          <p:spTgt spid="20"/>
-                                        </p:tgtEl>
-                                        <p:attrNameLst>
-                                          <p:attrName>style.visibility</p:attrName>
-                                        </p:attrNameLst>
-                                      </p:cBhvr>
-                                      <p:to>
-                                        <p:strVal val="visible"/>
-                                      </p:to>
-                                    </p:set>
-                                  </p:childTnLst>
-                                </p:cTn>
-                              </p:par>
-                              <p:par>
-                                <p:cTn id="11" presetID="1" presetClass="entr" presetSubtype="0" fill="hold" grpId="0" nodeType="withEffect">
-                                  <p:stCondLst>
-                                    <p:cond delay="0"/>
-                                  </p:stCondLst>
-                                  <p:childTnLst>
-                                    <p:set>
-                                      <p:cBhvr>
-                                        <p:cTn id="12" dur="1" fill="hold">
-                                          <p:stCondLst>
-                                            <p:cond delay="0"/>
-                                          </p:stCondLst>
-                                        </p:cTn>
-                                        <p:tgtEl>
-                                          <p:spTgt spid="27"/>
-                                        </p:tgtEl>
-                                        <p:attrNameLst>
-                                          <p:attrName>style.visibility</p:attrName>
-                                        </p:attrNameLst>
-                                      </p:cBhvr>
-                                      <p:to>
-                                        <p:strVal val="visible"/>
-                                      </p:to>
-                                    </p:set>
-                                  </p:childTnLst>
-                                </p:cTn>
-                              </p:par>
-                            </p:childTnLst>
-                          </p:cTn>
-                        </p:par>
-                      </p:childTnLst>
-                    </p:cTn>
-                  </p:par>
-                  <p:par>
-                    <p:cTn id="13" fill="hold">
-                      <p:stCondLst>
-                        <p:cond delay="indefinite"/>
-                      </p:stCondLst>
-                      <p:childTnLst>
-                        <p:par>
-                          <p:cTn id="14" fill="hold">
-                            <p:stCondLst>
-                              <p:cond delay="0"/>
-                            </p:stCondLst>
-                            <p:childTnLst>
-                              <p:par>
-                                <p:cTn id="15" presetID="1" presetClass="entr" presetSubtype="0" fill="hold" nodeType="clickEffect">
-                                  <p:stCondLst>
-                                    <p:cond delay="0"/>
-                                  </p:stCondLst>
-                                  <p:childTnLst>
-                                    <p:set>
-                                      <p:cBhvr>
-                                        <p:cTn id="16" dur="1" fill="hold">
-                                          <p:stCondLst>
-                                            <p:cond delay="0"/>
-                                          </p:stCondLst>
-                                        </p:cTn>
-                                        <p:tgtEl>
-                                          <p:spTgt spid="8"/>
-                                        </p:tgtEl>
-                                        <p:attrNameLst>
-                                          <p:attrName>style.visibility</p:attrName>
-                                        </p:attrNameLst>
-                                      </p:cBhvr>
-                                      <p:to>
-                                        <p:strVal val="visible"/>
-                                      </p:to>
-                                    </p:set>
-                                  </p:childTnLst>
-                                </p:cTn>
-                              </p:par>
-                              <p:par>
-                                <p:cTn id="17" presetID="1" presetClass="exit" presetSubtype="0" fill="hold" grpId="1" nodeType="withEffect">
-                                  <p:stCondLst>
-                                    <p:cond delay="0"/>
-                                  </p:stCondLst>
-                                  <p:childTnLst>
-                                    <p:set>
-                                      <p:cBhvr>
-                                        <p:cTn id="18" dur="1" fill="hold">
-                                          <p:stCondLst>
-                                            <p:cond delay="0"/>
-                                          </p:stCondLst>
-                                        </p:cTn>
-                                        <p:tgtEl>
-                                          <p:spTgt spid="27"/>
-                                        </p:tgtEl>
-                                        <p:attrNameLst>
-                                          <p:attrName>style.visibility</p:attrName>
-                                        </p:attrNameLst>
-                                      </p:cBhvr>
-                                      <p:to>
-                                        <p:strVal val="hidden"/>
-                                      </p:to>
-                                    </p:set>
-                                  </p:childTnLst>
-                                </p:cTn>
-                              </p:par>
-                            </p:childTnLst>
-                          </p:cTn>
-                        </p:par>
-                      </p:childTnLst>
-                    </p:cTn>
-                  </p:par>
-                </p:childTnLst>
-              </p:cTn>
-              <p:prevCondLst>
-                <p:cond evt="onPrev" delay="0">
-                  <p:tgtEl>
-                    <p:sldTgt/>
-                  </p:tgtEl>
-                </p:cond>
-              </p:prevCondLst>
-              <p:nextCondLst>
-                <p:cond evt="onNext" delay="0">
-                  <p:tgtEl>
-                    <p:sldTgt/>
-                  </p:tgtEl>
-                </p:cond>
-              </p:nextCondLst>
-            </p:seq>
-          </p:childTnLst>
-        </p:cTn>
-      </p:par>
-    </p:tnLst>
-    <p:bldLst>
-      <p:bldP spid="27" grpId="0" animBg="1"/>
-      <p:bldP spid="27" grpId="1" animBg="1"/>
-    </p:bldLst>
-  </p:timing>
-</p:sld>
-</file>
-
-<file path=ppt/slides/slide20.xml><?xml version="1.0" encoding="utf-8"?>
+<file path=ppt/slides/slide19.xml><?xml version="1.0" encoding="utf-8"?>
 <p:sld xmlns:a="http://schemas.openxmlformats.org/drawingml/2006/main" xmlns:r="http://schemas.openxmlformats.org/officeDocument/2006/relationships" xmlns:p="http://schemas.openxmlformats.org/presentationml/2006/main">
   <p:cSld>
     <p:spTree>
@@ -26804,7 +24808,7 @@
           <a:p>
             <a:fld id="{0A9BFA6A-9A63-4E2D-92C0-C77BFA750EDB}" type="datetime1">
               <a:rPr lang="de-DE" noProof="0" smtClean="0"/>
-              <a:t>18.03.25</a:t>
+              <a:t>20.03.25</a:t>
             </a:fld>
             <a:endParaRPr lang="en-US" noProof="0"/>
           </a:p>
@@ -26833,7 +24837,7 @@
           <a:p>
             <a:fld id="{61696EC4-B4CF-4701-AD06-A8439D6D8E12}" type="slidenum">
               <a:rPr lang="en-US" noProof="0" smtClean="0"/>
-              <a:t>20</a:t>
+              <a:t>19</a:t>
             </a:fld>
             <a:endParaRPr lang="en-US" noProof="0"/>
           </a:p>
@@ -27802,7 +25806,7 @@
                                         <p:tgtEl>
                                           <p:spTgt spid="18">
                                             <p:txEl>
-                                              <p:pRg st="2" end="2"/>
+                                              <p:pRg st="0" end="0"/>
                                             </p:txEl>
                                           </p:spTgt>
                                         </p:tgtEl>
@@ -27844,6 +25848,55 @@
                                     <p:set>
                                       <p:cBhvr>
                                         <p:cTn id="14" dur="1" fill="hold">
+                                          <p:stCondLst>
+                                            <p:cond delay="0"/>
+                                          </p:stCondLst>
+                                        </p:cTn>
+                                        <p:tgtEl>
+                                          <p:spTgt spid="18">
+                                            <p:txEl>
+                                              <p:pRg st="2" end="2"/>
+                                            </p:txEl>
+                                          </p:spTgt>
+                                        </p:tgtEl>
+                                        <p:attrNameLst>
+                                          <p:attrName>style.visibility</p:attrName>
+                                        </p:attrNameLst>
+                                      </p:cBhvr>
+                                      <p:to>
+                                        <p:strVal val="visible"/>
+                                      </p:to>
+                                    </p:set>
+                                  </p:childTnLst>
+                                </p:cTn>
+                              </p:par>
+                            </p:childTnLst>
+                          </p:cTn>
+                        </p:par>
+                      </p:childTnLst>
+                    </p:cTn>
+                  </p:par>
+                  <p:par>
+                    <p:cTn id="15" fill="hold">
+                      <p:stCondLst>
+                        <p:cond delay="indefinite"/>
+                      </p:stCondLst>
+                      <p:childTnLst>
+                        <p:par>
+                          <p:cTn id="16" fill="hold">
+                            <p:stCondLst>
+                              <p:cond delay="0"/>
+                            </p:stCondLst>
+                            <p:childTnLst>
+                              <p:par>
+                                <p:cTn id="17" presetID="1" presetClass="entr" presetSubtype="0" fill="hold" nodeType="clickEffect">
+                                  <p:stCondLst>
+                                    <p:cond delay="0"/>
+                                  </p:stCondLst>
+                                  <p:childTnLst>
+                                    <p:set>
+                                      <p:cBhvr>
+                                        <p:cTn id="18" dur="1" fill="hold">
                                           <p:stCondLst>
                                             <p:cond delay="0"/>
                                           </p:stCondLst>
@@ -27902,7 +25955,1438 @@
 </p:sld>
 </file>
 
-<file path=ppt/slides/slide21.xml><?xml version="1.0" encoding="utf-8"?>
+<file path=ppt/slides/slide2.xml><?xml version="1.0" encoding="utf-8"?>
+<p:sld xmlns:a="http://schemas.openxmlformats.org/drawingml/2006/main" xmlns:r="http://schemas.openxmlformats.org/officeDocument/2006/relationships" xmlns:p="http://schemas.openxmlformats.org/presentationml/2006/main">
+  <p:cSld>
+    <p:spTree>
+      <p:nvGrpSpPr>
+        <p:cNvPr id="1" name="">
+          <a:extLst>
+            <a:ext uri="{FF2B5EF4-FFF2-40B4-BE49-F238E27FC236}">
+              <a16:creationId xmlns:a16="http://schemas.microsoft.com/office/drawing/2014/main" id="{2B8A7EA5-3A1D-6BF1-6D6A-4401F3BCF6D3}"/>
+            </a:ext>
+          </a:extLst>
+        </p:cNvPr>
+        <p:cNvGrpSpPr/>
+        <p:nvPr/>
+      </p:nvGrpSpPr>
+      <p:grpSpPr>
+        <a:xfrm>
+          <a:off x="0" y="0"/>
+          <a:ext cx="0" cy="0"/>
+          <a:chOff x="0" y="0"/>
+          <a:chExt cx="0" cy="0"/>
+        </a:xfrm>
+      </p:grpSpPr>
+      <p:sp>
+        <p:nvSpPr>
+          <p:cNvPr id="3" name="Datumsplatzhalter 2">
+            <a:extLst>
+              <a:ext uri="{FF2B5EF4-FFF2-40B4-BE49-F238E27FC236}">
+                <a16:creationId xmlns:a16="http://schemas.microsoft.com/office/drawing/2014/main" id="{A155476B-2E4B-2F84-8F87-87CC5921BCD4}"/>
+              </a:ext>
+            </a:extLst>
+          </p:cNvPr>
+          <p:cNvSpPr>
+            <a:spLocks noGrp="1"/>
+          </p:cNvSpPr>
+          <p:nvPr>
+            <p:ph type="dt" sz="half" idx="10"/>
+          </p:nvPr>
+        </p:nvSpPr>
+        <p:spPr/>
+        <p:txBody>
+          <a:bodyPr/>
+          <a:lstStyle/>
+          <a:p>
+            <a:fld id="{FE82E645-BE21-496B-802B-61065ECF19B4}" type="datetime1">
+              <a:rPr lang="de-DE" noProof="0" smtClean="0"/>
+              <a:t>20.03.25</a:t>
+            </a:fld>
+            <a:endParaRPr lang="en-US" noProof="0"/>
+          </a:p>
+        </p:txBody>
+      </p:sp>
+      <p:sp>
+        <p:nvSpPr>
+          <p:cNvPr id="4" name="Foliennummernplatzhalter 3">
+            <a:extLst>
+              <a:ext uri="{FF2B5EF4-FFF2-40B4-BE49-F238E27FC236}">
+                <a16:creationId xmlns:a16="http://schemas.microsoft.com/office/drawing/2014/main" id="{CCDE46AA-C347-F260-0582-D8518A5A0E49}"/>
+              </a:ext>
+            </a:extLst>
+          </p:cNvPr>
+          <p:cNvSpPr>
+            <a:spLocks noGrp="1"/>
+          </p:cNvSpPr>
+          <p:nvPr>
+            <p:ph type="sldNum" sz="quarter" idx="12"/>
+          </p:nvPr>
+        </p:nvSpPr>
+        <p:spPr/>
+        <p:txBody>
+          <a:bodyPr/>
+          <a:lstStyle/>
+          <a:p>
+            <a:fld id="{61696EC4-B4CF-4701-AD06-A8439D6D8E12}" type="slidenum">
+              <a:rPr lang="en-US" noProof="0" smtClean="0"/>
+              <a:t>2</a:t>
+            </a:fld>
+            <a:endParaRPr lang="en-US" noProof="0"/>
+          </a:p>
+        </p:txBody>
+      </p:sp>
+      <p:sp>
+        <p:nvSpPr>
+          <p:cNvPr id="5" name="Titel 4">
+            <a:extLst>
+              <a:ext uri="{FF2B5EF4-FFF2-40B4-BE49-F238E27FC236}">
+                <a16:creationId xmlns:a16="http://schemas.microsoft.com/office/drawing/2014/main" id="{B5566A80-2211-918A-EA12-BC79CB919CCF}"/>
+              </a:ext>
+            </a:extLst>
+          </p:cNvPr>
+          <p:cNvSpPr>
+            <a:spLocks noGrp="1"/>
+          </p:cNvSpPr>
+          <p:nvPr>
+            <p:ph type="title"/>
+          </p:nvPr>
+        </p:nvSpPr>
+        <p:spPr/>
+        <p:txBody>
+          <a:bodyPr/>
+          <a:lstStyle/>
+          <a:p>
+            <a:r>
+              <a:rPr lang="de-DE" dirty="0"/>
+              <a:t>Was ist </a:t>
+            </a:r>
+            <a:r>
+              <a:rPr lang="de-DE" dirty="0" err="1"/>
+              <a:t>ArDoCo</a:t>
+            </a:r>
+            <a:r>
+              <a:rPr lang="de-DE" dirty="0"/>
+              <a:t>?</a:t>
+            </a:r>
+          </a:p>
+        </p:txBody>
+      </p:sp>
+      <p:sp>
+        <p:nvSpPr>
+          <p:cNvPr id="11" name="TextBox 10">
+            <a:extLst>
+              <a:ext uri="{FF2B5EF4-FFF2-40B4-BE49-F238E27FC236}">
+                <a16:creationId xmlns:a16="http://schemas.microsoft.com/office/drawing/2014/main" id="{A80C3C23-8436-799A-A711-CE47E423016E}"/>
+              </a:ext>
+            </a:extLst>
+          </p:cNvPr>
+          <p:cNvSpPr txBox="1"/>
+          <p:nvPr/>
+        </p:nvSpPr>
+        <p:spPr>
+          <a:xfrm>
+            <a:off x="296234" y="888791"/>
+            <a:ext cx="4352474" cy="369332"/>
+          </a:xfrm>
+          <a:prstGeom prst="rect">
+            <a:avLst/>
+          </a:prstGeom>
+          <a:noFill/>
+        </p:spPr>
+        <p:txBody>
+          <a:bodyPr wrap="none" rtlCol="0">
+            <a:spAutoFit/>
+          </a:bodyPr>
+          <a:lstStyle/>
+          <a:p>
+            <a:r>
+              <a:rPr lang="en-DE" dirty="0"/>
+              <a:t>Architecture Documentation Consistency</a:t>
+            </a:r>
+          </a:p>
+        </p:txBody>
+      </p:sp>
+      <p:grpSp>
+        <p:nvGrpSpPr>
+          <p:cNvPr id="2" name="Group 1">
+            <a:extLst>
+              <a:ext uri="{FF2B5EF4-FFF2-40B4-BE49-F238E27FC236}">
+                <a16:creationId xmlns:a16="http://schemas.microsoft.com/office/drawing/2014/main" id="{06503F02-9B4D-7096-3621-655F42C28EBC}"/>
+              </a:ext>
+            </a:extLst>
+          </p:cNvPr>
+          <p:cNvGrpSpPr/>
+          <p:nvPr/>
+        </p:nvGrpSpPr>
+        <p:grpSpPr>
+          <a:xfrm>
+            <a:off x="1227730" y="1514091"/>
+            <a:ext cx="6976303" cy="2800248"/>
+            <a:chOff x="1227730" y="1514091"/>
+            <a:chExt cx="6976303" cy="2800248"/>
+          </a:xfrm>
+        </p:grpSpPr>
+        <p:pic>
+          <p:nvPicPr>
+            <p:cNvPr id="22" name="Graphic 21" descr="Document outline">
+              <a:extLst>
+                <a:ext uri="{FF2B5EF4-FFF2-40B4-BE49-F238E27FC236}">
+                  <a16:creationId xmlns:a16="http://schemas.microsoft.com/office/drawing/2014/main" id="{86ECC9B5-6B32-BC89-1835-795DDE3C46EE}"/>
+                </a:ext>
+              </a:extLst>
+            </p:cNvPr>
+            <p:cNvPicPr>
+              <a:picLocks noChangeAspect="1"/>
+            </p:cNvPicPr>
+            <p:nvPr/>
+          </p:nvPicPr>
+          <p:blipFill>
+            <a:blip r:embed="rId3">
+              <a:extLst>
+                <a:ext uri="{96DAC541-7B7A-43D3-8B79-37D633B846F1}">
+                  <asvg:svgBlip xmlns:asvg="http://schemas.microsoft.com/office/drawing/2016/SVG/main" r:embed="rId4"/>
+                </a:ext>
+              </a:extLst>
+            </a:blip>
+            <a:stretch>
+              <a:fillRect/>
+            </a:stretch>
+          </p:blipFill>
+          <p:spPr>
+            <a:xfrm>
+              <a:off x="6773994" y="2095509"/>
+              <a:ext cx="1430039" cy="1430039"/>
+            </a:xfrm>
+            <a:prstGeom prst="rect">
+              <a:avLst/>
+            </a:prstGeom>
+          </p:spPr>
+        </p:pic>
+        <p:grpSp>
+          <p:nvGrpSpPr>
+            <p:cNvPr id="17" name="Group 16">
+              <a:extLst>
+                <a:ext uri="{FF2B5EF4-FFF2-40B4-BE49-F238E27FC236}">
+                  <a16:creationId xmlns:a16="http://schemas.microsoft.com/office/drawing/2014/main" id="{2E7914CC-A177-ABC7-7F0E-E79A16175A68}"/>
+                </a:ext>
+              </a:extLst>
+            </p:cNvPr>
+            <p:cNvGrpSpPr/>
+            <p:nvPr/>
+          </p:nvGrpSpPr>
+          <p:grpSpPr>
+            <a:xfrm>
+              <a:off x="1227730" y="1514091"/>
+              <a:ext cx="988996" cy="2800248"/>
+              <a:chOff x="1227730" y="1514091"/>
+              <a:chExt cx="988996" cy="2800248"/>
+            </a:xfrm>
+          </p:grpSpPr>
+          <p:pic>
+            <p:nvPicPr>
+              <p:cNvPr id="13" name="Picture 12" descr="A black background with a black square&#10;&#10;AI-generated content may be incorrect.">
+                <a:extLst>
+                  <a:ext uri="{FF2B5EF4-FFF2-40B4-BE49-F238E27FC236}">
+                    <a16:creationId xmlns:a16="http://schemas.microsoft.com/office/drawing/2014/main" id="{11A90DA4-5D90-AD3A-4330-2E4C80C389A6}"/>
+                  </a:ext>
+                </a:extLst>
+              </p:cNvPr>
+              <p:cNvPicPr>
+                <a:picLocks noChangeAspect="1"/>
+              </p:cNvPicPr>
+              <p:nvPr/>
+            </p:nvPicPr>
+            <p:blipFill>
+              <a:blip r:embed="rId5">
+                <a:extLst>
+                  <a:ext uri="{28A0092B-C50C-407E-A947-70E740481C1C}">
+                    <a14:useLocalDpi xmlns:a14="http://schemas.microsoft.com/office/drawing/2010/main" val="0"/>
+                  </a:ext>
+                </a:extLst>
+              </a:blip>
+              <a:stretch>
+                <a:fillRect/>
+              </a:stretch>
+            </p:blipFill>
+            <p:spPr>
+              <a:xfrm>
+                <a:off x="1227730" y="3325343"/>
+                <a:ext cx="988996" cy="988996"/>
+              </a:xfrm>
+              <a:prstGeom prst="rect">
+                <a:avLst/>
+              </a:prstGeom>
+            </p:spPr>
+          </p:pic>
+          <p:pic>
+            <p:nvPicPr>
+              <p:cNvPr id="38" name="Graphic 37" descr="Web design outline">
+                <a:extLst>
+                  <a:ext uri="{FF2B5EF4-FFF2-40B4-BE49-F238E27FC236}">
+                    <a16:creationId xmlns:a16="http://schemas.microsoft.com/office/drawing/2014/main" id="{6727C9C1-D2ED-FD18-9EF6-EE768F3A1FA1}"/>
+                  </a:ext>
+                </a:extLst>
+              </p:cNvPr>
+              <p:cNvPicPr>
+                <a:picLocks noChangeAspect="1"/>
+              </p:cNvPicPr>
+              <p:nvPr/>
+            </p:nvPicPr>
+            <p:blipFill>
+              <a:blip r:embed="rId6">
+                <a:extLst>
+                  <a:ext uri="{96DAC541-7B7A-43D3-8B79-37D633B846F1}">
+                    <asvg:svgBlip xmlns:asvg="http://schemas.microsoft.com/office/drawing/2016/SVG/main" r:embed="rId7"/>
+                  </a:ext>
+                </a:extLst>
+              </a:blip>
+              <a:stretch>
+                <a:fillRect/>
+              </a:stretch>
+            </p:blipFill>
+            <p:spPr>
+              <a:xfrm>
+                <a:off x="1227730" y="1514091"/>
+                <a:ext cx="988996" cy="988996"/>
+              </a:xfrm>
+              <a:prstGeom prst="rect">
+                <a:avLst/>
+              </a:prstGeom>
+            </p:spPr>
+          </p:pic>
+        </p:grpSp>
+      </p:grpSp>
+      <p:sp>
+        <p:nvSpPr>
+          <p:cNvPr id="27" name="Right Arrow 26">
+            <a:extLst>
+              <a:ext uri="{FF2B5EF4-FFF2-40B4-BE49-F238E27FC236}">
+                <a16:creationId xmlns:a16="http://schemas.microsoft.com/office/drawing/2014/main" id="{606E1902-6506-1D5B-714A-7C4863C4DC4F}"/>
+              </a:ext>
+            </a:extLst>
+          </p:cNvPr>
+          <p:cNvSpPr/>
+          <p:nvPr/>
+        </p:nvSpPr>
+        <p:spPr>
+          <a:xfrm rot="1005956">
+            <a:off x="2852902" y="2221157"/>
+            <a:ext cx="978408" cy="484632"/>
+          </a:xfrm>
+          <a:prstGeom prst="rightArrow">
+            <a:avLst/>
+          </a:prstGeom>
+        </p:spPr>
+        <p:style>
+          <a:lnRef idx="2">
+            <a:schemeClr val="accent1">
+              <a:shade val="15000"/>
+            </a:schemeClr>
+          </a:lnRef>
+          <a:fillRef idx="1">
+            <a:schemeClr val="accent1"/>
+          </a:fillRef>
+          <a:effectRef idx="0">
+            <a:schemeClr val="accent1"/>
+          </a:effectRef>
+          <a:fontRef idx="minor">
+            <a:schemeClr val="lt1"/>
+          </a:fontRef>
+        </p:style>
+        <p:txBody>
+          <a:bodyPr rtlCol="0" anchor="ctr"/>
+          <a:lstStyle/>
+          <a:p>
+            <a:pPr algn="ctr"/>
+            <a:endParaRPr lang="en-DE"/>
+          </a:p>
+        </p:txBody>
+      </p:sp>
+      <p:grpSp>
+        <p:nvGrpSpPr>
+          <p:cNvPr id="20" name="Group 19">
+            <a:extLst>
+              <a:ext uri="{FF2B5EF4-FFF2-40B4-BE49-F238E27FC236}">
+                <a16:creationId xmlns:a16="http://schemas.microsoft.com/office/drawing/2014/main" id="{0AAB3EFF-D789-D21B-13CC-0467E5A1813E}"/>
+              </a:ext>
+            </a:extLst>
+          </p:cNvPr>
+          <p:cNvGrpSpPr/>
+          <p:nvPr/>
+        </p:nvGrpSpPr>
+        <p:grpSpPr>
+          <a:xfrm>
+            <a:off x="2878937" y="2259934"/>
+            <a:ext cx="3453077" cy="1307725"/>
+            <a:chOff x="2878937" y="2259934"/>
+            <a:chExt cx="3453077" cy="1307725"/>
+          </a:xfrm>
+        </p:grpSpPr>
+        <p:pic>
+          <p:nvPicPr>
+            <p:cNvPr id="10" name="Picture 9" descr="A cartoon of an owl holding a paper&#10;&#10;AI-generated content may be incorrect.">
+              <a:extLst>
+                <a:ext uri="{FF2B5EF4-FFF2-40B4-BE49-F238E27FC236}">
+                  <a16:creationId xmlns:a16="http://schemas.microsoft.com/office/drawing/2014/main" id="{FF0BD6ED-C897-0165-B250-E592022D33C1}"/>
+                </a:ext>
+              </a:extLst>
+            </p:cNvPr>
+            <p:cNvPicPr>
+              <a:picLocks noChangeAspect="1"/>
+            </p:cNvPicPr>
+            <p:nvPr/>
+          </p:nvPicPr>
+          <p:blipFill>
+            <a:blip r:embed="rId8">
+              <a:extLst>
+                <a:ext uri="{28A0092B-C50C-407E-A947-70E740481C1C}">
+                  <a14:useLocalDpi xmlns:a14="http://schemas.microsoft.com/office/drawing/2010/main" val="0"/>
+                </a:ext>
+              </a:extLst>
+            </a:blip>
+            <a:stretch>
+              <a:fillRect/>
+            </a:stretch>
+          </p:blipFill>
+          <p:spPr>
+            <a:xfrm>
+              <a:off x="4168703" y="2259934"/>
+              <a:ext cx="922674" cy="1153343"/>
+            </a:xfrm>
+            <a:prstGeom prst="rect">
+              <a:avLst/>
+            </a:prstGeom>
+          </p:spPr>
+        </p:pic>
+        <p:sp>
+          <p:nvSpPr>
+            <p:cNvPr id="28" name="Right Arrow 27">
+              <a:extLst>
+                <a:ext uri="{FF2B5EF4-FFF2-40B4-BE49-F238E27FC236}">
+                  <a16:creationId xmlns:a16="http://schemas.microsoft.com/office/drawing/2014/main" id="{BA9EC2A2-036F-8117-5EE3-61A647CBA461}"/>
+                </a:ext>
+              </a:extLst>
+            </p:cNvPr>
+            <p:cNvSpPr/>
+            <p:nvPr/>
+          </p:nvSpPr>
+          <p:spPr>
+            <a:xfrm rot="10800000">
+              <a:off x="5353606" y="2615184"/>
+              <a:ext cx="978408" cy="484632"/>
+            </a:xfrm>
+            <a:prstGeom prst="rightArrow">
+              <a:avLst/>
+            </a:prstGeom>
+          </p:spPr>
+          <p:style>
+            <a:lnRef idx="2">
+              <a:schemeClr val="accent1">
+                <a:shade val="15000"/>
+              </a:schemeClr>
+            </a:lnRef>
+            <a:fillRef idx="1">
+              <a:schemeClr val="accent1"/>
+            </a:fillRef>
+            <a:effectRef idx="0">
+              <a:schemeClr val="accent1"/>
+            </a:effectRef>
+            <a:fontRef idx="minor">
+              <a:schemeClr val="lt1"/>
+            </a:fontRef>
+          </p:style>
+          <p:txBody>
+            <a:bodyPr rtlCol="0" anchor="ctr"/>
+            <a:lstStyle/>
+            <a:p>
+              <a:pPr algn="ctr"/>
+              <a:endParaRPr lang="en-DE"/>
+            </a:p>
+          </p:txBody>
+        </p:sp>
+        <p:sp>
+          <p:nvSpPr>
+            <p:cNvPr id="39" name="Right Arrow 38">
+              <a:extLst>
+                <a:ext uri="{FF2B5EF4-FFF2-40B4-BE49-F238E27FC236}">
+                  <a16:creationId xmlns:a16="http://schemas.microsoft.com/office/drawing/2014/main" id="{AB83F42E-5B99-A44A-7D76-71DF0D0AB4CE}"/>
+                </a:ext>
+              </a:extLst>
+            </p:cNvPr>
+            <p:cNvSpPr/>
+            <p:nvPr/>
+          </p:nvSpPr>
+          <p:spPr>
+            <a:xfrm rot="-1020000">
+              <a:off x="2878937" y="3083027"/>
+              <a:ext cx="978408" cy="484632"/>
+            </a:xfrm>
+            <a:prstGeom prst="rightArrow">
+              <a:avLst/>
+            </a:prstGeom>
+          </p:spPr>
+          <p:style>
+            <a:lnRef idx="2">
+              <a:schemeClr val="accent1">
+                <a:shade val="15000"/>
+              </a:schemeClr>
+            </a:lnRef>
+            <a:fillRef idx="1">
+              <a:schemeClr val="accent1"/>
+            </a:fillRef>
+            <a:effectRef idx="0">
+              <a:schemeClr val="accent1"/>
+            </a:effectRef>
+            <a:fontRef idx="minor">
+              <a:schemeClr val="lt1"/>
+            </a:fontRef>
+          </p:style>
+          <p:txBody>
+            <a:bodyPr rtlCol="0" anchor="ctr"/>
+            <a:lstStyle/>
+            <a:p>
+              <a:pPr algn="ctr"/>
+              <a:endParaRPr lang="en-DE"/>
+            </a:p>
+          </p:txBody>
+        </p:sp>
+      </p:grpSp>
+      <p:grpSp>
+        <p:nvGrpSpPr>
+          <p:cNvPr id="8" name="Group 7">
+            <a:extLst>
+              <a:ext uri="{FF2B5EF4-FFF2-40B4-BE49-F238E27FC236}">
+                <a16:creationId xmlns:a16="http://schemas.microsoft.com/office/drawing/2014/main" id="{215F4138-19FD-59A8-5371-84D2672512B0}"/>
+              </a:ext>
+            </a:extLst>
+          </p:cNvPr>
+          <p:cNvGrpSpPr/>
+          <p:nvPr/>
+        </p:nvGrpSpPr>
+        <p:grpSpPr>
+          <a:xfrm>
+            <a:off x="987203" y="1744223"/>
+            <a:ext cx="4262683" cy="1293900"/>
+            <a:chOff x="987203" y="1744223"/>
+            <a:chExt cx="4262683" cy="1293900"/>
+          </a:xfrm>
+        </p:grpSpPr>
+        <p:sp>
+          <p:nvSpPr>
+            <p:cNvPr id="7" name="Rounded Rectangle 6">
+              <a:extLst>
+                <a:ext uri="{FF2B5EF4-FFF2-40B4-BE49-F238E27FC236}">
+                  <a16:creationId xmlns:a16="http://schemas.microsoft.com/office/drawing/2014/main" id="{B446479B-80F5-3369-48D9-FF87155B42E6}"/>
+                </a:ext>
+              </a:extLst>
+            </p:cNvPr>
+            <p:cNvSpPr/>
+            <p:nvPr/>
+          </p:nvSpPr>
+          <p:spPr>
+            <a:xfrm rot="1028537">
+              <a:off x="987203" y="1744223"/>
+              <a:ext cx="4262683" cy="1293900"/>
+            </a:xfrm>
+            <a:prstGeom prst="roundRect">
+              <a:avLst/>
+            </a:prstGeom>
+            <a:noFill/>
+            <a:ln w="50800">
+              <a:solidFill>
+                <a:srgbClr val="C00000"/>
+              </a:solidFill>
+            </a:ln>
+          </p:spPr>
+          <p:style>
+            <a:lnRef idx="2">
+              <a:schemeClr val="accent1">
+                <a:shade val="15000"/>
+              </a:schemeClr>
+            </a:lnRef>
+            <a:fillRef idx="1">
+              <a:schemeClr val="accent1"/>
+            </a:fillRef>
+            <a:effectRef idx="0">
+              <a:schemeClr val="accent1"/>
+            </a:effectRef>
+            <a:fontRef idx="minor">
+              <a:schemeClr val="lt1"/>
+            </a:fontRef>
+          </p:style>
+          <p:txBody>
+            <a:bodyPr rtlCol="0" anchor="ctr"/>
+            <a:lstStyle/>
+            <a:p>
+              <a:pPr algn="ctr"/>
+              <a:endParaRPr lang="en-DE"/>
+            </a:p>
+          </p:txBody>
+        </p:sp>
+        <p:sp>
+          <p:nvSpPr>
+            <p:cNvPr id="12" name="Right Arrow 11">
+              <a:extLst>
+                <a:ext uri="{FF2B5EF4-FFF2-40B4-BE49-F238E27FC236}">
+                  <a16:creationId xmlns:a16="http://schemas.microsoft.com/office/drawing/2014/main" id="{F602B442-8F4F-0FC5-1B3D-B78B3FBEB42C}"/>
+                </a:ext>
+              </a:extLst>
+            </p:cNvPr>
+            <p:cNvSpPr/>
+            <p:nvPr/>
+          </p:nvSpPr>
+          <p:spPr>
+            <a:xfrm rot="1005956">
+              <a:off x="2192335" y="2115684"/>
+              <a:ext cx="1973797" cy="609903"/>
+            </a:xfrm>
+            <a:prstGeom prst="rightArrow">
+              <a:avLst/>
+            </a:prstGeom>
+          </p:spPr>
+          <p:style>
+            <a:lnRef idx="2">
+              <a:schemeClr val="accent1">
+                <a:shade val="15000"/>
+              </a:schemeClr>
+            </a:lnRef>
+            <a:fillRef idx="1">
+              <a:schemeClr val="accent1"/>
+            </a:fillRef>
+            <a:effectRef idx="0">
+              <a:schemeClr val="accent1"/>
+            </a:effectRef>
+            <a:fontRef idx="minor">
+              <a:schemeClr val="lt1"/>
+            </a:fontRef>
+          </p:style>
+          <p:txBody>
+            <a:bodyPr rtlCol="0" anchor="ctr"/>
+            <a:lstStyle/>
+            <a:p>
+              <a:pPr algn="ctr"/>
+              <a:r>
+                <a:rPr lang="en-DE" dirty="0"/>
+                <a:t>Code Extraktion</a:t>
+              </a:r>
+            </a:p>
+          </p:txBody>
+        </p:sp>
+      </p:grpSp>
+      <p:grpSp>
+        <p:nvGrpSpPr>
+          <p:cNvPr id="29" name="Gruppieren 3">
+            <a:extLst>
+              <a:ext uri="{FF2B5EF4-FFF2-40B4-BE49-F238E27FC236}">
+                <a16:creationId xmlns:a16="http://schemas.microsoft.com/office/drawing/2014/main" id="{56B24417-4338-5261-67AC-BA476D6AEC2D}"/>
+              </a:ext>
+            </a:extLst>
+          </p:cNvPr>
+          <p:cNvGrpSpPr/>
+          <p:nvPr/>
+        </p:nvGrpSpPr>
+        <p:grpSpPr>
+          <a:xfrm>
+            <a:off x="396000" y="229412"/>
+            <a:ext cx="5351002" cy="276999"/>
+            <a:chOff x="396000" y="229412"/>
+            <a:chExt cx="5351002" cy="276999"/>
+          </a:xfrm>
+        </p:grpSpPr>
+        <p:sp>
+          <p:nvSpPr>
+            <p:cNvPr id="30" name="TextBox 17">
+              <a:extLst>
+                <a:ext uri="{FF2B5EF4-FFF2-40B4-BE49-F238E27FC236}">
+                  <a16:creationId xmlns:a16="http://schemas.microsoft.com/office/drawing/2014/main" id="{F31A54A2-0B1A-448E-2320-8E25E4942554}"/>
+                </a:ext>
+              </a:extLst>
+            </p:cNvPr>
+            <p:cNvSpPr txBox="1"/>
+            <p:nvPr/>
+          </p:nvSpPr>
+          <p:spPr>
+            <a:xfrm>
+              <a:off x="396000" y="229412"/>
+              <a:ext cx="698909" cy="276999"/>
+            </a:xfrm>
+            <a:prstGeom prst="rect">
+              <a:avLst/>
+            </a:prstGeom>
+            <a:noFill/>
+          </p:spPr>
+          <p:txBody>
+            <a:bodyPr wrap="none" lIns="0" rIns="0" rtlCol="0">
+              <a:spAutoFit/>
+            </a:bodyPr>
+            <a:lstStyle/>
+            <a:p>
+              <a:r>
+                <a:rPr lang="en-US" sz="1200" dirty="0"/>
+                <a:t>Motivation</a:t>
+              </a:r>
+            </a:p>
+          </p:txBody>
+        </p:sp>
+        <p:sp>
+          <p:nvSpPr>
+            <p:cNvPr id="31" name="TextBox 55">
+              <a:extLst>
+                <a:ext uri="{FF2B5EF4-FFF2-40B4-BE49-F238E27FC236}">
+                  <a16:creationId xmlns:a16="http://schemas.microsoft.com/office/drawing/2014/main" id="{F270A205-0B6E-F97D-0C26-F0FC1646714D}"/>
+                </a:ext>
+              </a:extLst>
+            </p:cNvPr>
+            <p:cNvSpPr txBox="1"/>
+            <p:nvPr/>
+          </p:nvSpPr>
+          <p:spPr>
+            <a:xfrm>
+              <a:off x="1055563" y="244801"/>
+              <a:ext cx="288284" cy="246221"/>
+            </a:xfrm>
+            <a:prstGeom prst="rect">
+              <a:avLst/>
+            </a:prstGeom>
+            <a:noFill/>
+          </p:spPr>
+          <p:txBody>
+            <a:bodyPr wrap="square" lIns="0" rIns="0" rtlCol="0">
+              <a:spAutoFit/>
+            </a:bodyPr>
+            <a:lstStyle/>
+            <a:p>
+              <a:pPr algn="ctr"/>
+              <a:r>
+                <a:rPr lang="iu-Cans-CA" sz="1000" dirty="0">
+                  <a:solidFill>
+                    <a:schemeClr val="bg2">
+                      <a:lumMod val="75000"/>
+                    </a:schemeClr>
+                  </a:solidFill>
+                  <a:cs typeface="Arial" panose="020B0604020202020204" pitchFamily="34" charset="0"/>
+                </a:rPr>
+                <a:t>ᐅ</a:t>
+              </a:r>
+              <a:endParaRPr lang="en-US" sz="1000" dirty="0">
+                <a:solidFill>
+                  <a:schemeClr val="bg2">
+                    <a:lumMod val="75000"/>
+                  </a:schemeClr>
+                </a:solidFill>
+                <a:latin typeface="Arial" panose="020B0604020202020204" pitchFamily="34" charset="0"/>
+                <a:cs typeface="Arial" panose="020B0604020202020204" pitchFamily="34" charset="0"/>
+              </a:endParaRPr>
+            </a:p>
+          </p:txBody>
+        </p:sp>
+        <p:sp>
+          <p:nvSpPr>
+            <p:cNvPr id="32" name="TextBox 74">
+              <a:extLst>
+                <a:ext uri="{FF2B5EF4-FFF2-40B4-BE49-F238E27FC236}">
+                  <a16:creationId xmlns:a16="http://schemas.microsoft.com/office/drawing/2014/main" id="{28A1EBA8-4049-C3E0-D657-FB365AD3A595}"/>
+                </a:ext>
+              </a:extLst>
+            </p:cNvPr>
+            <p:cNvSpPr txBox="1"/>
+            <p:nvPr/>
+          </p:nvSpPr>
+          <p:spPr>
+            <a:xfrm>
+              <a:off x="1304501" y="229412"/>
+              <a:ext cx="637995" cy="276999"/>
+            </a:xfrm>
+            <a:prstGeom prst="rect">
+              <a:avLst/>
+            </a:prstGeom>
+            <a:noFill/>
+          </p:spPr>
+          <p:txBody>
+            <a:bodyPr wrap="none" lIns="0" rIns="0" rtlCol="0">
+              <a:spAutoFit/>
+            </a:bodyPr>
+            <a:lstStyle/>
+            <a:p>
+              <a:r>
+                <a:rPr lang="de-DE" sz="1200" dirty="0">
+                  <a:solidFill>
+                    <a:schemeClr val="bg2">
+                      <a:lumMod val="75000"/>
+                    </a:schemeClr>
+                  </a:solidFill>
+                </a:rPr>
+                <a:t>Überblick</a:t>
+              </a:r>
+              <a:endParaRPr lang="en-US" sz="1200" dirty="0">
+                <a:solidFill>
+                  <a:schemeClr val="bg2">
+                    <a:lumMod val="75000"/>
+                  </a:schemeClr>
+                </a:solidFill>
+              </a:endParaRPr>
+            </a:p>
+          </p:txBody>
+        </p:sp>
+        <p:sp>
+          <p:nvSpPr>
+            <p:cNvPr id="33" name="TextBox 74">
+              <a:extLst>
+                <a:ext uri="{FF2B5EF4-FFF2-40B4-BE49-F238E27FC236}">
+                  <a16:creationId xmlns:a16="http://schemas.microsoft.com/office/drawing/2014/main" id="{F87AE829-EDDB-CC74-100E-E07276ADD351}"/>
+                </a:ext>
+              </a:extLst>
+            </p:cNvPr>
+            <p:cNvSpPr txBox="1"/>
+            <p:nvPr/>
+          </p:nvSpPr>
+          <p:spPr>
+            <a:xfrm>
+              <a:off x="2152089" y="229412"/>
+              <a:ext cx="281103" cy="276999"/>
+            </a:xfrm>
+            <a:prstGeom prst="rect">
+              <a:avLst/>
+            </a:prstGeom>
+            <a:noFill/>
+          </p:spPr>
+          <p:txBody>
+            <a:bodyPr wrap="none" lIns="0" rIns="0" rtlCol="0">
+              <a:spAutoFit/>
+            </a:bodyPr>
+            <a:lstStyle/>
+            <a:p>
+              <a:r>
+                <a:rPr lang="de-DE" sz="1200" dirty="0">
+                  <a:solidFill>
+                    <a:schemeClr val="bg2">
+                      <a:lumMod val="75000"/>
+                    </a:schemeClr>
+                  </a:solidFill>
+                </a:rPr>
+                <a:t>Tool</a:t>
+              </a:r>
+              <a:endParaRPr lang="en-US" sz="1200" dirty="0">
+                <a:solidFill>
+                  <a:schemeClr val="bg2">
+                    <a:lumMod val="75000"/>
+                  </a:schemeClr>
+                </a:solidFill>
+              </a:endParaRPr>
+            </a:p>
+          </p:txBody>
+        </p:sp>
+        <p:sp>
+          <p:nvSpPr>
+            <p:cNvPr id="34" name="TextBox 55">
+              <a:extLst>
+                <a:ext uri="{FF2B5EF4-FFF2-40B4-BE49-F238E27FC236}">
+                  <a16:creationId xmlns:a16="http://schemas.microsoft.com/office/drawing/2014/main" id="{2523928C-906C-EFDB-9D56-0BA79291D474}"/>
+                </a:ext>
+              </a:extLst>
+            </p:cNvPr>
+            <p:cNvSpPr txBox="1"/>
+            <p:nvPr/>
+          </p:nvSpPr>
+          <p:spPr>
+            <a:xfrm>
+              <a:off x="1903150" y="244801"/>
+              <a:ext cx="288284" cy="246221"/>
+            </a:xfrm>
+            <a:prstGeom prst="rect">
+              <a:avLst/>
+            </a:prstGeom>
+            <a:noFill/>
+          </p:spPr>
+          <p:txBody>
+            <a:bodyPr wrap="square" lIns="0" rIns="0" rtlCol="0">
+              <a:spAutoFit/>
+            </a:bodyPr>
+            <a:lstStyle/>
+            <a:p>
+              <a:pPr algn="ctr"/>
+              <a:r>
+                <a:rPr lang="iu-Cans-CA" sz="1000" dirty="0">
+                  <a:solidFill>
+                    <a:schemeClr val="bg2">
+                      <a:lumMod val="75000"/>
+                    </a:schemeClr>
+                  </a:solidFill>
+                  <a:cs typeface="Arial" panose="020B0604020202020204" pitchFamily="34" charset="0"/>
+                </a:rPr>
+                <a:t>ᐅ</a:t>
+              </a:r>
+              <a:endParaRPr lang="en-US" sz="1000" dirty="0">
+                <a:solidFill>
+                  <a:schemeClr val="bg2">
+                    <a:lumMod val="75000"/>
+                  </a:schemeClr>
+                </a:solidFill>
+                <a:latin typeface="Arial" panose="020B0604020202020204" pitchFamily="34" charset="0"/>
+                <a:cs typeface="Arial" panose="020B0604020202020204" pitchFamily="34" charset="0"/>
+              </a:endParaRPr>
+            </a:p>
+          </p:txBody>
+        </p:sp>
+        <p:sp>
+          <p:nvSpPr>
+            <p:cNvPr id="35" name="TextBox 74">
+              <a:extLst>
+                <a:ext uri="{FF2B5EF4-FFF2-40B4-BE49-F238E27FC236}">
+                  <a16:creationId xmlns:a16="http://schemas.microsoft.com/office/drawing/2014/main" id="{671D7642-9FCA-2D18-686A-7BC41489221C}"/>
+                </a:ext>
+              </a:extLst>
+            </p:cNvPr>
+            <p:cNvSpPr txBox="1"/>
+            <p:nvPr/>
+          </p:nvSpPr>
+          <p:spPr>
+            <a:xfrm>
+              <a:off x="3586555" y="229412"/>
+              <a:ext cx="775853" cy="276999"/>
+            </a:xfrm>
+            <a:prstGeom prst="rect">
+              <a:avLst/>
+            </a:prstGeom>
+            <a:noFill/>
+          </p:spPr>
+          <p:txBody>
+            <a:bodyPr wrap="none" lIns="0" rIns="0" rtlCol="0">
+              <a:spAutoFit/>
+            </a:bodyPr>
+            <a:lstStyle/>
+            <a:p>
+              <a:r>
+                <a:rPr lang="de-DE" sz="1200" dirty="0">
+                  <a:solidFill>
+                    <a:schemeClr val="bg2">
+                      <a:lumMod val="75000"/>
+                    </a:schemeClr>
+                  </a:solidFill>
+                </a:rPr>
+                <a:t>Umsetzung</a:t>
+              </a:r>
+              <a:endParaRPr lang="en-US" sz="1200" dirty="0">
+                <a:solidFill>
+                  <a:schemeClr val="bg2">
+                    <a:lumMod val="75000"/>
+                  </a:schemeClr>
+                </a:solidFill>
+              </a:endParaRPr>
+            </a:p>
+          </p:txBody>
+        </p:sp>
+        <p:sp>
+          <p:nvSpPr>
+            <p:cNvPr id="36" name="TextBox 55">
+              <a:extLst>
+                <a:ext uri="{FF2B5EF4-FFF2-40B4-BE49-F238E27FC236}">
+                  <a16:creationId xmlns:a16="http://schemas.microsoft.com/office/drawing/2014/main" id="{6CAEA851-8C06-23BE-9447-1BBC2E0D89FB}"/>
+                </a:ext>
+              </a:extLst>
+            </p:cNvPr>
+            <p:cNvSpPr txBox="1"/>
+            <p:nvPr/>
+          </p:nvSpPr>
+          <p:spPr>
+            <a:xfrm>
+              <a:off x="3337616" y="244801"/>
+              <a:ext cx="288284" cy="246221"/>
+            </a:xfrm>
+            <a:prstGeom prst="rect">
+              <a:avLst/>
+            </a:prstGeom>
+            <a:noFill/>
+          </p:spPr>
+          <p:txBody>
+            <a:bodyPr wrap="square" lIns="0" rIns="0" rtlCol="0">
+              <a:spAutoFit/>
+            </a:bodyPr>
+            <a:lstStyle/>
+            <a:p>
+              <a:pPr algn="ctr"/>
+              <a:r>
+                <a:rPr lang="iu-Cans-CA" sz="1000" dirty="0">
+                  <a:solidFill>
+                    <a:schemeClr val="bg2">
+                      <a:lumMod val="75000"/>
+                    </a:schemeClr>
+                  </a:solidFill>
+                  <a:cs typeface="Arial" panose="020B0604020202020204" pitchFamily="34" charset="0"/>
+                </a:rPr>
+                <a:t>ᐅ</a:t>
+              </a:r>
+              <a:endParaRPr lang="en-US" sz="1000" dirty="0">
+                <a:solidFill>
+                  <a:schemeClr val="bg2">
+                    <a:lumMod val="75000"/>
+                  </a:schemeClr>
+                </a:solidFill>
+                <a:latin typeface="Arial" panose="020B0604020202020204" pitchFamily="34" charset="0"/>
+                <a:cs typeface="Arial" panose="020B0604020202020204" pitchFamily="34" charset="0"/>
+              </a:endParaRPr>
+            </a:p>
+          </p:txBody>
+        </p:sp>
+        <p:sp>
+          <p:nvSpPr>
+            <p:cNvPr id="37" name="TextBox 74">
+              <a:extLst>
+                <a:ext uri="{FF2B5EF4-FFF2-40B4-BE49-F238E27FC236}">
+                  <a16:creationId xmlns:a16="http://schemas.microsoft.com/office/drawing/2014/main" id="{188D6D67-8A11-0FA1-53EB-7387CBB348ED}"/>
+                </a:ext>
+              </a:extLst>
+            </p:cNvPr>
+            <p:cNvSpPr txBox="1"/>
+            <p:nvPr/>
+          </p:nvSpPr>
+          <p:spPr>
+            <a:xfrm>
+              <a:off x="2642786" y="229412"/>
+              <a:ext cx="734175" cy="276999"/>
+            </a:xfrm>
+            <a:prstGeom prst="rect">
+              <a:avLst/>
+            </a:prstGeom>
+            <a:noFill/>
+          </p:spPr>
+          <p:txBody>
+            <a:bodyPr wrap="none" lIns="0" rIns="0" rtlCol="0">
+              <a:spAutoFit/>
+            </a:bodyPr>
+            <a:lstStyle/>
+            <a:p>
+              <a:r>
+                <a:rPr lang="de-DE" sz="1200" dirty="0">
+                  <a:solidFill>
+                    <a:schemeClr val="bg2">
+                      <a:lumMod val="75000"/>
+                    </a:schemeClr>
+                  </a:solidFill>
+                </a:rPr>
+                <a:t>Architektur</a:t>
+              </a:r>
+              <a:endParaRPr lang="en-US" sz="1200" dirty="0">
+                <a:solidFill>
+                  <a:schemeClr val="bg2">
+                    <a:lumMod val="75000"/>
+                  </a:schemeClr>
+                </a:solidFill>
+              </a:endParaRPr>
+            </a:p>
+          </p:txBody>
+        </p:sp>
+        <p:sp>
+          <p:nvSpPr>
+            <p:cNvPr id="40" name="TextBox 55">
+              <a:extLst>
+                <a:ext uri="{FF2B5EF4-FFF2-40B4-BE49-F238E27FC236}">
+                  <a16:creationId xmlns:a16="http://schemas.microsoft.com/office/drawing/2014/main" id="{9FE4B2F6-0F20-5B22-4224-6027459BFCF6}"/>
+                </a:ext>
+              </a:extLst>
+            </p:cNvPr>
+            <p:cNvSpPr txBox="1"/>
+            <p:nvPr/>
+          </p:nvSpPr>
+          <p:spPr>
+            <a:xfrm>
+              <a:off x="2393847" y="244801"/>
+              <a:ext cx="288284" cy="246221"/>
+            </a:xfrm>
+            <a:prstGeom prst="rect">
+              <a:avLst/>
+            </a:prstGeom>
+            <a:noFill/>
+          </p:spPr>
+          <p:txBody>
+            <a:bodyPr wrap="square" lIns="0" rIns="0" rtlCol="0">
+              <a:spAutoFit/>
+            </a:bodyPr>
+            <a:lstStyle/>
+            <a:p>
+              <a:pPr algn="ctr"/>
+              <a:r>
+                <a:rPr lang="iu-Cans-CA" sz="1000" dirty="0">
+                  <a:solidFill>
+                    <a:schemeClr val="bg2">
+                      <a:lumMod val="75000"/>
+                    </a:schemeClr>
+                  </a:solidFill>
+                  <a:cs typeface="Arial" panose="020B0604020202020204" pitchFamily="34" charset="0"/>
+                </a:rPr>
+                <a:t>ᐅ</a:t>
+              </a:r>
+              <a:endParaRPr lang="en-US" sz="1000" dirty="0">
+                <a:solidFill>
+                  <a:schemeClr val="bg2">
+                    <a:lumMod val="75000"/>
+                  </a:schemeClr>
+                </a:solidFill>
+                <a:latin typeface="Arial" panose="020B0604020202020204" pitchFamily="34" charset="0"/>
+                <a:cs typeface="Arial" panose="020B0604020202020204" pitchFamily="34" charset="0"/>
+              </a:endParaRPr>
+            </a:p>
+          </p:txBody>
+        </p:sp>
+        <p:sp>
+          <p:nvSpPr>
+            <p:cNvPr id="41" name="TextBox 74">
+              <a:extLst>
+                <a:ext uri="{FF2B5EF4-FFF2-40B4-BE49-F238E27FC236}">
+                  <a16:creationId xmlns:a16="http://schemas.microsoft.com/office/drawing/2014/main" id="{62585E9D-1A79-0F96-C829-5E8F22F1D404}"/>
+                </a:ext>
+              </a:extLst>
+            </p:cNvPr>
+            <p:cNvSpPr txBox="1"/>
+            <p:nvPr/>
+          </p:nvSpPr>
+          <p:spPr>
+            <a:xfrm>
+              <a:off x="4572000" y="229412"/>
+              <a:ext cx="1175002" cy="276999"/>
+            </a:xfrm>
+            <a:prstGeom prst="rect">
+              <a:avLst/>
+            </a:prstGeom>
+            <a:noFill/>
+          </p:spPr>
+          <p:txBody>
+            <a:bodyPr wrap="none" lIns="0" rIns="0" rtlCol="0">
+              <a:spAutoFit/>
+            </a:bodyPr>
+            <a:lstStyle/>
+            <a:p>
+              <a:r>
+                <a:rPr lang="de-DE" sz="1200" dirty="0" err="1">
+                  <a:solidFill>
+                    <a:schemeClr val="bg2">
+                      <a:lumMod val="75000"/>
+                    </a:schemeClr>
+                  </a:solidFill>
+                </a:rPr>
+                <a:t>Lessons</a:t>
+              </a:r>
+              <a:r>
+                <a:rPr lang="de-DE" sz="1200" dirty="0">
+                  <a:solidFill>
+                    <a:schemeClr val="bg2">
+                      <a:lumMod val="75000"/>
+                    </a:schemeClr>
+                  </a:solidFill>
+                </a:rPr>
+                <a:t> </a:t>
+              </a:r>
+              <a:r>
+                <a:rPr lang="de-DE" sz="1200" dirty="0" err="1">
+                  <a:solidFill>
+                    <a:schemeClr val="bg2">
+                      <a:lumMod val="75000"/>
+                    </a:schemeClr>
+                  </a:solidFill>
+                </a:rPr>
+                <a:t>Learned</a:t>
+              </a:r>
+              <a:endParaRPr lang="en-US" sz="1200" dirty="0">
+                <a:solidFill>
+                  <a:schemeClr val="bg2">
+                    <a:lumMod val="75000"/>
+                  </a:schemeClr>
+                </a:solidFill>
+              </a:endParaRPr>
+            </a:p>
+          </p:txBody>
+        </p:sp>
+        <p:sp>
+          <p:nvSpPr>
+            <p:cNvPr id="42" name="TextBox 55">
+              <a:extLst>
+                <a:ext uri="{FF2B5EF4-FFF2-40B4-BE49-F238E27FC236}">
+                  <a16:creationId xmlns:a16="http://schemas.microsoft.com/office/drawing/2014/main" id="{2B82F2B2-B44E-CA83-998C-20CEB619DA2A}"/>
+                </a:ext>
+              </a:extLst>
+            </p:cNvPr>
+            <p:cNvSpPr txBox="1"/>
+            <p:nvPr/>
+          </p:nvSpPr>
+          <p:spPr>
+            <a:xfrm>
+              <a:off x="4323063" y="244801"/>
+              <a:ext cx="288284" cy="246221"/>
+            </a:xfrm>
+            <a:prstGeom prst="rect">
+              <a:avLst/>
+            </a:prstGeom>
+            <a:noFill/>
+          </p:spPr>
+          <p:txBody>
+            <a:bodyPr wrap="square" lIns="0" rIns="0" rtlCol="0">
+              <a:spAutoFit/>
+            </a:bodyPr>
+            <a:lstStyle/>
+            <a:p>
+              <a:pPr algn="ctr"/>
+              <a:r>
+                <a:rPr lang="iu-Cans-CA" sz="1000" dirty="0">
+                  <a:solidFill>
+                    <a:schemeClr val="bg2">
+                      <a:lumMod val="75000"/>
+                    </a:schemeClr>
+                  </a:solidFill>
+                  <a:cs typeface="Arial" panose="020B0604020202020204" pitchFamily="34" charset="0"/>
+                </a:rPr>
+                <a:t>ᐅ</a:t>
+              </a:r>
+              <a:endParaRPr lang="en-US" sz="1000" dirty="0">
+                <a:solidFill>
+                  <a:schemeClr val="bg2">
+                    <a:lumMod val="75000"/>
+                  </a:schemeClr>
+                </a:solidFill>
+                <a:latin typeface="Arial" panose="020B0604020202020204" pitchFamily="34" charset="0"/>
+                <a:cs typeface="Arial" panose="020B0604020202020204" pitchFamily="34" charset="0"/>
+              </a:endParaRPr>
+            </a:p>
+          </p:txBody>
+        </p:sp>
+      </p:grpSp>
+    </p:spTree>
+    <p:extLst>
+      <p:ext uri="{BB962C8B-B14F-4D97-AF65-F5344CB8AC3E}">
+        <p14:creationId xmlns:p14="http://schemas.microsoft.com/office/powerpoint/2010/main" val="1379775355"/>
+      </p:ext>
+    </p:extLst>
+  </p:cSld>
+  <p:clrMapOvr>
+    <a:masterClrMapping/>
+  </p:clrMapOvr>
+  <p:timing>
+    <p:tnLst>
+      <p:par>
+        <p:cTn id="1" dur="indefinite" restart="never" nodeType="tmRoot">
+          <p:childTnLst>
+            <p:seq concurrent="1" nextAc="seek">
+              <p:cTn id="2" dur="indefinite" nodeType="mainSeq">
+                <p:childTnLst>
+                  <p:par>
+                    <p:cTn id="3" fill="hold">
+                      <p:stCondLst>
+                        <p:cond delay="indefinite"/>
+                      </p:stCondLst>
+                      <p:childTnLst>
+                        <p:par>
+                          <p:cTn id="4" fill="hold">
+                            <p:stCondLst>
+                              <p:cond delay="0"/>
+                            </p:stCondLst>
+                            <p:childTnLst>
+                              <p:par>
+                                <p:cTn id="5" presetID="1" presetClass="entr" presetSubtype="0" fill="hold" nodeType="clickEffect">
+                                  <p:stCondLst>
+                                    <p:cond delay="0"/>
+                                  </p:stCondLst>
+                                  <p:childTnLst>
+                                    <p:set>
+                                      <p:cBhvr>
+                                        <p:cTn id="6" dur="1" fill="hold">
+                                          <p:stCondLst>
+                                            <p:cond delay="0"/>
+                                          </p:stCondLst>
+                                        </p:cTn>
+                                        <p:tgtEl>
+                                          <p:spTgt spid="2"/>
+                                        </p:tgtEl>
+                                        <p:attrNameLst>
+                                          <p:attrName>style.visibility</p:attrName>
+                                        </p:attrNameLst>
+                                      </p:cBhvr>
+                                      <p:to>
+                                        <p:strVal val="visible"/>
+                                      </p:to>
+                                    </p:set>
+                                  </p:childTnLst>
+                                </p:cTn>
+                              </p:par>
+                            </p:childTnLst>
+                          </p:cTn>
+                        </p:par>
+                      </p:childTnLst>
+                    </p:cTn>
+                  </p:par>
+                  <p:par>
+                    <p:cTn id="7" fill="hold">
+                      <p:stCondLst>
+                        <p:cond delay="indefinite"/>
+                      </p:stCondLst>
+                      <p:childTnLst>
+                        <p:par>
+                          <p:cTn id="8" fill="hold">
+                            <p:stCondLst>
+                              <p:cond delay="0"/>
+                            </p:stCondLst>
+                            <p:childTnLst>
+                              <p:par>
+                                <p:cTn id="9" presetID="1" presetClass="entr" presetSubtype="0" fill="hold" nodeType="clickEffect">
+                                  <p:stCondLst>
+                                    <p:cond delay="0"/>
+                                  </p:stCondLst>
+                                  <p:childTnLst>
+                                    <p:set>
+                                      <p:cBhvr>
+                                        <p:cTn id="10" dur="1" fill="hold">
+                                          <p:stCondLst>
+                                            <p:cond delay="0"/>
+                                          </p:stCondLst>
+                                        </p:cTn>
+                                        <p:tgtEl>
+                                          <p:spTgt spid="20"/>
+                                        </p:tgtEl>
+                                        <p:attrNameLst>
+                                          <p:attrName>style.visibility</p:attrName>
+                                        </p:attrNameLst>
+                                      </p:cBhvr>
+                                      <p:to>
+                                        <p:strVal val="visible"/>
+                                      </p:to>
+                                    </p:set>
+                                  </p:childTnLst>
+                                </p:cTn>
+                              </p:par>
+                              <p:par>
+                                <p:cTn id="11" presetID="1" presetClass="entr" presetSubtype="0" fill="hold" grpId="0" nodeType="withEffect">
+                                  <p:stCondLst>
+                                    <p:cond delay="0"/>
+                                  </p:stCondLst>
+                                  <p:childTnLst>
+                                    <p:set>
+                                      <p:cBhvr>
+                                        <p:cTn id="12" dur="1" fill="hold">
+                                          <p:stCondLst>
+                                            <p:cond delay="0"/>
+                                          </p:stCondLst>
+                                        </p:cTn>
+                                        <p:tgtEl>
+                                          <p:spTgt spid="27"/>
+                                        </p:tgtEl>
+                                        <p:attrNameLst>
+                                          <p:attrName>style.visibility</p:attrName>
+                                        </p:attrNameLst>
+                                      </p:cBhvr>
+                                      <p:to>
+                                        <p:strVal val="visible"/>
+                                      </p:to>
+                                    </p:set>
+                                  </p:childTnLst>
+                                </p:cTn>
+                              </p:par>
+                            </p:childTnLst>
+                          </p:cTn>
+                        </p:par>
+                      </p:childTnLst>
+                    </p:cTn>
+                  </p:par>
+                  <p:par>
+                    <p:cTn id="13" fill="hold">
+                      <p:stCondLst>
+                        <p:cond delay="indefinite"/>
+                      </p:stCondLst>
+                      <p:childTnLst>
+                        <p:par>
+                          <p:cTn id="14" fill="hold">
+                            <p:stCondLst>
+                              <p:cond delay="0"/>
+                            </p:stCondLst>
+                            <p:childTnLst>
+                              <p:par>
+                                <p:cTn id="15" presetID="1" presetClass="entr" presetSubtype="0" fill="hold" nodeType="clickEffect">
+                                  <p:stCondLst>
+                                    <p:cond delay="0"/>
+                                  </p:stCondLst>
+                                  <p:childTnLst>
+                                    <p:set>
+                                      <p:cBhvr>
+                                        <p:cTn id="16" dur="1" fill="hold">
+                                          <p:stCondLst>
+                                            <p:cond delay="0"/>
+                                          </p:stCondLst>
+                                        </p:cTn>
+                                        <p:tgtEl>
+                                          <p:spTgt spid="8"/>
+                                        </p:tgtEl>
+                                        <p:attrNameLst>
+                                          <p:attrName>style.visibility</p:attrName>
+                                        </p:attrNameLst>
+                                      </p:cBhvr>
+                                      <p:to>
+                                        <p:strVal val="visible"/>
+                                      </p:to>
+                                    </p:set>
+                                  </p:childTnLst>
+                                </p:cTn>
+                              </p:par>
+                              <p:par>
+                                <p:cTn id="17" presetID="1" presetClass="exit" presetSubtype="0" fill="hold" grpId="1" nodeType="withEffect">
+                                  <p:stCondLst>
+                                    <p:cond delay="0"/>
+                                  </p:stCondLst>
+                                  <p:childTnLst>
+                                    <p:set>
+                                      <p:cBhvr>
+                                        <p:cTn id="18" dur="1" fill="hold">
+                                          <p:stCondLst>
+                                            <p:cond delay="0"/>
+                                          </p:stCondLst>
+                                        </p:cTn>
+                                        <p:tgtEl>
+                                          <p:spTgt spid="27"/>
+                                        </p:tgtEl>
+                                        <p:attrNameLst>
+                                          <p:attrName>style.visibility</p:attrName>
+                                        </p:attrNameLst>
+                                      </p:cBhvr>
+                                      <p:to>
+                                        <p:strVal val="hidden"/>
+                                      </p:to>
+                                    </p:set>
+                                  </p:childTnLst>
+                                </p:cTn>
+                              </p:par>
+                            </p:childTnLst>
+                          </p:cTn>
+                        </p:par>
+                      </p:childTnLst>
+                    </p:cTn>
+                  </p:par>
+                </p:childTnLst>
+              </p:cTn>
+              <p:prevCondLst>
+                <p:cond evt="onPrev" delay="0">
+                  <p:tgtEl>
+                    <p:sldTgt/>
+                  </p:tgtEl>
+                </p:cond>
+              </p:prevCondLst>
+              <p:nextCondLst>
+                <p:cond evt="onNext" delay="0">
+                  <p:tgtEl>
+                    <p:sldTgt/>
+                  </p:tgtEl>
+                </p:cond>
+              </p:nextCondLst>
+            </p:seq>
+          </p:childTnLst>
+        </p:cTn>
+      </p:par>
+    </p:tnLst>
+    <p:bldLst>
+      <p:bldP spid="27" grpId="0" animBg="1"/>
+      <p:bldP spid="27" grpId="1" animBg="1"/>
+    </p:bldLst>
+  </p:timing>
+</p:sld>
+</file>
+
+<file path=ppt/slides/slide20.xml><?xml version="1.0" encoding="utf-8"?>
 <p:sld xmlns:a="http://schemas.openxmlformats.org/drawingml/2006/main" xmlns:r="http://schemas.openxmlformats.org/officeDocument/2006/relationships" xmlns:p="http://schemas.openxmlformats.org/presentationml/2006/main">
   <p:cSld>
     <p:spTree>
@@ -27948,7 +27432,7 @@
           <a:p>
             <a:fld id="{FE82E645-BE21-496B-802B-61065ECF19B4}" type="datetime1">
               <a:rPr lang="de-DE" noProof="0" smtClean="0"/>
-              <a:t>18.03.25</a:t>
+              <a:t>20.03.25</a:t>
             </a:fld>
             <a:endParaRPr lang="en-US" noProof="0"/>
           </a:p>
@@ -27977,7 +27461,7 @@
           <a:p>
             <a:fld id="{61696EC4-B4CF-4701-AD06-A8439D6D8E12}" type="slidenum">
               <a:rPr lang="en-US" noProof="0" smtClean="0"/>
-              <a:t>21</a:t>
+              <a:t>20</a:t>
             </a:fld>
             <a:endParaRPr lang="en-US" noProof="0"/>
           </a:p>
@@ -29084,7 +28568,7 @@
 </p:sld>
 </file>
 
-<file path=ppt/slides/slide22.xml><?xml version="1.0" encoding="utf-8"?>
+<file path=ppt/slides/slide21.xml><?xml version="1.0" encoding="utf-8"?>
 <p:sld xmlns:a="http://schemas.openxmlformats.org/drawingml/2006/main" xmlns:r="http://schemas.openxmlformats.org/officeDocument/2006/relationships" xmlns:p="http://schemas.openxmlformats.org/presentationml/2006/main">
   <p:cSld>
     <p:spTree>
@@ -29107,290 +28591,227 @@
           <a:chExt cx="0" cy="0"/>
         </a:xfrm>
       </p:grpSpPr>
-      <p:grpSp>
-        <p:nvGrpSpPr>
-          <p:cNvPr id="23" name="Group 22">
+      <p:sp>
+        <p:nvSpPr>
+          <p:cNvPr id="2" name="Rounded Rectangle 1">
             <a:extLst>
               <a:ext uri="{FF2B5EF4-FFF2-40B4-BE49-F238E27FC236}">
-                <a16:creationId xmlns:a16="http://schemas.microsoft.com/office/drawing/2014/main" id="{E353B634-4580-1335-1AEC-9A1FB13D8D40}"/>
+                <a16:creationId xmlns:a16="http://schemas.microsoft.com/office/drawing/2014/main" id="{CDBED8D0-BCE6-DD49-F470-1F0B58AF3728}"/>
               </a:ext>
             </a:extLst>
           </p:cNvPr>
-          <p:cNvGrpSpPr/>
+          <p:cNvSpPr/>
           <p:nvPr/>
-        </p:nvGrpSpPr>
-        <p:grpSpPr>
+        </p:nvSpPr>
+        <p:spPr>
+          <a:xfrm>
+            <a:off x="4642208" y="1398046"/>
+            <a:ext cx="4318999" cy="2348996"/>
+          </a:xfrm>
+          <a:prstGeom prst="roundRect">
+            <a:avLst/>
+          </a:prstGeom>
+          <a:solidFill>
+            <a:schemeClr val="bg2"/>
+          </a:solidFill>
+        </p:spPr>
+        <p:style>
+          <a:lnRef idx="2">
+            <a:schemeClr val="accent1">
+              <a:shade val="15000"/>
+            </a:schemeClr>
+          </a:lnRef>
+          <a:fillRef idx="1">
+            <a:schemeClr val="accent1"/>
+          </a:fillRef>
+          <a:effectRef idx="0">
+            <a:schemeClr val="accent1"/>
+          </a:effectRef>
+          <a:fontRef idx="minor">
+            <a:schemeClr val="lt1"/>
+          </a:fontRef>
+        </p:style>
+        <p:txBody>
+          <a:bodyPr rtlCol="0" anchor="ctr"/>
+          <a:lstStyle/>
+          <a:p>
+            <a:pPr algn="ctr"/>
+            <a:r>
+              <a:rPr lang="en-DE" sz="11200" dirty="0">
+                <a:solidFill>
+                  <a:schemeClr val="tx1">
+                    <a:alpha val="9736"/>
+                  </a:schemeClr>
+                </a:solidFill>
+              </a:rPr>
+              <a:t>Nein</a:t>
+            </a:r>
+          </a:p>
+        </p:txBody>
+      </p:sp>
+      <p:sp>
+        <p:nvSpPr>
+          <p:cNvPr id="6" name="TextBox 5">
+            <a:extLst>
+              <a:ext uri="{FF2B5EF4-FFF2-40B4-BE49-F238E27FC236}">
+                <a16:creationId xmlns:a16="http://schemas.microsoft.com/office/drawing/2014/main" id="{18D064C1-4CCD-4491-926F-0EC14B891125}"/>
+              </a:ext>
+            </a:extLst>
+          </p:cNvPr>
+          <p:cNvSpPr txBox="1"/>
+          <p:nvPr/>
+        </p:nvSpPr>
+        <p:spPr>
+          <a:xfrm>
+            <a:off x="4660086" y="1721060"/>
+            <a:ext cx="4283242" cy="1287468"/>
+          </a:xfrm>
+          <a:prstGeom prst="rect">
+            <a:avLst/>
+          </a:prstGeom>
+          <a:noFill/>
+        </p:spPr>
+        <p:txBody>
+          <a:bodyPr wrap="square" rtlCol="0" anchor="t">
+            <a:spAutoFit/>
+          </a:bodyPr>
+          <a:lstStyle/>
+          <a:p>
+            <a:pPr marL="285750" indent="-285750">
+              <a:lnSpc>
+                <a:spcPct val="150000"/>
+              </a:lnSpc>
+              <a:buFont typeface="Arial" panose="020B0604020202020204" pitchFamily="34" charset="0"/>
+              <a:buChar char="•"/>
+            </a:pPr>
+            <a:r>
+              <a:rPr lang="en-DE" dirty="0"/>
+              <a:t>Einarbeiten in ANTLR Extraktion von jeweiliger Programmiersprache braucht am meisten Zeit</a:t>
+            </a:r>
+          </a:p>
+        </p:txBody>
+      </p:sp>
+      <p:sp>
+        <p:nvSpPr>
+          <p:cNvPr id="9" name="Rounded Rectangle 8">
+            <a:extLst>
+              <a:ext uri="{FF2B5EF4-FFF2-40B4-BE49-F238E27FC236}">
+                <a16:creationId xmlns:a16="http://schemas.microsoft.com/office/drawing/2014/main" id="{6CD1353F-0FA3-0209-C67F-8E588D2AF201}"/>
+              </a:ext>
+            </a:extLst>
+          </p:cNvPr>
+          <p:cNvSpPr/>
+          <p:nvPr/>
+        </p:nvSpPr>
+        <p:spPr>
           <a:xfrm>
             <a:off x="182793" y="1398046"/>
-            <a:ext cx="8778414" cy="2348996"/>
-            <a:chOff x="182793" y="2128443"/>
-            <a:chExt cx="8778414" cy="2348996"/>
+            <a:ext cx="4318999" cy="2348996"/>
           </a:xfrm>
-        </p:grpSpPr>
-        <p:grpSp>
-          <p:nvGrpSpPr>
-            <p:cNvPr id="21" name="Group 20">
-              <a:extLst>
-                <a:ext uri="{FF2B5EF4-FFF2-40B4-BE49-F238E27FC236}">
-                  <a16:creationId xmlns:a16="http://schemas.microsoft.com/office/drawing/2014/main" id="{31E2158F-44C9-2D08-B167-A86F16DEB26F}"/>
-                </a:ext>
-              </a:extLst>
-            </p:cNvPr>
-            <p:cNvGrpSpPr/>
-            <p:nvPr/>
-          </p:nvGrpSpPr>
-          <p:grpSpPr>
-            <a:xfrm>
-              <a:off x="4642208" y="2128443"/>
-              <a:ext cx="4318999" cy="2348996"/>
-              <a:chOff x="4642208" y="2128443"/>
-              <a:chExt cx="4318999" cy="2348996"/>
-            </a:xfrm>
-          </p:grpSpPr>
-          <p:sp>
-            <p:nvSpPr>
-              <p:cNvPr id="2" name="Rounded Rectangle 1">
-                <a:extLst>
-                  <a:ext uri="{FF2B5EF4-FFF2-40B4-BE49-F238E27FC236}">
-                    <a16:creationId xmlns:a16="http://schemas.microsoft.com/office/drawing/2014/main" id="{CDBED8D0-BCE6-DD49-F470-1F0B58AF3728}"/>
-                  </a:ext>
-                </a:extLst>
-              </p:cNvPr>
-              <p:cNvSpPr/>
-              <p:nvPr/>
-            </p:nvSpPr>
-            <p:spPr>
-              <a:xfrm>
-                <a:off x="4642208" y="2128443"/>
-                <a:ext cx="4318999" cy="2348996"/>
-              </a:xfrm>
-              <a:prstGeom prst="roundRect">
-                <a:avLst/>
-              </a:prstGeom>
-              <a:solidFill>
-                <a:schemeClr val="bg2"/>
-              </a:solidFill>
-            </p:spPr>
-            <p:style>
-              <a:lnRef idx="2">
-                <a:schemeClr val="accent1">
-                  <a:shade val="15000"/>
-                </a:schemeClr>
-              </a:lnRef>
-              <a:fillRef idx="1">
-                <a:schemeClr val="accent1"/>
-              </a:fillRef>
-              <a:effectRef idx="0">
-                <a:schemeClr val="accent1"/>
-              </a:effectRef>
-              <a:fontRef idx="minor">
-                <a:schemeClr val="lt1"/>
-              </a:fontRef>
-            </p:style>
-            <p:txBody>
-              <a:bodyPr rtlCol="0" anchor="ctr"/>
-              <a:lstStyle/>
-              <a:p>
-                <a:pPr algn="ctr"/>
-                <a:r>
-                  <a:rPr lang="en-DE" sz="11200" dirty="0">
-                    <a:solidFill>
-                      <a:schemeClr val="tx1">
-                        <a:alpha val="9736"/>
-                      </a:schemeClr>
-                    </a:solidFill>
-                  </a:rPr>
-                  <a:t>Nein</a:t>
-                </a:r>
-              </a:p>
-            </p:txBody>
-          </p:sp>
-          <p:sp>
-            <p:nvSpPr>
-              <p:cNvPr id="6" name="TextBox 5">
-                <a:extLst>
-                  <a:ext uri="{FF2B5EF4-FFF2-40B4-BE49-F238E27FC236}">
-                    <a16:creationId xmlns:a16="http://schemas.microsoft.com/office/drawing/2014/main" id="{18D064C1-4CCD-4491-926F-0EC14B891125}"/>
-                  </a:ext>
-                </a:extLst>
-              </p:cNvPr>
-              <p:cNvSpPr txBox="1"/>
-              <p:nvPr/>
-            </p:nvSpPr>
-            <p:spPr>
-              <a:xfrm>
-                <a:off x="4660086" y="2451457"/>
-                <a:ext cx="4283242" cy="1287468"/>
-              </a:xfrm>
-              <a:prstGeom prst="rect">
-                <a:avLst/>
-              </a:prstGeom>
-              <a:noFill/>
-            </p:spPr>
-            <p:txBody>
-              <a:bodyPr wrap="square" rtlCol="0" anchor="t">
-                <a:spAutoFit/>
-              </a:bodyPr>
-              <a:lstStyle/>
-              <a:p>
-                <a:pPr marL="285750" indent="-285750">
-                  <a:lnSpc>
-                    <a:spcPct val="150000"/>
-                  </a:lnSpc>
-                  <a:buFont typeface="Arial" panose="020B0604020202020204" pitchFamily="34" charset="0"/>
-                  <a:buChar char="•"/>
-                </a:pPr>
-                <a:r>
-                  <a:rPr lang="en-DE" dirty="0"/>
-                  <a:t>Einarbeiten in ANTLR Extraktion von jeweiliger Programmiersprache braucht am meisten Zeit</a:t>
-                </a:r>
-              </a:p>
-            </p:txBody>
-          </p:sp>
-        </p:grpSp>
-        <p:grpSp>
-          <p:nvGrpSpPr>
-            <p:cNvPr id="18" name="Group 17">
-              <a:extLst>
-                <a:ext uri="{FF2B5EF4-FFF2-40B4-BE49-F238E27FC236}">
-                  <a16:creationId xmlns:a16="http://schemas.microsoft.com/office/drawing/2014/main" id="{893F25E0-1BB0-CD25-7276-4AFE840715DA}"/>
-                </a:ext>
-              </a:extLst>
-            </p:cNvPr>
-            <p:cNvGrpSpPr/>
-            <p:nvPr/>
-          </p:nvGrpSpPr>
-          <p:grpSpPr>
-            <a:xfrm>
-              <a:off x="182793" y="2128443"/>
-              <a:ext cx="4318999" cy="2348996"/>
-              <a:chOff x="182793" y="2128443"/>
-              <a:chExt cx="4318999" cy="2348996"/>
-            </a:xfrm>
-          </p:grpSpPr>
-          <p:sp>
-            <p:nvSpPr>
-              <p:cNvPr id="9" name="Rounded Rectangle 8">
-                <a:extLst>
-                  <a:ext uri="{FF2B5EF4-FFF2-40B4-BE49-F238E27FC236}">
-                    <a16:creationId xmlns:a16="http://schemas.microsoft.com/office/drawing/2014/main" id="{6CD1353F-0FA3-0209-C67F-8E588D2AF201}"/>
-                  </a:ext>
-                </a:extLst>
-              </p:cNvPr>
-              <p:cNvSpPr/>
-              <p:nvPr/>
-            </p:nvSpPr>
-            <p:spPr>
-              <a:xfrm>
-                <a:off x="182793" y="2128443"/>
-                <a:ext cx="4318999" cy="2348996"/>
-              </a:xfrm>
-              <a:prstGeom prst="roundRect">
-                <a:avLst/>
-              </a:prstGeom>
-              <a:solidFill>
-                <a:schemeClr val="tx2"/>
-              </a:solidFill>
-            </p:spPr>
-            <p:style>
-              <a:lnRef idx="2">
-                <a:schemeClr val="accent1">
-                  <a:shade val="15000"/>
-                </a:schemeClr>
-              </a:lnRef>
-              <a:fillRef idx="1">
-                <a:schemeClr val="accent1"/>
-              </a:fillRef>
-              <a:effectRef idx="0">
-                <a:schemeClr val="accent1"/>
-              </a:effectRef>
-              <a:fontRef idx="minor">
-                <a:schemeClr val="lt1"/>
-              </a:fontRef>
-            </p:style>
-            <p:txBody>
-              <a:bodyPr rtlCol="0" anchor="ctr"/>
-              <a:lstStyle/>
-              <a:p>
-                <a:pPr algn="ctr"/>
-                <a:r>
-                  <a:rPr lang="en-DE" sz="11200" dirty="0">
-                    <a:solidFill>
-                      <a:schemeClr val="bg1">
-                        <a:alpha val="10000"/>
-                      </a:schemeClr>
-                    </a:solidFill>
-                  </a:rPr>
-                  <a:t>Ja</a:t>
-                </a:r>
-              </a:p>
-            </p:txBody>
-          </p:sp>
-          <p:sp>
-            <p:nvSpPr>
-              <p:cNvPr id="16" name="TextBox 15">
-                <a:extLst>
-                  <a:ext uri="{FF2B5EF4-FFF2-40B4-BE49-F238E27FC236}">
-                    <a16:creationId xmlns:a16="http://schemas.microsoft.com/office/drawing/2014/main" id="{F229EBAF-AA92-22FB-E3E3-6C27D0111690}"/>
-                  </a:ext>
-                </a:extLst>
-              </p:cNvPr>
-              <p:cNvSpPr txBox="1"/>
-              <p:nvPr/>
-            </p:nvSpPr>
-            <p:spPr>
-              <a:xfrm>
-                <a:off x="200671" y="2451457"/>
-                <a:ext cx="4283242" cy="1702967"/>
-              </a:xfrm>
-              <a:prstGeom prst="rect">
-                <a:avLst/>
-              </a:prstGeom>
-              <a:noFill/>
-            </p:spPr>
-            <p:txBody>
-              <a:bodyPr wrap="square" rtlCol="0" anchor="t">
-                <a:spAutoFit/>
-              </a:bodyPr>
-              <a:lstStyle/>
-              <a:p>
-                <a:pPr marL="285750" indent="-285750">
-                  <a:lnSpc>
-                    <a:spcPct val="150000"/>
-                  </a:lnSpc>
-                  <a:buFont typeface="Arial" panose="020B0604020202020204" pitchFamily="34" charset="0"/>
-                  <a:buChar char="•"/>
-                </a:pPr>
-                <a:r>
-                  <a:rPr lang="en-DE" dirty="0">
-                    <a:solidFill>
-                      <a:schemeClr val="bg1"/>
-                    </a:solidFill>
-                  </a:rPr>
-                  <a:t>Geschwindigkeit der Umsetzung mit jeder Programmiersprache messbar schneller</a:t>
-                </a:r>
-              </a:p>
-              <a:p>
-                <a:pPr marL="285750" indent="-285750">
-                  <a:lnSpc>
-                    <a:spcPct val="150000"/>
-                  </a:lnSpc>
-                  <a:buFont typeface="Arial" panose="020B0604020202020204" pitchFamily="34" charset="0"/>
-                  <a:buChar char="•"/>
-                </a:pPr>
-                <a:r>
-                  <a:rPr lang="en-DE" dirty="0">
-                    <a:solidFill>
-                      <a:schemeClr val="bg1"/>
-                    </a:solidFill>
-                  </a:rPr>
-                  <a:t>(durch Refactoring noch schneller)</a:t>
-                </a:r>
-              </a:p>
-            </p:txBody>
-          </p:sp>
-        </p:grpSp>
-      </p:grpSp>
+          <a:prstGeom prst="roundRect">
+            <a:avLst/>
+          </a:prstGeom>
+          <a:solidFill>
+            <a:schemeClr val="tx2"/>
+          </a:solidFill>
+        </p:spPr>
+        <p:style>
+          <a:lnRef idx="2">
+            <a:schemeClr val="accent1">
+              <a:shade val="15000"/>
+            </a:schemeClr>
+          </a:lnRef>
+          <a:fillRef idx="1">
+            <a:schemeClr val="accent1"/>
+          </a:fillRef>
+          <a:effectRef idx="0">
+            <a:schemeClr val="accent1"/>
+          </a:effectRef>
+          <a:fontRef idx="minor">
+            <a:schemeClr val="lt1"/>
+          </a:fontRef>
+        </p:style>
+        <p:txBody>
+          <a:bodyPr rtlCol="0" anchor="ctr"/>
+          <a:lstStyle/>
+          <a:p>
+            <a:pPr algn="ctr"/>
+            <a:r>
+              <a:rPr lang="en-DE" sz="11200" dirty="0">
+                <a:solidFill>
+                  <a:schemeClr val="bg1">
+                    <a:alpha val="10000"/>
+                  </a:schemeClr>
+                </a:solidFill>
+              </a:rPr>
+              <a:t>Ja</a:t>
+            </a:r>
+          </a:p>
+        </p:txBody>
+      </p:sp>
+      <p:sp>
+        <p:nvSpPr>
+          <p:cNvPr id="16" name="TextBox 15">
+            <a:extLst>
+              <a:ext uri="{FF2B5EF4-FFF2-40B4-BE49-F238E27FC236}">
+                <a16:creationId xmlns:a16="http://schemas.microsoft.com/office/drawing/2014/main" id="{F229EBAF-AA92-22FB-E3E3-6C27D0111690}"/>
+              </a:ext>
+            </a:extLst>
+          </p:cNvPr>
+          <p:cNvSpPr txBox="1"/>
+          <p:nvPr/>
+        </p:nvSpPr>
+        <p:spPr>
+          <a:xfrm>
+            <a:off x="200671" y="1721060"/>
+            <a:ext cx="4283242" cy="1702967"/>
+          </a:xfrm>
+          <a:prstGeom prst="rect">
+            <a:avLst/>
+          </a:prstGeom>
+          <a:noFill/>
+        </p:spPr>
+        <p:txBody>
+          <a:bodyPr wrap="square" rtlCol="0" anchor="t">
+            <a:spAutoFit/>
+          </a:bodyPr>
+          <a:lstStyle/>
+          <a:p>
+            <a:pPr marL="285750" indent="-285750">
+              <a:lnSpc>
+                <a:spcPct val="150000"/>
+              </a:lnSpc>
+              <a:buFont typeface="Arial" panose="020B0604020202020204" pitchFamily="34" charset="0"/>
+              <a:buChar char="•"/>
+            </a:pPr>
+            <a:r>
+              <a:rPr lang="en-DE" dirty="0">
+                <a:solidFill>
+                  <a:schemeClr val="bg1"/>
+                </a:solidFill>
+              </a:rPr>
+              <a:t>Geschwindigkeit der Umsetzung mit jeder Programmiersprache messbar schneller</a:t>
+            </a:r>
+          </a:p>
+          <a:p>
+            <a:pPr marL="285750" indent="-285750">
+              <a:lnSpc>
+                <a:spcPct val="150000"/>
+              </a:lnSpc>
+              <a:buFont typeface="Arial" panose="020B0604020202020204" pitchFamily="34" charset="0"/>
+              <a:buChar char="•"/>
+            </a:pPr>
+            <a:r>
+              <a:rPr lang="en-DE" dirty="0">
+                <a:solidFill>
+                  <a:schemeClr val="bg1"/>
+                </a:solidFill>
+              </a:rPr>
+              <a:t>(durch Refactoring noch schneller)</a:t>
+            </a:r>
+          </a:p>
+        </p:txBody>
+      </p:sp>
       <p:sp>
         <p:nvSpPr>
           <p:cNvPr id="3" name="Datumsplatzhalter 2">
@@ -29414,7 +28835,7 @@
           <a:p>
             <a:fld id="{FE82E645-BE21-496B-802B-61065ECF19B4}" type="datetime1">
               <a:rPr lang="de-DE" noProof="0" smtClean="0"/>
-              <a:t>18.03.25</a:t>
+              <a:t>20.03.25</a:t>
             </a:fld>
             <a:endParaRPr lang="en-US" noProof="0"/>
           </a:p>
@@ -29443,7 +28864,7 @@
           <a:p>
             <a:fld id="{61696EC4-B4CF-4701-AD06-A8439D6D8E12}" type="slidenum">
               <a:rPr lang="en-US" noProof="0" smtClean="0"/>
-              <a:t>22</a:t>
+              <a:t>21</a:t>
             </a:fld>
             <a:endParaRPr lang="en-US" noProof="0"/>
           </a:p>
@@ -30051,10 +29472,134 @@
   <p:clrMapOvr>
     <a:masterClrMapping/>
   </p:clrMapOvr>
+  <p:timing>
+    <p:tnLst>
+      <p:par>
+        <p:cTn id="1" dur="indefinite" restart="never" nodeType="tmRoot">
+          <p:childTnLst>
+            <p:seq concurrent="1" nextAc="seek">
+              <p:cTn id="2" dur="indefinite" nodeType="mainSeq">
+                <p:childTnLst>
+                  <p:par>
+                    <p:cTn id="3" fill="hold">
+                      <p:stCondLst>
+                        <p:cond delay="indefinite"/>
+                      </p:stCondLst>
+                      <p:childTnLst>
+                        <p:par>
+                          <p:cTn id="4" fill="hold">
+                            <p:stCondLst>
+                              <p:cond delay="0"/>
+                            </p:stCondLst>
+                            <p:childTnLst>
+                              <p:par>
+                                <p:cTn id="5" presetID="1" presetClass="entr" presetSubtype="0" fill="hold" grpId="0" nodeType="clickEffect">
+                                  <p:stCondLst>
+                                    <p:cond delay="0"/>
+                                  </p:stCondLst>
+                                  <p:childTnLst>
+                                    <p:set>
+                                      <p:cBhvr>
+                                        <p:cTn id="6" dur="1" fill="hold">
+                                          <p:stCondLst>
+                                            <p:cond delay="0"/>
+                                          </p:stCondLst>
+                                        </p:cTn>
+                                        <p:tgtEl>
+                                          <p:spTgt spid="16"/>
+                                        </p:tgtEl>
+                                        <p:attrNameLst>
+                                          <p:attrName>style.visibility</p:attrName>
+                                        </p:attrNameLst>
+                                      </p:cBhvr>
+                                      <p:to>
+                                        <p:strVal val="visible"/>
+                                      </p:to>
+                                    </p:set>
+                                  </p:childTnLst>
+                                </p:cTn>
+                              </p:par>
+                            </p:childTnLst>
+                          </p:cTn>
+                        </p:par>
+                      </p:childTnLst>
+                    </p:cTn>
+                  </p:par>
+                  <p:par>
+                    <p:cTn id="7" fill="hold">
+                      <p:stCondLst>
+                        <p:cond delay="indefinite"/>
+                      </p:stCondLst>
+                      <p:childTnLst>
+                        <p:par>
+                          <p:cTn id="8" fill="hold">
+                            <p:stCondLst>
+                              <p:cond delay="0"/>
+                            </p:stCondLst>
+                            <p:childTnLst>
+                              <p:par>
+                                <p:cTn id="9" presetID="1" presetClass="entr" presetSubtype="0" fill="hold" grpId="0" nodeType="clickEffect">
+                                  <p:stCondLst>
+                                    <p:cond delay="0"/>
+                                  </p:stCondLst>
+                                  <p:childTnLst>
+                                    <p:set>
+                                      <p:cBhvr>
+                                        <p:cTn id="10" dur="1" fill="hold">
+                                          <p:stCondLst>
+                                            <p:cond delay="0"/>
+                                          </p:stCondLst>
+                                        </p:cTn>
+                                        <p:tgtEl>
+                                          <p:spTgt spid="6"/>
+                                        </p:tgtEl>
+                                        <p:attrNameLst>
+                                          <p:attrName>style.visibility</p:attrName>
+                                        </p:attrNameLst>
+                                      </p:cBhvr>
+                                      <p:to>
+                                        <p:strVal val="visible"/>
+                                      </p:to>
+                                    </p:set>
+                                  </p:childTnLst>
+                                </p:cTn>
+                              </p:par>
+                            </p:childTnLst>
+                          </p:cTn>
+                        </p:par>
+                      </p:childTnLst>
+                    </p:cTn>
+                  </p:par>
+                </p:childTnLst>
+              </p:cTn>
+              <p:prevCondLst>
+                <p:cond evt="onPrev" delay="0">
+                  <p:tgtEl>
+                    <p:sldTgt/>
+                  </p:tgtEl>
+                </p:cond>
+              </p:prevCondLst>
+              <p:nextCondLst>
+                <p:cond evt="onNext" delay="0">
+                  <p:tgtEl>
+                    <p:sldTgt/>
+                  </p:tgtEl>
+                </p:cond>
+              </p:nextCondLst>
+            </p:seq>
+          </p:childTnLst>
+        </p:cTn>
+      </p:par>
+    </p:tnLst>
+    <p:bldLst>
+      <p:bldP spid="6" grpId="0"/>
+      <p:bldP spid="16" grpId="0"/>
+    </p:bldLst>
+  </p:timing>
 </p:sld>
 </file>
 
-<file path=ppt/slides/slide23.xml><?xml version="1.0" encoding="utf-8"?>
+<file path=ppt/slides/slide22.xml><?xml version="1.0" encoding="utf-8"?>
 <p:sld xmlns:a="http://schemas.openxmlformats.org/drawingml/2006/main" xmlns:r="http://schemas.openxmlformats.org/officeDocument/2006/relationships" xmlns:p="http://schemas.openxmlformats.org/presentationml/2006/main">
   <p:cSld>
     <p:spTree>
@@ -30100,7 +29645,7 @@
           <a:p>
             <a:r>
               <a:rPr lang="en-DE" dirty="0"/>
-              <a:t>”Plans are worthless, but planning is everything” – Eisenhower (1962)</a:t>
+              <a:t>”Responding to change over following a plan” – Agiles Manifesto</a:t>
             </a:r>
           </a:p>
           <a:p>
@@ -30140,7 +29685,7 @@
           <a:p>
             <a:fld id="{0A9BFA6A-9A63-4E2D-92C0-C77BFA750EDB}" type="datetime1">
               <a:rPr lang="de-DE" noProof="0" smtClean="0"/>
-              <a:t>18.03.25</a:t>
+              <a:t>20.03.25</a:t>
             </a:fld>
             <a:endParaRPr lang="en-US" noProof="0"/>
           </a:p>
@@ -30169,7 +29714,7 @@
           <a:p>
             <a:fld id="{61696EC4-B4CF-4701-AD06-A8439D6D8E12}" type="slidenum">
               <a:rPr lang="en-US" noProof="0" smtClean="0"/>
-              <a:t>23</a:t>
+              <a:t>22</a:t>
             </a:fld>
             <a:endParaRPr lang="en-US" noProof="0"/>
           </a:p>
@@ -30780,6 +30325,1056 @@
 </p:sld>
 </file>
 
+<file path=ppt/slides/slide23.xml><?xml version="1.0" encoding="utf-8"?>
+<p:sld xmlns:a="http://schemas.openxmlformats.org/drawingml/2006/main" xmlns:r="http://schemas.openxmlformats.org/officeDocument/2006/relationships" xmlns:p="http://schemas.openxmlformats.org/presentationml/2006/main">
+  <p:cSld>
+    <p:spTree>
+      <p:nvGrpSpPr>
+        <p:cNvPr id="1" name="">
+          <a:extLst>
+            <a:ext uri="{FF2B5EF4-FFF2-40B4-BE49-F238E27FC236}">
+              <a16:creationId xmlns:a16="http://schemas.microsoft.com/office/drawing/2014/main" id="{A9CEFC65-843F-67C6-7C8B-D1C70FF1B38D}"/>
+            </a:ext>
+          </a:extLst>
+        </p:cNvPr>
+        <p:cNvGrpSpPr/>
+        <p:nvPr/>
+      </p:nvGrpSpPr>
+      <p:grpSpPr>
+        <a:xfrm>
+          <a:off x="0" y="0"/>
+          <a:ext cx="0" cy="0"/>
+          <a:chOff x="0" y="0"/>
+          <a:chExt cx="0" cy="0"/>
+        </a:xfrm>
+      </p:grpSpPr>
+      <p:sp>
+        <p:nvSpPr>
+          <p:cNvPr id="3" name="Date Placeholder 2">
+            <a:extLst>
+              <a:ext uri="{FF2B5EF4-FFF2-40B4-BE49-F238E27FC236}">
+                <a16:creationId xmlns:a16="http://schemas.microsoft.com/office/drawing/2014/main" id="{27E8CA1C-9527-A9AF-5D0C-68388BB308FB}"/>
+              </a:ext>
+            </a:extLst>
+          </p:cNvPr>
+          <p:cNvSpPr>
+            <a:spLocks noGrp="1"/>
+          </p:cNvSpPr>
+          <p:nvPr>
+            <p:ph type="dt" sz="half" idx="10"/>
+          </p:nvPr>
+        </p:nvSpPr>
+        <p:spPr/>
+        <p:txBody>
+          <a:bodyPr/>
+          <a:lstStyle/>
+          <a:p>
+            <a:fld id="{0A9BFA6A-9A63-4E2D-92C0-C77BFA750EDB}" type="datetime1">
+              <a:rPr lang="de-DE" noProof="0" smtClean="0"/>
+              <a:t>20.03.25</a:t>
+            </a:fld>
+            <a:endParaRPr lang="en-US" noProof="0"/>
+          </a:p>
+        </p:txBody>
+      </p:sp>
+      <p:sp>
+        <p:nvSpPr>
+          <p:cNvPr id="4" name="Slide Number Placeholder 3">
+            <a:extLst>
+              <a:ext uri="{FF2B5EF4-FFF2-40B4-BE49-F238E27FC236}">
+                <a16:creationId xmlns:a16="http://schemas.microsoft.com/office/drawing/2014/main" id="{2FEA3FD4-E350-4A72-1BA7-5A0417452931}"/>
+              </a:ext>
+            </a:extLst>
+          </p:cNvPr>
+          <p:cNvSpPr>
+            <a:spLocks noGrp="1"/>
+          </p:cNvSpPr>
+          <p:nvPr>
+            <p:ph type="sldNum" sz="quarter" idx="12"/>
+          </p:nvPr>
+        </p:nvSpPr>
+        <p:spPr/>
+        <p:txBody>
+          <a:bodyPr/>
+          <a:lstStyle/>
+          <a:p>
+            <a:fld id="{61696EC4-B4CF-4701-AD06-A8439D6D8E12}" type="slidenum">
+              <a:rPr lang="en-US" noProof="0" smtClean="0"/>
+              <a:t>23</a:t>
+            </a:fld>
+            <a:endParaRPr lang="en-US" noProof="0"/>
+          </a:p>
+        </p:txBody>
+      </p:sp>
+      <p:sp>
+        <p:nvSpPr>
+          <p:cNvPr id="5" name="Title 4">
+            <a:extLst>
+              <a:ext uri="{FF2B5EF4-FFF2-40B4-BE49-F238E27FC236}">
+                <a16:creationId xmlns:a16="http://schemas.microsoft.com/office/drawing/2014/main" id="{467BB193-2F5A-C5C8-F0A5-2A6628F67FD4}"/>
+              </a:ext>
+            </a:extLst>
+          </p:cNvPr>
+          <p:cNvSpPr>
+            <a:spLocks noGrp="1"/>
+          </p:cNvSpPr>
+          <p:nvPr>
+            <p:ph type="title"/>
+          </p:nvPr>
+        </p:nvSpPr>
+        <p:spPr/>
+        <p:txBody>
+          <a:bodyPr/>
+          <a:lstStyle/>
+          <a:p>
+            <a:r>
+              <a:rPr lang="en-DE" dirty="0"/>
+              <a:t>Architektur vorher</a:t>
+            </a:r>
+          </a:p>
+        </p:txBody>
+      </p:sp>
+      <p:grpSp>
+        <p:nvGrpSpPr>
+          <p:cNvPr id="6" name="Gruppieren 3">
+            <a:extLst>
+              <a:ext uri="{FF2B5EF4-FFF2-40B4-BE49-F238E27FC236}">
+                <a16:creationId xmlns:a16="http://schemas.microsoft.com/office/drawing/2014/main" id="{71809C1D-EEE2-FAFB-622C-A2D5DE9D30E6}"/>
+              </a:ext>
+            </a:extLst>
+          </p:cNvPr>
+          <p:cNvGrpSpPr/>
+          <p:nvPr/>
+        </p:nvGrpSpPr>
+        <p:grpSpPr>
+          <a:xfrm>
+            <a:off x="396000" y="229412"/>
+            <a:ext cx="5351002" cy="276999"/>
+            <a:chOff x="396000" y="229412"/>
+            <a:chExt cx="5351002" cy="276999"/>
+          </a:xfrm>
+        </p:grpSpPr>
+        <p:sp>
+          <p:nvSpPr>
+            <p:cNvPr id="7" name="TextBox 17">
+              <a:extLst>
+                <a:ext uri="{FF2B5EF4-FFF2-40B4-BE49-F238E27FC236}">
+                  <a16:creationId xmlns:a16="http://schemas.microsoft.com/office/drawing/2014/main" id="{15DD611A-9179-1C2A-7115-A2704E99D9F0}"/>
+                </a:ext>
+              </a:extLst>
+            </p:cNvPr>
+            <p:cNvSpPr txBox="1"/>
+            <p:nvPr/>
+          </p:nvSpPr>
+          <p:spPr>
+            <a:xfrm>
+              <a:off x="396000" y="229412"/>
+              <a:ext cx="698909" cy="276999"/>
+            </a:xfrm>
+            <a:prstGeom prst="rect">
+              <a:avLst/>
+            </a:prstGeom>
+            <a:noFill/>
+          </p:spPr>
+          <p:txBody>
+            <a:bodyPr wrap="none" lIns="0" rIns="0" rtlCol="0">
+              <a:spAutoFit/>
+            </a:bodyPr>
+            <a:lstStyle/>
+            <a:p>
+              <a:r>
+                <a:rPr lang="en-US" sz="1200" dirty="0">
+                  <a:solidFill>
+                    <a:schemeClr val="bg2">
+                      <a:lumMod val="75000"/>
+                    </a:schemeClr>
+                  </a:solidFill>
+                </a:rPr>
+                <a:t>Motivation</a:t>
+              </a:r>
+            </a:p>
+          </p:txBody>
+        </p:sp>
+        <p:sp>
+          <p:nvSpPr>
+            <p:cNvPr id="8" name="TextBox 55">
+              <a:extLst>
+                <a:ext uri="{FF2B5EF4-FFF2-40B4-BE49-F238E27FC236}">
+                  <a16:creationId xmlns:a16="http://schemas.microsoft.com/office/drawing/2014/main" id="{7747321C-B1D5-C8BE-85C0-B484D6FF6AB5}"/>
+                </a:ext>
+              </a:extLst>
+            </p:cNvPr>
+            <p:cNvSpPr txBox="1"/>
+            <p:nvPr/>
+          </p:nvSpPr>
+          <p:spPr>
+            <a:xfrm>
+              <a:off x="1055563" y="244801"/>
+              <a:ext cx="288284" cy="246221"/>
+            </a:xfrm>
+            <a:prstGeom prst="rect">
+              <a:avLst/>
+            </a:prstGeom>
+            <a:noFill/>
+          </p:spPr>
+          <p:txBody>
+            <a:bodyPr wrap="square" lIns="0" rIns="0" rtlCol="0">
+              <a:spAutoFit/>
+            </a:bodyPr>
+            <a:lstStyle/>
+            <a:p>
+              <a:pPr algn="ctr"/>
+              <a:r>
+                <a:rPr lang="iu-Cans-CA" sz="1000" dirty="0">
+                  <a:solidFill>
+                    <a:schemeClr val="bg2">
+                      <a:lumMod val="75000"/>
+                    </a:schemeClr>
+                  </a:solidFill>
+                  <a:cs typeface="Arial" panose="020B0604020202020204" pitchFamily="34" charset="0"/>
+                </a:rPr>
+                <a:t>ᐅ</a:t>
+              </a:r>
+              <a:endParaRPr lang="en-US" sz="1000" dirty="0">
+                <a:solidFill>
+                  <a:schemeClr val="bg2">
+                    <a:lumMod val="75000"/>
+                  </a:schemeClr>
+                </a:solidFill>
+                <a:latin typeface="Arial" panose="020B0604020202020204" pitchFamily="34" charset="0"/>
+                <a:cs typeface="Arial" panose="020B0604020202020204" pitchFamily="34" charset="0"/>
+              </a:endParaRPr>
+            </a:p>
+          </p:txBody>
+        </p:sp>
+        <p:sp>
+          <p:nvSpPr>
+            <p:cNvPr id="9" name="TextBox 74">
+              <a:extLst>
+                <a:ext uri="{FF2B5EF4-FFF2-40B4-BE49-F238E27FC236}">
+                  <a16:creationId xmlns:a16="http://schemas.microsoft.com/office/drawing/2014/main" id="{74D933C6-1CDF-4A1C-4DB4-E4509646C395}"/>
+                </a:ext>
+              </a:extLst>
+            </p:cNvPr>
+            <p:cNvSpPr txBox="1"/>
+            <p:nvPr/>
+          </p:nvSpPr>
+          <p:spPr>
+            <a:xfrm>
+              <a:off x="1304501" y="229412"/>
+              <a:ext cx="637995" cy="276999"/>
+            </a:xfrm>
+            <a:prstGeom prst="rect">
+              <a:avLst/>
+            </a:prstGeom>
+            <a:noFill/>
+          </p:spPr>
+          <p:txBody>
+            <a:bodyPr wrap="none" lIns="0" rIns="0" rtlCol="0">
+              <a:spAutoFit/>
+            </a:bodyPr>
+            <a:lstStyle/>
+            <a:p>
+              <a:r>
+                <a:rPr lang="de-DE" sz="1200" dirty="0">
+                  <a:solidFill>
+                    <a:schemeClr val="bg2">
+                      <a:lumMod val="75000"/>
+                    </a:schemeClr>
+                  </a:solidFill>
+                </a:rPr>
+                <a:t>Überblick</a:t>
+              </a:r>
+              <a:endParaRPr lang="en-US" sz="1200" dirty="0">
+                <a:solidFill>
+                  <a:schemeClr val="bg2">
+                    <a:lumMod val="75000"/>
+                  </a:schemeClr>
+                </a:solidFill>
+              </a:endParaRPr>
+            </a:p>
+          </p:txBody>
+        </p:sp>
+        <p:sp>
+          <p:nvSpPr>
+            <p:cNvPr id="10" name="TextBox 74">
+              <a:extLst>
+                <a:ext uri="{FF2B5EF4-FFF2-40B4-BE49-F238E27FC236}">
+                  <a16:creationId xmlns:a16="http://schemas.microsoft.com/office/drawing/2014/main" id="{930748D9-6210-23C4-4F49-59057E6D0D53}"/>
+                </a:ext>
+              </a:extLst>
+            </p:cNvPr>
+            <p:cNvSpPr txBox="1"/>
+            <p:nvPr/>
+          </p:nvSpPr>
+          <p:spPr>
+            <a:xfrm>
+              <a:off x="2152089" y="229412"/>
+              <a:ext cx="281103" cy="276999"/>
+            </a:xfrm>
+            <a:prstGeom prst="rect">
+              <a:avLst/>
+            </a:prstGeom>
+            <a:noFill/>
+          </p:spPr>
+          <p:txBody>
+            <a:bodyPr wrap="none" lIns="0" rIns="0" rtlCol="0">
+              <a:spAutoFit/>
+            </a:bodyPr>
+            <a:lstStyle/>
+            <a:p>
+              <a:r>
+                <a:rPr lang="de-DE" sz="1200" dirty="0">
+                  <a:solidFill>
+                    <a:schemeClr val="bg2">
+                      <a:lumMod val="75000"/>
+                    </a:schemeClr>
+                  </a:solidFill>
+                </a:rPr>
+                <a:t>Tool</a:t>
+              </a:r>
+              <a:endParaRPr lang="en-US" sz="1200" dirty="0">
+                <a:solidFill>
+                  <a:schemeClr val="bg2">
+                    <a:lumMod val="75000"/>
+                  </a:schemeClr>
+                </a:solidFill>
+              </a:endParaRPr>
+            </a:p>
+          </p:txBody>
+        </p:sp>
+        <p:sp>
+          <p:nvSpPr>
+            <p:cNvPr id="11" name="TextBox 55">
+              <a:extLst>
+                <a:ext uri="{FF2B5EF4-FFF2-40B4-BE49-F238E27FC236}">
+                  <a16:creationId xmlns:a16="http://schemas.microsoft.com/office/drawing/2014/main" id="{FD73F8A8-7ABC-FEFB-97B6-D3103F1D59EE}"/>
+                </a:ext>
+              </a:extLst>
+            </p:cNvPr>
+            <p:cNvSpPr txBox="1"/>
+            <p:nvPr/>
+          </p:nvSpPr>
+          <p:spPr>
+            <a:xfrm>
+              <a:off x="1903150" y="244801"/>
+              <a:ext cx="288284" cy="246221"/>
+            </a:xfrm>
+            <a:prstGeom prst="rect">
+              <a:avLst/>
+            </a:prstGeom>
+            <a:noFill/>
+          </p:spPr>
+          <p:txBody>
+            <a:bodyPr wrap="square" lIns="0" rIns="0" rtlCol="0">
+              <a:spAutoFit/>
+            </a:bodyPr>
+            <a:lstStyle/>
+            <a:p>
+              <a:pPr algn="ctr"/>
+              <a:r>
+                <a:rPr lang="iu-Cans-CA" sz="1000" dirty="0">
+                  <a:solidFill>
+                    <a:schemeClr val="bg2">
+                      <a:lumMod val="75000"/>
+                    </a:schemeClr>
+                  </a:solidFill>
+                  <a:cs typeface="Arial" panose="020B0604020202020204" pitchFamily="34" charset="0"/>
+                </a:rPr>
+                <a:t>ᐅ</a:t>
+              </a:r>
+              <a:endParaRPr lang="en-US" sz="1000" dirty="0">
+                <a:solidFill>
+                  <a:schemeClr val="bg2">
+                    <a:lumMod val="75000"/>
+                  </a:schemeClr>
+                </a:solidFill>
+                <a:latin typeface="Arial" panose="020B0604020202020204" pitchFamily="34" charset="0"/>
+                <a:cs typeface="Arial" panose="020B0604020202020204" pitchFamily="34" charset="0"/>
+              </a:endParaRPr>
+            </a:p>
+          </p:txBody>
+        </p:sp>
+        <p:sp>
+          <p:nvSpPr>
+            <p:cNvPr id="12" name="TextBox 74">
+              <a:extLst>
+                <a:ext uri="{FF2B5EF4-FFF2-40B4-BE49-F238E27FC236}">
+                  <a16:creationId xmlns:a16="http://schemas.microsoft.com/office/drawing/2014/main" id="{BAC2863D-754B-1BF9-48D5-02E346B328E4}"/>
+                </a:ext>
+              </a:extLst>
+            </p:cNvPr>
+            <p:cNvSpPr txBox="1"/>
+            <p:nvPr/>
+          </p:nvSpPr>
+          <p:spPr>
+            <a:xfrm>
+              <a:off x="3586555" y="229412"/>
+              <a:ext cx="775853" cy="276999"/>
+            </a:xfrm>
+            <a:prstGeom prst="rect">
+              <a:avLst/>
+            </a:prstGeom>
+            <a:noFill/>
+          </p:spPr>
+          <p:txBody>
+            <a:bodyPr wrap="none" lIns="0" rIns="0" rtlCol="0">
+              <a:spAutoFit/>
+            </a:bodyPr>
+            <a:lstStyle/>
+            <a:p>
+              <a:r>
+                <a:rPr lang="de-DE" sz="1200" dirty="0">
+                  <a:solidFill>
+                    <a:schemeClr val="bg2">
+                      <a:lumMod val="75000"/>
+                    </a:schemeClr>
+                  </a:solidFill>
+                </a:rPr>
+                <a:t>Umsetzung</a:t>
+              </a:r>
+              <a:endParaRPr lang="en-US" sz="1200" dirty="0">
+                <a:solidFill>
+                  <a:schemeClr val="bg2">
+                    <a:lumMod val="75000"/>
+                  </a:schemeClr>
+                </a:solidFill>
+              </a:endParaRPr>
+            </a:p>
+          </p:txBody>
+        </p:sp>
+        <p:sp>
+          <p:nvSpPr>
+            <p:cNvPr id="13" name="TextBox 55">
+              <a:extLst>
+                <a:ext uri="{FF2B5EF4-FFF2-40B4-BE49-F238E27FC236}">
+                  <a16:creationId xmlns:a16="http://schemas.microsoft.com/office/drawing/2014/main" id="{EB0BA83F-ECC9-8AF1-6D81-25754CA66F2E}"/>
+                </a:ext>
+              </a:extLst>
+            </p:cNvPr>
+            <p:cNvSpPr txBox="1"/>
+            <p:nvPr/>
+          </p:nvSpPr>
+          <p:spPr>
+            <a:xfrm>
+              <a:off x="3337616" y="244801"/>
+              <a:ext cx="288284" cy="246221"/>
+            </a:xfrm>
+            <a:prstGeom prst="rect">
+              <a:avLst/>
+            </a:prstGeom>
+            <a:noFill/>
+          </p:spPr>
+          <p:txBody>
+            <a:bodyPr wrap="square" lIns="0" rIns="0" rtlCol="0">
+              <a:spAutoFit/>
+            </a:bodyPr>
+            <a:lstStyle/>
+            <a:p>
+              <a:pPr algn="ctr"/>
+              <a:r>
+                <a:rPr lang="iu-Cans-CA" sz="1000" dirty="0">
+                  <a:solidFill>
+                    <a:schemeClr val="bg2">
+                      <a:lumMod val="75000"/>
+                    </a:schemeClr>
+                  </a:solidFill>
+                  <a:cs typeface="Arial" panose="020B0604020202020204" pitchFamily="34" charset="0"/>
+                </a:rPr>
+                <a:t>ᐅ</a:t>
+              </a:r>
+              <a:endParaRPr lang="en-US" sz="1000" dirty="0">
+                <a:solidFill>
+                  <a:schemeClr val="bg2">
+                    <a:lumMod val="75000"/>
+                  </a:schemeClr>
+                </a:solidFill>
+                <a:latin typeface="Arial" panose="020B0604020202020204" pitchFamily="34" charset="0"/>
+                <a:cs typeface="Arial" panose="020B0604020202020204" pitchFamily="34" charset="0"/>
+              </a:endParaRPr>
+            </a:p>
+          </p:txBody>
+        </p:sp>
+        <p:sp>
+          <p:nvSpPr>
+            <p:cNvPr id="14" name="TextBox 74">
+              <a:extLst>
+                <a:ext uri="{FF2B5EF4-FFF2-40B4-BE49-F238E27FC236}">
+                  <a16:creationId xmlns:a16="http://schemas.microsoft.com/office/drawing/2014/main" id="{DE6A6D3D-8745-EDA4-F519-605B2E622E11}"/>
+                </a:ext>
+              </a:extLst>
+            </p:cNvPr>
+            <p:cNvSpPr txBox="1"/>
+            <p:nvPr/>
+          </p:nvSpPr>
+          <p:spPr>
+            <a:xfrm>
+              <a:off x="2642786" y="229412"/>
+              <a:ext cx="734175" cy="276999"/>
+            </a:xfrm>
+            <a:prstGeom prst="rect">
+              <a:avLst/>
+            </a:prstGeom>
+            <a:noFill/>
+          </p:spPr>
+          <p:txBody>
+            <a:bodyPr wrap="none" lIns="0" rIns="0" rtlCol="0">
+              <a:spAutoFit/>
+            </a:bodyPr>
+            <a:lstStyle/>
+            <a:p>
+              <a:r>
+                <a:rPr lang="de-DE" sz="1200" dirty="0">
+                  <a:solidFill>
+                    <a:schemeClr val="bg2">
+                      <a:lumMod val="75000"/>
+                    </a:schemeClr>
+                  </a:solidFill>
+                </a:rPr>
+                <a:t>Architektur</a:t>
+              </a:r>
+              <a:endParaRPr lang="en-US" sz="1200" dirty="0">
+                <a:solidFill>
+                  <a:schemeClr val="bg2">
+                    <a:lumMod val="75000"/>
+                  </a:schemeClr>
+                </a:solidFill>
+              </a:endParaRPr>
+            </a:p>
+          </p:txBody>
+        </p:sp>
+        <p:sp>
+          <p:nvSpPr>
+            <p:cNvPr id="15" name="TextBox 55">
+              <a:extLst>
+                <a:ext uri="{FF2B5EF4-FFF2-40B4-BE49-F238E27FC236}">
+                  <a16:creationId xmlns:a16="http://schemas.microsoft.com/office/drawing/2014/main" id="{C0CF4C7F-FD69-33AB-15D6-3BD057008A9B}"/>
+                </a:ext>
+              </a:extLst>
+            </p:cNvPr>
+            <p:cNvSpPr txBox="1"/>
+            <p:nvPr/>
+          </p:nvSpPr>
+          <p:spPr>
+            <a:xfrm>
+              <a:off x="2393847" y="244801"/>
+              <a:ext cx="288284" cy="246221"/>
+            </a:xfrm>
+            <a:prstGeom prst="rect">
+              <a:avLst/>
+            </a:prstGeom>
+            <a:noFill/>
+          </p:spPr>
+          <p:txBody>
+            <a:bodyPr wrap="square" lIns="0" rIns="0" rtlCol="0">
+              <a:spAutoFit/>
+            </a:bodyPr>
+            <a:lstStyle/>
+            <a:p>
+              <a:pPr algn="ctr"/>
+              <a:r>
+                <a:rPr lang="iu-Cans-CA" sz="1000" dirty="0">
+                  <a:solidFill>
+                    <a:schemeClr val="bg2">
+                      <a:lumMod val="75000"/>
+                    </a:schemeClr>
+                  </a:solidFill>
+                  <a:cs typeface="Arial" panose="020B0604020202020204" pitchFamily="34" charset="0"/>
+                </a:rPr>
+                <a:t>ᐅ</a:t>
+              </a:r>
+              <a:endParaRPr lang="en-US" sz="1000" dirty="0">
+                <a:solidFill>
+                  <a:schemeClr val="bg2">
+                    <a:lumMod val="75000"/>
+                  </a:schemeClr>
+                </a:solidFill>
+                <a:latin typeface="Arial" panose="020B0604020202020204" pitchFamily="34" charset="0"/>
+                <a:cs typeface="Arial" panose="020B0604020202020204" pitchFamily="34" charset="0"/>
+              </a:endParaRPr>
+            </a:p>
+          </p:txBody>
+        </p:sp>
+        <p:sp>
+          <p:nvSpPr>
+            <p:cNvPr id="16" name="TextBox 74">
+              <a:extLst>
+                <a:ext uri="{FF2B5EF4-FFF2-40B4-BE49-F238E27FC236}">
+                  <a16:creationId xmlns:a16="http://schemas.microsoft.com/office/drawing/2014/main" id="{B8E67169-F69A-0B89-1A6A-FAD05E4213D2}"/>
+                </a:ext>
+              </a:extLst>
+            </p:cNvPr>
+            <p:cNvSpPr txBox="1"/>
+            <p:nvPr/>
+          </p:nvSpPr>
+          <p:spPr>
+            <a:xfrm>
+              <a:off x="4572000" y="229412"/>
+              <a:ext cx="1175002" cy="276999"/>
+            </a:xfrm>
+            <a:prstGeom prst="rect">
+              <a:avLst/>
+            </a:prstGeom>
+            <a:noFill/>
+          </p:spPr>
+          <p:txBody>
+            <a:bodyPr wrap="none" lIns="0" rIns="0" rtlCol="0">
+              <a:spAutoFit/>
+            </a:bodyPr>
+            <a:lstStyle/>
+            <a:p>
+              <a:r>
+                <a:rPr lang="de-DE" sz="1200" dirty="0" err="1"/>
+                <a:t>Lessons</a:t>
+              </a:r>
+              <a:r>
+                <a:rPr lang="de-DE" sz="1200" dirty="0">
+                  <a:solidFill>
+                    <a:schemeClr val="bg2">
+                      <a:lumMod val="75000"/>
+                    </a:schemeClr>
+                  </a:solidFill>
+                </a:rPr>
+                <a:t> </a:t>
+              </a:r>
+              <a:r>
+                <a:rPr lang="de-DE" sz="1200" dirty="0" err="1"/>
+                <a:t>Learned</a:t>
+              </a:r>
+              <a:endParaRPr lang="en-US" sz="1200" dirty="0"/>
+            </a:p>
+          </p:txBody>
+        </p:sp>
+        <p:sp>
+          <p:nvSpPr>
+            <p:cNvPr id="17" name="TextBox 55">
+              <a:extLst>
+                <a:ext uri="{FF2B5EF4-FFF2-40B4-BE49-F238E27FC236}">
+                  <a16:creationId xmlns:a16="http://schemas.microsoft.com/office/drawing/2014/main" id="{A391B65C-63B8-2043-FB80-F8FD3A0F5689}"/>
+                </a:ext>
+              </a:extLst>
+            </p:cNvPr>
+            <p:cNvSpPr txBox="1"/>
+            <p:nvPr/>
+          </p:nvSpPr>
+          <p:spPr>
+            <a:xfrm>
+              <a:off x="4323063" y="244801"/>
+              <a:ext cx="288284" cy="246221"/>
+            </a:xfrm>
+            <a:prstGeom prst="rect">
+              <a:avLst/>
+            </a:prstGeom>
+            <a:noFill/>
+          </p:spPr>
+          <p:txBody>
+            <a:bodyPr wrap="square" lIns="0" rIns="0" rtlCol="0">
+              <a:spAutoFit/>
+            </a:bodyPr>
+            <a:lstStyle/>
+            <a:p>
+              <a:pPr algn="ctr"/>
+              <a:r>
+                <a:rPr lang="iu-Cans-CA" sz="1000" dirty="0">
+                  <a:solidFill>
+                    <a:schemeClr val="bg2">
+                      <a:lumMod val="75000"/>
+                    </a:schemeClr>
+                  </a:solidFill>
+                  <a:cs typeface="Arial" panose="020B0604020202020204" pitchFamily="34" charset="0"/>
+                </a:rPr>
+                <a:t>ᐅ</a:t>
+              </a:r>
+              <a:endParaRPr lang="en-US" sz="1000" dirty="0">
+                <a:solidFill>
+                  <a:schemeClr val="bg2">
+                    <a:lumMod val="75000"/>
+                  </a:schemeClr>
+                </a:solidFill>
+                <a:latin typeface="Arial" panose="020B0604020202020204" pitchFamily="34" charset="0"/>
+                <a:cs typeface="Arial" panose="020B0604020202020204" pitchFamily="34" charset="0"/>
+              </a:endParaRPr>
+            </a:p>
+          </p:txBody>
+        </p:sp>
+      </p:grpSp>
+      <p:pic>
+        <p:nvPicPr>
+          <p:cNvPr id="18" name="Picture 17" descr="A diagram of a company&#10;&#10;AI-generated content may be incorrect.">
+            <a:extLst>
+              <a:ext uri="{FF2B5EF4-FFF2-40B4-BE49-F238E27FC236}">
+                <a16:creationId xmlns:a16="http://schemas.microsoft.com/office/drawing/2014/main" id="{0779649D-B6ED-C696-11E4-A91E2CBB52D3}"/>
+              </a:ext>
+            </a:extLst>
+          </p:cNvPr>
+          <p:cNvPicPr>
+            <a:picLocks noChangeAspect="1"/>
+          </p:cNvPicPr>
+          <p:nvPr/>
+        </p:nvPicPr>
+        <p:blipFill>
+          <a:blip r:embed="rId3">
+            <a:extLst>
+              <a:ext uri="{28A0092B-C50C-407E-A947-70E740481C1C}">
+                <a14:useLocalDpi xmlns:a14="http://schemas.microsoft.com/office/drawing/2010/main" val="0"/>
+              </a:ext>
+            </a:extLst>
+          </a:blip>
+          <a:stretch>
+            <a:fillRect/>
+          </a:stretch>
+        </p:blipFill>
+        <p:spPr>
+          <a:xfrm>
+            <a:off x="1576524" y="1035054"/>
+            <a:ext cx="5571767" cy="3644892"/>
+          </a:xfrm>
+          <a:prstGeom prst="rect">
+            <a:avLst/>
+          </a:prstGeom>
+        </p:spPr>
+      </p:pic>
+      <p:sp>
+        <p:nvSpPr>
+          <p:cNvPr id="20" name="Rectangle 19">
+            <a:extLst>
+              <a:ext uri="{FF2B5EF4-FFF2-40B4-BE49-F238E27FC236}">
+                <a16:creationId xmlns:a16="http://schemas.microsoft.com/office/drawing/2014/main" id="{BABF0F24-FF2C-CDE3-4D5B-8BA0121636FC}"/>
+              </a:ext>
+            </a:extLst>
+          </p:cNvPr>
+          <p:cNvSpPr/>
+          <p:nvPr/>
+        </p:nvSpPr>
+        <p:spPr>
+          <a:xfrm>
+            <a:off x="5005137" y="872233"/>
+            <a:ext cx="914400" cy="1231575"/>
+          </a:xfrm>
+          <a:prstGeom prst="rect">
+            <a:avLst/>
+          </a:prstGeom>
+          <a:noFill/>
+          <a:ln w="38100">
+            <a:solidFill>
+              <a:schemeClr val="tx2"/>
+            </a:solidFill>
+          </a:ln>
+        </p:spPr>
+        <p:style>
+          <a:lnRef idx="2">
+            <a:schemeClr val="accent1">
+              <a:shade val="15000"/>
+            </a:schemeClr>
+          </a:lnRef>
+          <a:fillRef idx="1">
+            <a:schemeClr val="accent1"/>
+          </a:fillRef>
+          <a:effectRef idx="0">
+            <a:schemeClr val="accent1"/>
+          </a:effectRef>
+          <a:fontRef idx="minor">
+            <a:schemeClr val="lt1"/>
+          </a:fontRef>
+        </p:style>
+        <p:txBody>
+          <a:bodyPr rtlCol="0" anchor="ctr"/>
+          <a:lstStyle/>
+          <a:p>
+            <a:pPr algn="ctr"/>
+            <a:endParaRPr lang="en-DE"/>
+          </a:p>
+        </p:txBody>
+      </p:sp>
+      <p:sp>
+        <p:nvSpPr>
+          <p:cNvPr id="22" name="Snip Single Corner of Rectangle 21">
+            <a:extLst>
+              <a:ext uri="{FF2B5EF4-FFF2-40B4-BE49-F238E27FC236}">
+                <a16:creationId xmlns:a16="http://schemas.microsoft.com/office/drawing/2014/main" id="{1F8AE111-DC20-FC52-B3E4-31F69B916096}"/>
+              </a:ext>
+            </a:extLst>
+          </p:cNvPr>
+          <p:cNvSpPr/>
+          <p:nvPr/>
+        </p:nvSpPr>
+        <p:spPr>
+          <a:xfrm>
+            <a:off x="1445950" y="1035054"/>
+            <a:ext cx="5009852" cy="3713769"/>
+          </a:xfrm>
+          <a:prstGeom prst="snip1Rect">
+            <a:avLst>
+              <a:gd name="adj" fmla="val 50000"/>
+            </a:avLst>
+          </a:prstGeom>
+          <a:noFill/>
+          <a:ln w="38100">
+            <a:solidFill>
+              <a:schemeClr val="tx2"/>
+            </a:solidFill>
+          </a:ln>
+        </p:spPr>
+        <p:style>
+          <a:lnRef idx="2">
+            <a:schemeClr val="accent1">
+              <a:shade val="15000"/>
+            </a:schemeClr>
+          </a:lnRef>
+          <a:fillRef idx="1">
+            <a:schemeClr val="accent1"/>
+          </a:fillRef>
+          <a:effectRef idx="0">
+            <a:schemeClr val="accent1"/>
+          </a:effectRef>
+          <a:fontRef idx="minor">
+            <a:schemeClr val="lt1"/>
+          </a:fontRef>
+        </p:style>
+        <p:txBody>
+          <a:bodyPr rtlCol="0" anchor="ctr"/>
+          <a:lstStyle/>
+          <a:p>
+            <a:pPr algn="ctr"/>
+            <a:endParaRPr lang="en-DE"/>
+          </a:p>
+        </p:txBody>
+      </p:sp>
+      <p:sp>
+        <p:nvSpPr>
+          <p:cNvPr id="23" name="Rectangle 22">
+            <a:extLst>
+              <a:ext uri="{FF2B5EF4-FFF2-40B4-BE49-F238E27FC236}">
+                <a16:creationId xmlns:a16="http://schemas.microsoft.com/office/drawing/2014/main" id="{E7013700-090B-0E9D-B6F0-A30494E3235C}"/>
+              </a:ext>
+            </a:extLst>
+          </p:cNvPr>
+          <p:cNvSpPr/>
+          <p:nvPr/>
+        </p:nvSpPr>
+        <p:spPr>
+          <a:xfrm>
+            <a:off x="5919537" y="1608794"/>
+            <a:ext cx="1345641" cy="845648"/>
+          </a:xfrm>
+          <a:prstGeom prst="rect">
+            <a:avLst/>
+          </a:prstGeom>
+          <a:noFill/>
+          <a:ln w="38100">
+            <a:solidFill>
+              <a:schemeClr val="tx2"/>
+            </a:solidFill>
+          </a:ln>
+        </p:spPr>
+        <p:style>
+          <a:lnRef idx="2">
+            <a:schemeClr val="accent1">
+              <a:shade val="15000"/>
+            </a:schemeClr>
+          </a:lnRef>
+          <a:fillRef idx="1">
+            <a:schemeClr val="accent1"/>
+          </a:fillRef>
+          <a:effectRef idx="0">
+            <a:schemeClr val="accent1"/>
+          </a:effectRef>
+          <a:fontRef idx="minor">
+            <a:schemeClr val="lt1"/>
+          </a:fontRef>
+        </p:style>
+        <p:txBody>
+          <a:bodyPr rtlCol="0" anchor="ctr"/>
+          <a:lstStyle/>
+          <a:p>
+            <a:pPr algn="ctr"/>
+            <a:endParaRPr lang="en-DE"/>
+          </a:p>
+        </p:txBody>
+      </p:sp>
+    </p:spTree>
+    <p:extLst>
+      <p:ext uri="{BB962C8B-B14F-4D97-AF65-F5344CB8AC3E}">
+        <p14:creationId xmlns:p14="http://schemas.microsoft.com/office/powerpoint/2010/main" val="1163052936"/>
+      </p:ext>
+    </p:extLst>
+  </p:cSld>
+  <p:clrMapOvr>
+    <a:masterClrMapping/>
+  </p:clrMapOvr>
+  <p:timing>
+    <p:tnLst>
+      <p:par>
+        <p:cTn id="1" dur="indefinite" restart="never" nodeType="tmRoot">
+          <p:childTnLst>
+            <p:seq concurrent="1" nextAc="seek">
+              <p:cTn id="2" dur="indefinite" nodeType="mainSeq">
+                <p:childTnLst>
+                  <p:par>
+                    <p:cTn id="3" fill="hold">
+                      <p:stCondLst>
+                        <p:cond delay="indefinite"/>
+                      </p:stCondLst>
+                      <p:childTnLst>
+                        <p:par>
+                          <p:cTn id="4" fill="hold">
+                            <p:stCondLst>
+                              <p:cond delay="0"/>
+                            </p:stCondLst>
+                            <p:childTnLst>
+                              <p:par>
+                                <p:cTn id="5" presetID="1" presetClass="entr" presetSubtype="0" fill="hold" grpId="0" nodeType="clickEffect">
+                                  <p:stCondLst>
+                                    <p:cond delay="0"/>
+                                  </p:stCondLst>
+                                  <p:childTnLst>
+                                    <p:set>
+                                      <p:cBhvr>
+                                        <p:cTn id="6" dur="1" fill="hold">
+                                          <p:stCondLst>
+                                            <p:cond delay="0"/>
+                                          </p:stCondLst>
+                                        </p:cTn>
+                                        <p:tgtEl>
+                                          <p:spTgt spid="20"/>
+                                        </p:tgtEl>
+                                        <p:attrNameLst>
+                                          <p:attrName>style.visibility</p:attrName>
+                                        </p:attrNameLst>
+                                      </p:cBhvr>
+                                      <p:to>
+                                        <p:strVal val="visible"/>
+                                      </p:to>
+                                    </p:set>
+                                  </p:childTnLst>
+                                </p:cTn>
+                              </p:par>
+                            </p:childTnLst>
+                          </p:cTn>
+                        </p:par>
+                      </p:childTnLst>
+                    </p:cTn>
+                  </p:par>
+                  <p:par>
+                    <p:cTn id="7" fill="hold">
+                      <p:stCondLst>
+                        <p:cond delay="indefinite"/>
+                      </p:stCondLst>
+                      <p:childTnLst>
+                        <p:par>
+                          <p:cTn id="8" fill="hold">
+                            <p:stCondLst>
+                              <p:cond delay="0"/>
+                            </p:stCondLst>
+                            <p:childTnLst>
+                              <p:par>
+                                <p:cTn id="9" presetID="1" presetClass="entr" presetSubtype="0" fill="hold" grpId="0" nodeType="clickEffect">
+                                  <p:stCondLst>
+                                    <p:cond delay="0"/>
+                                  </p:stCondLst>
+                                  <p:childTnLst>
+                                    <p:set>
+                                      <p:cBhvr>
+                                        <p:cTn id="10" dur="1" fill="hold">
+                                          <p:stCondLst>
+                                            <p:cond delay="0"/>
+                                          </p:stCondLst>
+                                        </p:cTn>
+                                        <p:tgtEl>
+                                          <p:spTgt spid="22"/>
+                                        </p:tgtEl>
+                                        <p:attrNameLst>
+                                          <p:attrName>style.visibility</p:attrName>
+                                        </p:attrNameLst>
+                                      </p:cBhvr>
+                                      <p:to>
+                                        <p:strVal val="visible"/>
+                                      </p:to>
+                                    </p:set>
+                                  </p:childTnLst>
+                                </p:cTn>
+                              </p:par>
+                            </p:childTnLst>
+                          </p:cTn>
+                        </p:par>
+                      </p:childTnLst>
+                    </p:cTn>
+                  </p:par>
+                  <p:par>
+                    <p:cTn id="11" fill="hold">
+                      <p:stCondLst>
+                        <p:cond delay="indefinite"/>
+                      </p:stCondLst>
+                      <p:childTnLst>
+                        <p:par>
+                          <p:cTn id="12" fill="hold">
+                            <p:stCondLst>
+                              <p:cond delay="0"/>
+                            </p:stCondLst>
+                            <p:childTnLst>
+                              <p:par>
+                                <p:cTn id="13" presetID="1" presetClass="entr" presetSubtype="0" fill="hold" grpId="0" nodeType="clickEffect">
+                                  <p:stCondLst>
+                                    <p:cond delay="0"/>
+                                  </p:stCondLst>
+                                  <p:childTnLst>
+                                    <p:set>
+                                      <p:cBhvr>
+                                        <p:cTn id="14" dur="1" fill="hold">
+                                          <p:stCondLst>
+                                            <p:cond delay="0"/>
+                                          </p:stCondLst>
+                                        </p:cTn>
+                                        <p:tgtEl>
+                                          <p:spTgt spid="23"/>
+                                        </p:tgtEl>
+                                        <p:attrNameLst>
+                                          <p:attrName>style.visibility</p:attrName>
+                                        </p:attrNameLst>
+                                      </p:cBhvr>
+                                      <p:to>
+                                        <p:strVal val="visible"/>
+                                      </p:to>
+                                    </p:set>
+                                  </p:childTnLst>
+                                </p:cTn>
+                              </p:par>
+                            </p:childTnLst>
+                          </p:cTn>
+                        </p:par>
+                      </p:childTnLst>
+                    </p:cTn>
+                  </p:par>
+                </p:childTnLst>
+              </p:cTn>
+              <p:prevCondLst>
+                <p:cond evt="onPrev" delay="0">
+                  <p:tgtEl>
+                    <p:sldTgt/>
+                  </p:tgtEl>
+                </p:cond>
+              </p:prevCondLst>
+              <p:nextCondLst>
+                <p:cond evt="onNext" delay="0">
+                  <p:tgtEl>
+                    <p:sldTgt/>
+                  </p:tgtEl>
+                </p:cond>
+              </p:nextCondLst>
+            </p:seq>
+          </p:childTnLst>
+        </p:cTn>
+      </p:par>
+    </p:tnLst>
+    <p:bldLst>
+      <p:bldP spid="20" grpId="0" animBg="1"/>
+      <p:bldP spid="22" grpId="0" animBg="1"/>
+      <p:bldP spid="23" grpId="0" animBg="1"/>
+    </p:bldLst>
+  </p:timing>
+</p:sld>
+</file>
+
 <file path=ppt/slides/slide24.xml><?xml version="1.0" encoding="utf-8"?>
 <p:sld xmlns:a="http://schemas.openxmlformats.org/drawingml/2006/main" xmlns:r="http://schemas.openxmlformats.org/officeDocument/2006/relationships" xmlns:p="http://schemas.openxmlformats.org/presentationml/2006/main">
   <p:cSld>
@@ -30805,46 +31400,6 @@
       </p:grpSpPr>
       <p:sp>
         <p:nvSpPr>
-          <p:cNvPr id="2" name="Content Placeholder 1">
-            <a:extLst>
-              <a:ext uri="{FF2B5EF4-FFF2-40B4-BE49-F238E27FC236}">
-                <a16:creationId xmlns:a16="http://schemas.microsoft.com/office/drawing/2014/main" id="{70FFB205-C6C6-CC57-AC71-BE041D82726D}"/>
-              </a:ext>
-            </a:extLst>
-          </p:cNvPr>
-          <p:cNvSpPr>
-            <a:spLocks noGrp="1"/>
-          </p:cNvSpPr>
-          <p:nvPr>
-            <p:ph idx="1"/>
-          </p:nvPr>
-        </p:nvSpPr>
-        <p:spPr/>
-        <p:txBody>
-          <a:bodyPr/>
-          <a:lstStyle/>
-          <a:p>
-            <a:r>
-              <a:rPr lang="en-DE" dirty="0"/>
-              <a:t>TODO Diagram der Architektur vorher vs. nachher</a:t>
-            </a:r>
-          </a:p>
-          <a:p>
-            <a:endParaRPr lang="en-DE" dirty="0"/>
-          </a:p>
-          <a:p>
-            <a:pPr marL="0" indent="0">
-              <a:buNone/>
-            </a:pPr>
-            <a:endParaRPr lang="en-DE" dirty="0"/>
-          </a:p>
-          <a:p>
-            <a:endParaRPr lang="en-DE" dirty="0"/>
-          </a:p>
-        </p:txBody>
-      </p:sp>
-      <p:sp>
-        <p:nvSpPr>
           <p:cNvPr id="3" name="Date Placeholder 2">
             <a:extLst>
               <a:ext uri="{FF2B5EF4-FFF2-40B4-BE49-F238E27FC236}">
@@ -30866,7 +31421,7 @@
           <a:p>
             <a:fld id="{0A9BFA6A-9A63-4E2D-92C0-C77BFA750EDB}" type="datetime1">
               <a:rPr lang="de-DE" noProof="0" smtClean="0"/>
-              <a:t>18.03.25</a:t>
+              <a:t>20.03.25</a:t>
             </a:fld>
             <a:endParaRPr lang="en-US" noProof="0"/>
           </a:p>
@@ -30924,7 +31479,7 @@
           <a:p>
             <a:r>
               <a:rPr lang="en-DE" dirty="0"/>
-              <a:t>Lessons Learned</a:t>
+              <a:t>Architektur nachher</a:t>
             </a:r>
           </a:p>
         </p:txBody>
@@ -31493,6 +32048,250 @@
           </p:txBody>
         </p:sp>
       </p:grpSp>
+      <p:pic>
+        <p:nvPicPr>
+          <p:cNvPr id="19" name="Picture 18" descr="A diagram of a company&#10;&#10;AI-generated content may be incorrect.">
+            <a:extLst>
+              <a:ext uri="{FF2B5EF4-FFF2-40B4-BE49-F238E27FC236}">
+                <a16:creationId xmlns:a16="http://schemas.microsoft.com/office/drawing/2014/main" id="{7DE9B6CD-69F9-B20A-CFF8-3195F0491932}"/>
+              </a:ext>
+            </a:extLst>
+          </p:cNvPr>
+          <p:cNvPicPr>
+            <a:picLocks noChangeAspect="1"/>
+          </p:cNvPicPr>
+          <p:nvPr/>
+        </p:nvPicPr>
+        <p:blipFill>
+          <a:blip r:embed="rId3">
+            <a:extLst>
+              <a:ext uri="{28A0092B-C50C-407E-A947-70E740481C1C}">
+                <a14:useLocalDpi xmlns:a14="http://schemas.microsoft.com/office/drawing/2010/main" val="0"/>
+              </a:ext>
+            </a:extLst>
+          </a:blip>
+          <a:stretch>
+            <a:fillRect/>
+          </a:stretch>
+        </p:blipFill>
+        <p:spPr>
+          <a:xfrm>
+            <a:off x="57255" y="1309705"/>
+            <a:ext cx="9029490" cy="3003951"/>
+          </a:xfrm>
+          <a:prstGeom prst="rect">
+            <a:avLst/>
+          </a:prstGeom>
+        </p:spPr>
+      </p:pic>
+      <p:sp>
+        <p:nvSpPr>
+          <p:cNvPr id="22" name="Rectangle 21">
+            <a:extLst>
+              <a:ext uri="{FF2B5EF4-FFF2-40B4-BE49-F238E27FC236}">
+                <a16:creationId xmlns:a16="http://schemas.microsoft.com/office/drawing/2014/main" id="{996C88E4-DFC9-3939-6D97-DAD7DBB43CF3}"/>
+              </a:ext>
+            </a:extLst>
+          </p:cNvPr>
+          <p:cNvSpPr/>
+          <p:nvPr/>
+        </p:nvSpPr>
+        <p:spPr>
+          <a:xfrm>
+            <a:off x="3458219" y="1188491"/>
+            <a:ext cx="1870051" cy="1809091"/>
+          </a:xfrm>
+          <a:prstGeom prst="rect">
+            <a:avLst/>
+          </a:prstGeom>
+          <a:noFill/>
+          <a:ln w="38100">
+            <a:solidFill>
+              <a:schemeClr val="tx2"/>
+            </a:solidFill>
+          </a:ln>
+        </p:spPr>
+        <p:style>
+          <a:lnRef idx="2">
+            <a:schemeClr val="accent1">
+              <a:shade val="15000"/>
+            </a:schemeClr>
+          </a:lnRef>
+          <a:fillRef idx="1">
+            <a:schemeClr val="accent1"/>
+          </a:fillRef>
+          <a:effectRef idx="0">
+            <a:schemeClr val="accent1"/>
+          </a:effectRef>
+          <a:fontRef idx="minor">
+            <a:schemeClr val="lt1"/>
+          </a:fontRef>
+        </p:style>
+        <p:txBody>
+          <a:bodyPr rtlCol="0" anchor="ctr"/>
+          <a:lstStyle/>
+          <a:p>
+            <a:pPr algn="ctr"/>
+            <a:endParaRPr lang="en-DE"/>
+          </a:p>
+        </p:txBody>
+      </p:sp>
+      <p:sp>
+        <p:nvSpPr>
+          <p:cNvPr id="23" name="Rectangle 22">
+            <a:extLst>
+              <a:ext uri="{FF2B5EF4-FFF2-40B4-BE49-F238E27FC236}">
+                <a16:creationId xmlns:a16="http://schemas.microsoft.com/office/drawing/2014/main" id="{8CDA949D-129B-D52A-2261-BC20ACD0F51D}"/>
+              </a:ext>
+            </a:extLst>
+          </p:cNvPr>
+          <p:cNvSpPr/>
+          <p:nvPr/>
+        </p:nvSpPr>
+        <p:spPr>
+          <a:xfrm>
+            <a:off x="11819" y="1675527"/>
+            <a:ext cx="3286340" cy="1583312"/>
+          </a:xfrm>
+          <a:prstGeom prst="rect">
+            <a:avLst/>
+          </a:prstGeom>
+          <a:noFill/>
+          <a:ln w="38100">
+            <a:solidFill>
+              <a:schemeClr val="tx2"/>
+            </a:solidFill>
+          </a:ln>
+        </p:spPr>
+        <p:style>
+          <a:lnRef idx="2">
+            <a:schemeClr val="accent1">
+              <a:shade val="15000"/>
+            </a:schemeClr>
+          </a:lnRef>
+          <a:fillRef idx="1">
+            <a:schemeClr val="accent1"/>
+          </a:fillRef>
+          <a:effectRef idx="0">
+            <a:schemeClr val="accent1"/>
+          </a:effectRef>
+          <a:fontRef idx="minor">
+            <a:schemeClr val="lt1"/>
+          </a:fontRef>
+        </p:style>
+        <p:txBody>
+          <a:bodyPr rtlCol="0" anchor="ctr"/>
+          <a:lstStyle/>
+          <a:p>
+            <a:pPr algn="ctr"/>
+            <a:endParaRPr lang="en-DE"/>
+          </a:p>
+        </p:txBody>
+      </p:sp>
+      <p:sp>
+        <p:nvSpPr>
+          <p:cNvPr id="24" name="Rectangle 23">
+            <a:extLst>
+              <a:ext uri="{FF2B5EF4-FFF2-40B4-BE49-F238E27FC236}">
+                <a16:creationId xmlns:a16="http://schemas.microsoft.com/office/drawing/2014/main" id="{EF0E5217-DE1E-829C-2DB1-D890DAC17C04}"/>
+              </a:ext>
+            </a:extLst>
+          </p:cNvPr>
+          <p:cNvSpPr/>
+          <p:nvPr/>
+        </p:nvSpPr>
+        <p:spPr>
+          <a:xfrm>
+            <a:off x="2292640" y="3165512"/>
+            <a:ext cx="3286340" cy="1583312"/>
+          </a:xfrm>
+          <a:prstGeom prst="rect">
+            <a:avLst/>
+          </a:prstGeom>
+          <a:noFill/>
+          <a:ln w="38100">
+            <a:solidFill>
+              <a:schemeClr val="tx2"/>
+            </a:solidFill>
+          </a:ln>
+        </p:spPr>
+        <p:style>
+          <a:lnRef idx="2">
+            <a:schemeClr val="accent1">
+              <a:shade val="15000"/>
+            </a:schemeClr>
+          </a:lnRef>
+          <a:fillRef idx="1">
+            <a:schemeClr val="accent1"/>
+          </a:fillRef>
+          <a:effectRef idx="0">
+            <a:schemeClr val="accent1"/>
+          </a:effectRef>
+          <a:fontRef idx="minor">
+            <a:schemeClr val="lt1"/>
+          </a:fontRef>
+        </p:style>
+        <p:txBody>
+          <a:bodyPr rtlCol="0" anchor="ctr"/>
+          <a:lstStyle/>
+          <a:p>
+            <a:pPr algn="ctr"/>
+            <a:endParaRPr lang="en-DE"/>
+          </a:p>
+        </p:txBody>
+      </p:sp>
+      <p:sp>
+        <p:nvSpPr>
+          <p:cNvPr id="25" name="Rectangle 24">
+            <a:extLst>
+              <a:ext uri="{FF2B5EF4-FFF2-40B4-BE49-F238E27FC236}">
+                <a16:creationId xmlns:a16="http://schemas.microsoft.com/office/drawing/2014/main" id="{13B9CEE3-310F-11A5-FC26-5228E6AB19EA}"/>
+              </a:ext>
+            </a:extLst>
+          </p:cNvPr>
+          <p:cNvSpPr/>
+          <p:nvPr/>
+        </p:nvSpPr>
+        <p:spPr>
+          <a:xfrm>
+            <a:off x="5172595" y="1851742"/>
+            <a:ext cx="3959585" cy="1583312"/>
+          </a:xfrm>
+          <a:prstGeom prst="rect">
+            <a:avLst/>
+          </a:prstGeom>
+          <a:noFill/>
+          <a:ln w="38100">
+            <a:solidFill>
+              <a:schemeClr val="tx2"/>
+            </a:solidFill>
+          </a:ln>
+        </p:spPr>
+        <p:style>
+          <a:lnRef idx="2">
+            <a:schemeClr val="accent1">
+              <a:shade val="15000"/>
+            </a:schemeClr>
+          </a:lnRef>
+          <a:fillRef idx="1">
+            <a:schemeClr val="accent1"/>
+          </a:fillRef>
+          <a:effectRef idx="0">
+            <a:schemeClr val="accent1"/>
+          </a:effectRef>
+          <a:fontRef idx="minor">
+            <a:schemeClr val="lt1"/>
+          </a:fontRef>
+        </p:style>
+        <p:txBody>
+          <a:bodyPr rtlCol="0" anchor="ctr"/>
+          <a:lstStyle/>
+          <a:p>
+            <a:pPr algn="ctr"/>
+            <a:endParaRPr lang="en-DE"/>
+          </a:p>
+        </p:txBody>
+      </p:sp>
     </p:spTree>
     <p:extLst>
       <p:ext uri="{BB962C8B-B14F-4D97-AF65-F5344CB8AC3E}">
@@ -31503,6 +32302,222 @@
   <p:clrMapOvr>
     <a:masterClrMapping/>
   </p:clrMapOvr>
+  <p:timing>
+    <p:tnLst>
+      <p:par>
+        <p:cTn id="1" dur="indefinite" restart="never" nodeType="tmRoot">
+          <p:childTnLst>
+            <p:seq concurrent="1" nextAc="seek">
+              <p:cTn id="2" dur="indefinite" nodeType="mainSeq">
+                <p:childTnLst>
+                  <p:par>
+                    <p:cTn id="3" fill="hold">
+                      <p:stCondLst>
+                        <p:cond delay="indefinite"/>
+                      </p:stCondLst>
+                      <p:childTnLst>
+                        <p:par>
+                          <p:cTn id="4" fill="hold">
+                            <p:stCondLst>
+                              <p:cond delay="0"/>
+                            </p:stCondLst>
+                            <p:childTnLst>
+                              <p:par>
+                                <p:cTn id="5" presetID="1" presetClass="entr" presetSubtype="0" fill="hold" grpId="0" nodeType="clickEffect">
+                                  <p:stCondLst>
+                                    <p:cond delay="0"/>
+                                  </p:stCondLst>
+                                  <p:childTnLst>
+                                    <p:set>
+                                      <p:cBhvr>
+                                        <p:cTn id="6" dur="1" fill="hold">
+                                          <p:stCondLst>
+                                            <p:cond delay="0"/>
+                                          </p:stCondLst>
+                                        </p:cTn>
+                                        <p:tgtEl>
+                                          <p:spTgt spid="22"/>
+                                        </p:tgtEl>
+                                        <p:attrNameLst>
+                                          <p:attrName>style.visibility</p:attrName>
+                                        </p:attrNameLst>
+                                      </p:cBhvr>
+                                      <p:to>
+                                        <p:strVal val="visible"/>
+                                      </p:to>
+                                    </p:set>
+                                  </p:childTnLst>
+                                </p:cTn>
+                              </p:par>
+                            </p:childTnLst>
+                          </p:cTn>
+                        </p:par>
+                      </p:childTnLst>
+                    </p:cTn>
+                  </p:par>
+                  <p:par>
+                    <p:cTn id="7" fill="hold">
+                      <p:stCondLst>
+                        <p:cond delay="indefinite"/>
+                      </p:stCondLst>
+                      <p:childTnLst>
+                        <p:par>
+                          <p:cTn id="8" fill="hold">
+                            <p:stCondLst>
+                              <p:cond delay="0"/>
+                            </p:stCondLst>
+                            <p:childTnLst>
+                              <p:par>
+                                <p:cTn id="9" presetID="1" presetClass="entr" presetSubtype="0" fill="hold" grpId="0" nodeType="clickEffect">
+                                  <p:stCondLst>
+                                    <p:cond delay="0"/>
+                                  </p:stCondLst>
+                                  <p:childTnLst>
+                                    <p:set>
+                                      <p:cBhvr>
+                                        <p:cTn id="10" dur="1" fill="hold">
+                                          <p:stCondLst>
+                                            <p:cond delay="0"/>
+                                          </p:stCondLst>
+                                        </p:cTn>
+                                        <p:tgtEl>
+                                          <p:spTgt spid="23"/>
+                                        </p:tgtEl>
+                                        <p:attrNameLst>
+                                          <p:attrName>style.visibility</p:attrName>
+                                        </p:attrNameLst>
+                                      </p:cBhvr>
+                                      <p:to>
+                                        <p:strVal val="visible"/>
+                                      </p:to>
+                                    </p:set>
+                                  </p:childTnLst>
+                                </p:cTn>
+                              </p:par>
+                            </p:childTnLst>
+                          </p:cTn>
+                        </p:par>
+                      </p:childTnLst>
+                    </p:cTn>
+                  </p:par>
+                  <p:par>
+                    <p:cTn id="11" fill="hold">
+                      <p:stCondLst>
+                        <p:cond delay="indefinite"/>
+                      </p:stCondLst>
+                      <p:childTnLst>
+                        <p:par>
+                          <p:cTn id="12" fill="hold">
+                            <p:stCondLst>
+                              <p:cond delay="0"/>
+                            </p:stCondLst>
+                            <p:childTnLst>
+                              <p:par>
+                                <p:cTn id="13" presetID="1" presetClass="entr" presetSubtype="0" fill="hold" grpId="0" nodeType="clickEffect">
+                                  <p:stCondLst>
+                                    <p:cond delay="0"/>
+                                  </p:stCondLst>
+                                  <p:childTnLst>
+                                    <p:set>
+                                      <p:cBhvr>
+                                        <p:cTn id="14" dur="1" fill="hold">
+                                          <p:stCondLst>
+                                            <p:cond delay="0"/>
+                                          </p:stCondLst>
+                                        </p:cTn>
+                                        <p:tgtEl>
+                                          <p:spTgt spid="24"/>
+                                        </p:tgtEl>
+                                        <p:attrNameLst>
+                                          <p:attrName>style.visibility</p:attrName>
+                                        </p:attrNameLst>
+                                      </p:cBhvr>
+                                      <p:to>
+                                        <p:strVal val="visible"/>
+                                      </p:to>
+                                    </p:set>
+                                  </p:childTnLst>
+                                </p:cTn>
+                              </p:par>
+                            </p:childTnLst>
+                          </p:cTn>
+                        </p:par>
+                      </p:childTnLst>
+                    </p:cTn>
+                  </p:par>
+                  <p:par>
+                    <p:cTn id="15" fill="hold">
+                      <p:stCondLst>
+                        <p:cond delay="indefinite"/>
+                      </p:stCondLst>
+                      <p:childTnLst>
+                        <p:par>
+                          <p:cTn id="16" fill="hold">
+                            <p:stCondLst>
+                              <p:cond delay="0"/>
+                            </p:stCondLst>
+                            <p:childTnLst>
+                              <p:par>
+                                <p:cTn id="17" presetID="1" presetClass="entr" presetSubtype="0" fill="hold" grpId="0" nodeType="clickEffect">
+                                  <p:stCondLst>
+                                    <p:cond delay="0"/>
+                                  </p:stCondLst>
+                                  <p:childTnLst>
+                                    <p:set>
+                                      <p:cBhvr>
+                                        <p:cTn id="18" dur="1" fill="hold">
+                                          <p:stCondLst>
+                                            <p:cond delay="0"/>
+                                          </p:stCondLst>
+                                        </p:cTn>
+                                        <p:tgtEl>
+                                          <p:spTgt spid="25"/>
+                                        </p:tgtEl>
+                                        <p:attrNameLst>
+                                          <p:attrName>style.visibility</p:attrName>
+                                        </p:attrNameLst>
+                                      </p:cBhvr>
+                                      <p:to>
+                                        <p:strVal val="visible"/>
+                                      </p:to>
+                                    </p:set>
+                                  </p:childTnLst>
+                                </p:cTn>
+                              </p:par>
+                            </p:childTnLst>
+                          </p:cTn>
+                        </p:par>
+                      </p:childTnLst>
+                    </p:cTn>
+                  </p:par>
+                </p:childTnLst>
+              </p:cTn>
+              <p:prevCondLst>
+                <p:cond evt="onPrev" delay="0">
+                  <p:tgtEl>
+                    <p:sldTgt/>
+                  </p:tgtEl>
+                </p:cond>
+              </p:prevCondLst>
+              <p:nextCondLst>
+                <p:cond evt="onNext" delay="0">
+                  <p:tgtEl>
+                    <p:sldTgt/>
+                  </p:tgtEl>
+                </p:cond>
+              </p:nextCondLst>
+            </p:seq>
+          </p:childTnLst>
+        </p:cTn>
+      </p:par>
+    </p:tnLst>
+    <p:bldLst>
+      <p:bldP spid="22" grpId="0" animBg="1"/>
+      <p:bldP spid="23" grpId="0" animBg="1"/>
+      <p:bldP spid="24" grpId="0" animBg="1"/>
+      <p:bldP spid="25" grpId="0" animBg="1"/>
+    </p:bldLst>
+  </p:timing>
 </p:sld>
 </file>
 
@@ -31558,7 +32573,7 @@
           <a:p>
             <a:r>
               <a:rPr lang="en-DE" dirty="0"/>
-              <a:t>”Plans are worthless, but planning is everything” – Eisenhower (1962)</a:t>
+              <a:t>”Responding to change over following a plan” – Agiles Manifesto</a:t>
             </a:r>
           </a:p>
           <a:p>
@@ -31613,7 +32628,7 @@
           <a:p>
             <a:fld id="{0A9BFA6A-9A63-4E2D-92C0-C77BFA750EDB}" type="datetime1">
               <a:rPr lang="de-DE" noProof="0" smtClean="0"/>
-              <a:t>18.03.25</a:t>
+              <a:t>20.03.25</a:t>
             </a:fld>
             <a:endParaRPr lang="en-US" noProof="0"/>
           </a:p>
@@ -32348,7 +33363,7 @@
           <a:p>
             <a:fld id="{FE82E645-BE21-496B-802B-61065ECF19B4}" type="datetime1">
               <a:rPr lang="de-DE" noProof="0" smtClean="0"/>
-              <a:t>18.03.25</a:t>
+              <a:t>20.03.25</a:t>
             </a:fld>
             <a:endParaRPr lang="en-US" noProof="0"/>
           </a:p>
@@ -33848,7 +34863,7 @@
           <a:p>
             <a:fld id="{FE82E645-BE21-496B-802B-61065ECF19B4}" type="datetime1">
               <a:rPr lang="de-DE" noProof="0" smtClean="0"/>
-              <a:t>18.03.25</a:t>
+              <a:t>20.03.25</a:t>
             </a:fld>
             <a:endParaRPr lang="en-US" noProof="0"/>
           </a:p>
@@ -36081,7 +37096,7 @@
           <a:p>
             <a:fld id="{FE82E645-BE21-496B-802B-61065ECF19B4}" type="datetime1">
               <a:rPr lang="de-DE" noProof="0" smtClean="0"/>
-              <a:t>18.03.25</a:t>
+              <a:t>20.03.25</a:t>
             </a:fld>
             <a:endParaRPr lang="en-US" noProof="0"/>
           </a:p>
@@ -37359,7 +38374,7 @@
           <a:p>
             <a:fld id="{FE82E645-BE21-496B-802B-61065ECF19B4}" type="datetime1">
               <a:rPr lang="de-DE" noProof="0" smtClean="0"/>
-              <a:t>18.03.25</a:t>
+              <a:t>20.03.25</a:t>
             </a:fld>
             <a:endParaRPr lang="en-US" noProof="0"/>
           </a:p>
@@ -39227,7 +40242,7 @@
           <a:p>
             <a:fld id="{FE82E645-BE21-496B-802B-61065ECF19B4}" type="datetime1">
               <a:rPr lang="de-DE" noProof="0" smtClean="0"/>
-              <a:t>18.03.25</a:t>
+              <a:t>20.03.25</a:t>
             </a:fld>
             <a:endParaRPr lang="en-US" noProof="0"/>
           </a:p>
@@ -40149,6 +41164,176 @@
   <p:clrMapOvr>
     <a:masterClrMapping/>
   </p:clrMapOvr>
+  <p:timing>
+    <p:tnLst>
+      <p:par>
+        <p:cTn id="1" dur="indefinite" restart="never" nodeType="tmRoot">
+          <p:childTnLst>
+            <p:seq concurrent="1" nextAc="seek">
+              <p:cTn id="2" dur="indefinite" nodeType="mainSeq">
+                <p:childTnLst>
+                  <p:par>
+                    <p:cTn id="3" fill="hold">
+                      <p:stCondLst>
+                        <p:cond delay="indefinite"/>
+                      </p:stCondLst>
+                      <p:childTnLst>
+                        <p:par>
+                          <p:cTn id="4" fill="hold">
+                            <p:stCondLst>
+                              <p:cond delay="0"/>
+                            </p:stCondLst>
+                            <p:childTnLst>
+                              <p:par>
+                                <p:cTn id="5" presetID="1" presetClass="entr" presetSubtype="0" fill="hold" grpId="0" nodeType="clickEffect">
+                                  <p:stCondLst>
+                                    <p:cond delay="0"/>
+                                  </p:stCondLst>
+                                  <p:childTnLst>
+                                    <p:set>
+                                      <p:cBhvr>
+                                        <p:cTn id="6" dur="1" fill="hold">
+                                          <p:stCondLst>
+                                            <p:cond delay="0"/>
+                                          </p:stCondLst>
+                                        </p:cTn>
+                                        <p:tgtEl>
+                                          <p:spTgt spid="2"/>
+                                        </p:tgtEl>
+                                        <p:attrNameLst>
+                                          <p:attrName>style.visibility</p:attrName>
+                                        </p:attrNameLst>
+                                      </p:cBhvr>
+                                      <p:to>
+                                        <p:strVal val="visible"/>
+                                      </p:to>
+                                    </p:set>
+                                  </p:childTnLst>
+                                </p:cTn>
+                              </p:par>
+                            </p:childTnLst>
+                          </p:cTn>
+                        </p:par>
+                      </p:childTnLst>
+                    </p:cTn>
+                  </p:par>
+                  <p:par>
+                    <p:cTn id="7" fill="hold">
+                      <p:stCondLst>
+                        <p:cond delay="indefinite"/>
+                      </p:stCondLst>
+                      <p:childTnLst>
+                        <p:par>
+                          <p:cTn id="8" fill="hold">
+                            <p:stCondLst>
+                              <p:cond delay="0"/>
+                            </p:stCondLst>
+                            <p:childTnLst>
+                              <p:par>
+                                <p:cTn id="9" presetID="1" presetClass="entr" presetSubtype="0" fill="hold" grpId="0" nodeType="clickEffect">
+                                  <p:stCondLst>
+                                    <p:cond delay="0"/>
+                                  </p:stCondLst>
+                                  <p:childTnLst>
+                                    <p:set>
+                                      <p:cBhvr>
+                                        <p:cTn id="10" dur="1" fill="hold">
+                                          <p:stCondLst>
+                                            <p:cond delay="0"/>
+                                          </p:stCondLst>
+                                        </p:cTn>
+                                        <p:tgtEl>
+                                          <p:spTgt spid="8"/>
+                                        </p:tgtEl>
+                                        <p:attrNameLst>
+                                          <p:attrName>style.visibility</p:attrName>
+                                        </p:attrNameLst>
+                                      </p:cBhvr>
+                                      <p:to>
+                                        <p:strVal val="visible"/>
+                                      </p:to>
+                                    </p:set>
+                                  </p:childTnLst>
+                                </p:cTn>
+                              </p:par>
+                            </p:childTnLst>
+                          </p:cTn>
+                        </p:par>
+                      </p:childTnLst>
+                    </p:cTn>
+                  </p:par>
+                  <p:par>
+                    <p:cTn id="11" fill="hold">
+                      <p:stCondLst>
+                        <p:cond delay="indefinite"/>
+                      </p:stCondLst>
+                      <p:childTnLst>
+                        <p:par>
+                          <p:cTn id="12" fill="hold">
+                            <p:stCondLst>
+                              <p:cond delay="0"/>
+                            </p:stCondLst>
+                            <p:childTnLst>
+                              <p:par>
+                                <p:cTn id="13" presetID="1" presetClass="entr" presetSubtype="0" fill="hold" grpId="0" nodeType="clickEffect">
+                                  <p:stCondLst>
+                                    <p:cond delay="0"/>
+                                  </p:stCondLst>
+                                  <p:childTnLst>
+                                    <p:set>
+                                      <p:cBhvr>
+                                        <p:cTn id="14" dur="1" fill="hold">
+                                          <p:stCondLst>
+                                            <p:cond delay="0"/>
+                                          </p:stCondLst>
+                                        </p:cTn>
+                                        <p:tgtEl>
+                                          <p:spTgt spid="16"/>
+                                        </p:tgtEl>
+                                        <p:attrNameLst>
+                                          <p:attrName>style.visibility</p:attrName>
+                                        </p:attrNameLst>
+                                      </p:cBhvr>
+                                      <p:to>
+                                        <p:strVal val="visible"/>
+                                      </p:to>
+                                    </p:set>
+                                  </p:childTnLst>
+                                </p:cTn>
+                              </p:par>
+                            </p:childTnLst>
+                          </p:cTn>
+                        </p:par>
+                      </p:childTnLst>
+                    </p:cTn>
+                  </p:par>
+                </p:childTnLst>
+              </p:cTn>
+              <p:prevCondLst>
+                <p:cond evt="onPrev" delay="0">
+                  <p:tgtEl>
+                    <p:sldTgt/>
+                  </p:tgtEl>
+                </p:cond>
+              </p:prevCondLst>
+              <p:nextCondLst>
+                <p:cond evt="onNext" delay="0">
+                  <p:tgtEl>
+                    <p:sldTgt/>
+                  </p:tgtEl>
+                </p:cond>
+              </p:nextCondLst>
+            </p:seq>
+          </p:childTnLst>
+        </p:cTn>
+      </p:par>
+    </p:tnLst>
+    <p:bldLst>
+      <p:bldP spid="2" grpId="0"/>
+      <p:bldP spid="8" grpId="0"/>
+      <p:bldP spid="16" grpId="0"/>
+    </p:bldLst>
+  </p:timing>
 </p:sld>
 </file>
 
@@ -40342,7 +41527,7 @@
           <a:p>
             <a:fld id="{FE82E645-BE21-496B-802B-61065ECF19B4}" type="datetime1">
               <a:rPr lang="de-DE" noProof="0" smtClean="0"/>
-              <a:t>18.03.25</a:t>
+              <a:t>20.03.25</a:t>
             </a:fld>
             <a:endParaRPr lang="en-US" noProof="0"/>
           </a:p>
@@ -41117,7 +42302,7 @@
             </a:pPr>
             <a:r>
               <a:rPr lang="en-DE" dirty="0"/>
-              <a:t>Bietet Infrastruktur zum definieren von DSL</a:t>
+              <a:t>Bietet Infrastruktur zum Definieren von DSL</a:t>
             </a:r>
           </a:p>
           <a:p>
@@ -41354,7 +42539,7 @@
           <a:p>
             <a:fld id="{0A9BFA6A-9A63-4E2D-92C0-C77BFA750EDB}" type="datetime1">
               <a:rPr lang="de-DE" noProof="0" smtClean="0"/>
-              <a:t>18.03.25</a:t>
+              <a:t>20.03.25</a:t>
             </a:fld>
             <a:endParaRPr lang="en-US" noProof="0"/>
           </a:p>
@@ -42033,6 +43218,134 @@
   <p:clrMapOvr>
     <a:masterClrMapping/>
   </p:clrMapOvr>
+  <p:timing>
+    <p:tnLst>
+      <p:par>
+        <p:cTn id="1" dur="indefinite" restart="never" nodeType="tmRoot">
+          <p:childTnLst>
+            <p:seq concurrent="1" nextAc="seek">
+              <p:cTn id="2" dur="indefinite" nodeType="mainSeq">
+                <p:childTnLst>
+                  <p:par>
+                    <p:cTn id="3" fill="hold">
+                      <p:stCondLst>
+                        <p:cond delay="indefinite"/>
+                      </p:stCondLst>
+                      <p:childTnLst>
+                        <p:par>
+                          <p:cTn id="4" fill="hold">
+                            <p:stCondLst>
+                              <p:cond delay="0"/>
+                            </p:stCondLst>
+                            <p:childTnLst>
+                              <p:par>
+                                <p:cTn id="5" presetID="1" presetClass="entr" presetSubtype="0" fill="hold" nodeType="clickEffect">
+                                  <p:stCondLst>
+                                    <p:cond delay="0"/>
+                                  </p:stCondLst>
+                                  <p:childTnLst>
+                                    <p:set>
+                                      <p:cBhvr>
+                                        <p:cTn id="6" dur="1" fill="hold">
+                                          <p:stCondLst>
+                                            <p:cond delay="0"/>
+                                          </p:stCondLst>
+                                        </p:cTn>
+                                        <p:tgtEl>
+                                          <p:spTgt spid="2">
+                                            <p:txEl>
+                                              <p:pRg st="4" end="4"/>
+                                            </p:txEl>
+                                          </p:spTgt>
+                                        </p:tgtEl>
+                                        <p:attrNameLst>
+                                          <p:attrName>style.visibility</p:attrName>
+                                        </p:attrNameLst>
+                                      </p:cBhvr>
+                                      <p:to>
+                                        <p:strVal val="visible"/>
+                                      </p:to>
+                                    </p:set>
+                                  </p:childTnLst>
+                                </p:cTn>
+                              </p:par>
+                            </p:childTnLst>
+                          </p:cTn>
+                        </p:par>
+                      </p:childTnLst>
+                    </p:cTn>
+                  </p:par>
+                  <p:par>
+                    <p:cTn id="7" fill="hold">
+                      <p:stCondLst>
+                        <p:cond delay="indefinite"/>
+                      </p:stCondLst>
+                      <p:childTnLst>
+                        <p:par>
+                          <p:cTn id="8" fill="hold">
+                            <p:stCondLst>
+                              <p:cond delay="0"/>
+                            </p:stCondLst>
+                            <p:childTnLst>
+                              <p:par>
+                                <p:cTn id="9" presetID="1" presetClass="entr" presetSubtype="0" fill="hold" nodeType="clickEffect">
+                                  <p:stCondLst>
+                                    <p:cond delay="0"/>
+                                  </p:stCondLst>
+                                  <p:childTnLst>
+                                    <p:set>
+                                      <p:cBhvr>
+                                        <p:cTn id="10" dur="1" fill="hold">
+                                          <p:stCondLst>
+                                            <p:cond delay="0"/>
+                                          </p:stCondLst>
+                                        </p:cTn>
+                                        <p:tgtEl>
+                                          <p:spTgt spid="2">
+                                            <p:txEl>
+                                              <p:pRg st="5" end="5"/>
+                                            </p:txEl>
+                                          </p:spTgt>
+                                        </p:tgtEl>
+                                        <p:attrNameLst>
+                                          <p:attrName>style.visibility</p:attrName>
+                                        </p:attrNameLst>
+                                      </p:cBhvr>
+                                      <p:to>
+                                        <p:strVal val="visible"/>
+                                      </p:to>
+                                    </p:set>
+                                  </p:childTnLst>
+                                </p:cTn>
+                              </p:par>
+                            </p:childTnLst>
+                          </p:cTn>
+                        </p:par>
+                      </p:childTnLst>
+                    </p:cTn>
+                  </p:par>
+                </p:childTnLst>
+              </p:cTn>
+              <p:prevCondLst>
+                <p:cond evt="onPrev" delay="0">
+                  <p:tgtEl>
+                    <p:sldTgt/>
+                  </p:tgtEl>
+                </p:cond>
+              </p:prevCondLst>
+              <p:nextCondLst>
+                <p:cond evt="onNext" delay="0">
+                  <p:tgtEl>
+                    <p:sldTgt/>
+                  </p:tgtEl>
+                </p:cond>
+              </p:nextCondLst>
+            </p:seq>
+          </p:childTnLst>
+        </p:cTn>
+      </p:par>
+    </p:tnLst>
+  </p:timing>
 </p:sld>
 </file>
 
@@ -42082,7 +43395,7 @@
           <a:p>
             <a:fld id="{FE82E645-BE21-496B-802B-61065ECF19B4}" type="datetime1">
               <a:rPr lang="de-DE" noProof="0" smtClean="0"/>
-              <a:t>18.03.25</a:t>
+              <a:t>20.03.25</a:t>
             </a:fld>
             <a:endParaRPr lang="en-US" noProof="0"/>
           </a:p>

--- a/doc/Folien Praktikum ArDoCo.pptx
+++ b/doc/Folien Praktikum ArDoCo.pptx
@@ -10346,7 +10346,7 @@
             </a:pPr>
             <a:r>
               <a:rPr lang="en-US" altLang="de-DE" sz="900" dirty="0"/>
-              <a:t>KASTEL – Institute of Information Security and Dependability</a:t>
+              <a:t>KASTEL – Software Design and Quality</a:t>
             </a:r>
           </a:p>
         </p:txBody>

--- a/doc/Folien Praktikum ArDoCo.pptx
+++ b/doc/Folien Praktikum ArDoCo.pptx
@@ -3371,7 +3371,7 @@
           <a:p>
             <a:fld id="{FA8F02CA-77CB-4E54-B712-21E588799EE8}" type="datetimeFigureOut">
               <a:rPr lang="de-DE" smtClean="0"/>
-              <a:t>20.03.25</a:t>
+              <a:t>03.04.25</a:t>
             </a:fld>
             <a:endParaRPr lang="de-DE"/>
           </a:p>
@@ -6708,7 +6708,7 @@
           <a:p>
             <a:fld id="{EF9F2463-8150-4DAA-877D-A146C8C8C60A}" type="datetime1">
               <a:rPr lang="de-DE" smtClean="0"/>
-              <a:t>20.03.25</a:t>
+              <a:t>03.04.25</a:t>
             </a:fld>
             <a:endParaRPr lang="de-DE"/>
           </a:p>
@@ -6950,7 +6950,7 @@
           <a:p>
             <a:fld id="{224C4683-D191-47F3-8302-BB2B36B1C86A}" type="datetime1">
               <a:rPr lang="de-DE" smtClean="0"/>
-              <a:t>20.03.25</a:t>
+              <a:t>03.04.25</a:t>
             </a:fld>
             <a:endParaRPr lang="de-DE"/>
           </a:p>
@@ -7149,7 +7149,7 @@
           <a:p>
             <a:fld id="{5E89BE91-4B1C-4025-AE57-60317864A3F3}" type="datetime1">
               <a:rPr lang="de-DE" smtClean="0"/>
-              <a:t>20.03.25</a:t>
+              <a:t>03.04.25</a:t>
             </a:fld>
             <a:endParaRPr lang="de-DE"/>
           </a:p>
@@ -7438,7 +7438,7 @@
           <a:p>
             <a:fld id="{3AD15D93-083F-4B89-951E-D5F35A1BBEC8}" type="datetime1">
               <a:rPr lang="de-DE" smtClean="0"/>
-              <a:t>20.03.25</a:t>
+              <a:t>03.04.25</a:t>
             </a:fld>
             <a:endParaRPr lang="de-DE"/>
           </a:p>
@@ -7680,7 +7680,7 @@
           <a:p>
             <a:fld id="{90C3E158-F33A-4782-AFB5-03A3FD6F0AB2}" type="datetime1">
               <a:rPr lang="de-DE" smtClean="0"/>
-              <a:t>20.03.25</a:t>
+              <a:t>03.04.25</a:t>
             </a:fld>
             <a:endParaRPr lang="de-DE"/>
           </a:p>
@@ -7844,7 +7844,7 @@
           <a:p>
             <a:fld id="{0A9BFA6A-9A63-4E2D-92C0-C77BFA750EDB}" type="datetime1">
               <a:rPr lang="de-DE" noProof="0" smtClean="0"/>
-              <a:t>20.03.25</a:t>
+              <a:t>03.04.25</a:t>
             </a:fld>
             <a:endParaRPr lang="en-US" noProof="0"/>
           </a:p>
@@ -8127,7 +8127,7 @@
           <a:p>
             <a:fld id="{43A9179C-E631-47AA-B9CB-ABFD8F596650}" type="datetime1">
               <a:rPr lang="de-DE" smtClean="0"/>
-              <a:t>20.03.25</a:t>
+              <a:t>03.04.25</a:t>
             </a:fld>
             <a:endParaRPr lang="de-DE"/>
           </a:p>
@@ -8381,7 +8381,7 @@
           <a:p>
             <a:fld id="{43A9179C-E631-47AA-B9CB-ABFD8F596650}" type="datetime1">
               <a:rPr lang="de-DE" smtClean="0"/>
-              <a:t>20.03.25</a:t>
+              <a:t>03.04.25</a:t>
             </a:fld>
             <a:endParaRPr lang="de-DE"/>
           </a:p>
@@ -8794,7 +8794,7 @@
           <a:p>
             <a:fld id="{88C61DB6-D53F-456D-8864-56CE29C6E6BA}" type="datetime1">
               <a:rPr lang="de-DE" smtClean="0"/>
-              <a:t>20.03.25</a:t>
+              <a:t>03.04.25</a:t>
             </a:fld>
             <a:endParaRPr lang="de-DE"/>
           </a:p>
@@ -9182,7 +9182,7 @@
           <a:p>
             <a:fld id="{88C61DB6-D53F-456D-8864-56CE29C6E6BA}" type="datetime1">
               <a:rPr lang="de-DE" smtClean="0"/>
-              <a:t>20.03.25</a:t>
+              <a:t>03.04.25</a:t>
             </a:fld>
             <a:endParaRPr lang="de-DE"/>
           </a:p>
@@ -9316,7 +9316,7 @@
           <a:p>
             <a:fld id="{0A1BF2A7-198D-4BCD-8375-CAC66677F609}" type="datetime1">
               <a:rPr lang="de-DE" smtClean="0"/>
-              <a:t>20.03.25</a:t>
+              <a:t>03.04.25</a:t>
             </a:fld>
             <a:endParaRPr lang="de-DE"/>
           </a:p>
@@ -9490,7 +9490,7 @@
           <a:p>
             <a:fld id="{0A1BF2A7-198D-4BCD-8375-CAC66677F609}" type="datetime1">
               <a:rPr lang="de-DE" smtClean="0"/>
-              <a:t>20.03.25</a:t>
+              <a:t>03.04.25</a:t>
             </a:fld>
             <a:endParaRPr lang="de-DE"/>
           </a:p>
@@ -9710,7 +9710,7 @@
           <a:p>
             <a:fld id="{0A1BF2A7-198D-4BCD-8375-CAC66677F609}" type="datetime1">
               <a:rPr lang="de-DE" smtClean="0"/>
-              <a:t>20.03.25</a:t>
+              <a:t>03.04.25</a:t>
             </a:fld>
             <a:endParaRPr lang="de-DE"/>
           </a:p>
@@ -10025,7 +10025,7 @@
             <a:fld id="{D440409C-9897-4940-8DB3-931E759C1E19}" type="datetime3">
               <a:rPr lang="en-US" smtClean="0"/>
               <a:pPr/>
-              <a:t>20 March 2025</a:t>
+              <a:t>3 April 2025</a:t>
             </a:fld>
             <a:endParaRPr lang="en-US" dirty="0"/>
           </a:p>
@@ -11023,7 +11023,7 @@
           <a:p>
             <a:fld id="{FE82E645-BE21-496B-802B-61065ECF19B4}" type="datetime1">
               <a:rPr lang="de-DE" noProof="0" smtClean="0"/>
-              <a:t>20.03.25</a:t>
+              <a:t>03.04.25</a:t>
             </a:fld>
             <a:endParaRPr lang="en-US" noProof="0"/>
           </a:p>
@@ -12196,7 +12196,7 @@
           <a:p>
             <a:fld id="{FE82E645-BE21-496B-802B-61065ECF19B4}" type="datetime1">
               <a:rPr lang="de-DE" noProof="0" smtClean="0"/>
-              <a:t>20.03.25</a:t>
+              <a:t>03.04.25</a:t>
             </a:fld>
             <a:endParaRPr lang="en-US" noProof="0"/>
           </a:p>
@@ -13053,7 +13053,7 @@
           <a:p>
             <a:fld id="{FE82E645-BE21-496B-802B-61065ECF19B4}" type="datetime1">
               <a:rPr lang="de-DE" noProof="0" smtClean="0"/>
-              <a:t>20.03.25</a:t>
+              <a:t>03.04.25</a:t>
             </a:fld>
             <a:endParaRPr lang="en-US" noProof="0"/>
           </a:p>
@@ -15493,7 +15493,7 @@
           <a:p>
             <a:fld id="{FE82E645-BE21-496B-802B-61065ECF19B4}" type="datetime1">
               <a:rPr lang="de-DE" noProof="0" smtClean="0"/>
-              <a:t>20.03.25</a:t>
+              <a:t>03.04.25</a:t>
             </a:fld>
             <a:endParaRPr lang="en-US" noProof="0"/>
           </a:p>
@@ -17117,7 +17117,7 @@
           <a:p>
             <a:fld id="{FE82E645-BE21-496B-802B-61065ECF19B4}" type="datetime1">
               <a:rPr lang="de-DE" noProof="0" smtClean="0"/>
-              <a:t>20.03.25</a:t>
+              <a:t>03.04.25</a:t>
             </a:fld>
             <a:endParaRPr lang="en-US" noProof="0"/>
           </a:p>
@@ -18042,7 +18042,7 @@
           <a:p>
             <a:fld id="{FE82E645-BE21-496B-802B-61065ECF19B4}" type="datetime1">
               <a:rPr lang="de-DE" noProof="0" smtClean="0"/>
-              <a:t>20.03.25</a:t>
+              <a:t>03.04.25</a:t>
             </a:fld>
             <a:endParaRPr lang="en-US" noProof="0"/>
           </a:p>
@@ -20153,7 +20153,7 @@
           <a:p>
             <a:fld id="{FE82E645-BE21-496B-802B-61065ECF19B4}" type="datetime1">
               <a:rPr lang="de-DE" noProof="0" smtClean="0"/>
-              <a:t>20.03.25</a:t>
+              <a:t>03.04.25</a:t>
             </a:fld>
             <a:endParaRPr lang="en-US" noProof="0"/>
           </a:p>
@@ -20962,7 +20962,7 @@
           <a:p>
             <a:fld id="{FE82E645-BE21-496B-802B-61065ECF19B4}" type="datetime1">
               <a:rPr lang="de-DE" noProof="0" smtClean="0"/>
-              <a:t>20.03.25</a:t>
+              <a:t>03.04.25</a:t>
             </a:fld>
             <a:endParaRPr lang="en-US" noProof="0"/>
           </a:p>
@@ -23351,7 +23351,7 @@
           <a:p>
             <a:fld id="{FE82E645-BE21-496B-802B-61065ECF19B4}" type="datetime1">
               <a:rPr lang="de-DE" noProof="0" smtClean="0"/>
-              <a:t>20.03.25</a:t>
+              <a:t>03.04.25</a:t>
             </a:fld>
             <a:endParaRPr lang="en-US" noProof="0"/>
           </a:p>
@@ -24808,7 +24808,7 @@
           <a:p>
             <a:fld id="{0A9BFA6A-9A63-4E2D-92C0-C77BFA750EDB}" type="datetime1">
               <a:rPr lang="de-DE" noProof="0" smtClean="0"/>
-              <a:t>20.03.25</a:t>
+              <a:t>03.04.25</a:t>
             </a:fld>
             <a:endParaRPr lang="en-US" noProof="0"/>
           </a:p>
@@ -26001,7 +26001,7 @@
           <a:p>
             <a:fld id="{FE82E645-BE21-496B-802B-61065ECF19B4}" type="datetime1">
               <a:rPr lang="de-DE" noProof="0" smtClean="0"/>
-              <a:t>20.03.25</a:t>
+              <a:t>03.04.25</a:t>
             </a:fld>
             <a:endParaRPr lang="en-US" noProof="0"/>
           </a:p>
@@ -27432,7 +27432,7 @@
           <a:p>
             <a:fld id="{FE82E645-BE21-496B-802B-61065ECF19B4}" type="datetime1">
               <a:rPr lang="de-DE" noProof="0" smtClean="0"/>
-              <a:t>20.03.25</a:t>
+              <a:t>03.04.25</a:t>
             </a:fld>
             <a:endParaRPr lang="en-US" noProof="0"/>
           </a:p>
@@ -28835,7 +28835,7 @@
           <a:p>
             <a:fld id="{FE82E645-BE21-496B-802B-61065ECF19B4}" type="datetime1">
               <a:rPr lang="de-DE" noProof="0" smtClean="0"/>
-              <a:t>20.03.25</a:t>
+              <a:t>03.04.25</a:t>
             </a:fld>
             <a:endParaRPr lang="en-US" noProof="0"/>
           </a:p>
@@ -29685,7 +29685,7 @@
           <a:p>
             <a:fld id="{0A9BFA6A-9A63-4E2D-92C0-C77BFA750EDB}" type="datetime1">
               <a:rPr lang="de-DE" noProof="0" smtClean="0"/>
-              <a:t>20.03.25</a:t>
+              <a:t>03.04.25</a:t>
             </a:fld>
             <a:endParaRPr lang="en-US" noProof="0"/>
           </a:p>
@@ -30371,7 +30371,7 @@
           <a:p>
             <a:fld id="{0A9BFA6A-9A63-4E2D-92C0-C77BFA750EDB}" type="datetime1">
               <a:rPr lang="de-DE" noProof="0" smtClean="0"/>
-              <a:t>20.03.25</a:t>
+              <a:t>03.04.25</a:t>
             </a:fld>
             <a:endParaRPr lang="en-US" noProof="0"/>
           </a:p>
@@ -31421,7 +31421,7 @@
           <a:p>
             <a:fld id="{0A9BFA6A-9A63-4E2D-92C0-C77BFA750EDB}" type="datetime1">
               <a:rPr lang="de-DE" noProof="0" smtClean="0"/>
-              <a:t>20.03.25</a:t>
+              <a:t>03.04.25</a:t>
             </a:fld>
             <a:endParaRPr lang="en-US" noProof="0"/>
           </a:p>
@@ -32628,7 +32628,7 @@
           <a:p>
             <a:fld id="{0A9BFA6A-9A63-4E2D-92C0-C77BFA750EDB}" type="datetime1">
               <a:rPr lang="de-DE" noProof="0" smtClean="0"/>
-              <a:t>20.03.25</a:t>
+              <a:t>03.04.25</a:t>
             </a:fld>
             <a:endParaRPr lang="en-US" noProof="0"/>
           </a:p>
@@ -33363,7 +33363,7 @@
           <a:p>
             <a:fld id="{FE82E645-BE21-496B-802B-61065ECF19B4}" type="datetime1">
               <a:rPr lang="de-DE" noProof="0" smtClean="0"/>
-              <a:t>20.03.25</a:t>
+              <a:t>03.04.25</a:t>
             </a:fld>
             <a:endParaRPr lang="en-US" noProof="0"/>
           </a:p>
@@ -34863,7 +34863,7 @@
           <a:p>
             <a:fld id="{FE82E645-BE21-496B-802B-61065ECF19B4}" type="datetime1">
               <a:rPr lang="de-DE" noProof="0" smtClean="0"/>
-              <a:t>20.03.25</a:t>
+              <a:t>03.04.25</a:t>
             </a:fld>
             <a:endParaRPr lang="en-US" noProof="0"/>
           </a:p>
@@ -37096,7 +37096,7 @@
           <a:p>
             <a:fld id="{FE82E645-BE21-496B-802B-61065ECF19B4}" type="datetime1">
               <a:rPr lang="de-DE" noProof="0" smtClean="0"/>
-              <a:t>20.03.25</a:t>
+              <a:t>03.04.25</a:t>
             </a:fld>
             <a:endParaRPr lang="en-US" noProof="0"/>
           </a:p>
@@ -38374,7 +38374,7 @@
           <a:p>
             <a:fld id="{FE82E645-BE21-496B-802B-61065ECF19B4}" type="datetime1">
               <a:rPr lang="de-DE" noProof="0" smtClean="0"/>
-              <a:t>20.03.25</a:t>
+              <a:t>03.04.25</a:t>
             </a:fld>
             <a:endParaRPr lang="en-US" noProof="0"/>
           </a:p>
@@ -40242,7 +40242,7 @@
           <a:p>
             <a:fld id="{FE82E645-BE21-496B-802B-61065ECF19B4}" type="datetime1">
               <a:rPr lang="de-DE" noProof="0" smtClean="0"/>
-              <a:t>20.03.25</a:t>
+              <a:t>03.04.25</a:t>
             </a:fld>
             <a:endParaRPr lang="en-US" noProof="0"/>
           </a:p>
@@ -41527,7 +41527,7 @@
           <a:p>
             <a:fld id="{FE82E645-BE21-496B-802B-61065ECF19B4}" type="datetime1">
               <a:rPr lang="de-DE" noProof="0" smtClean="0"/>
-              <a:t>20.03.25</a:t>
+              <a:t>03.04.25</a:t>
             </a:fld>
             <a:endParaRPr lang="en-US" noProof="0"/>
           </a:p>
@@ -42539,7 +42539,7 @@
           <a:p>
             <a:fld id="{0A9BFA6A-9A63-4E2D-92C0-C77BFA750EDB}" type="datetime1">
               <a:rPr lang="de-DE" noProof="0" smtClean="0"/>
-              <a:t>20.03.25</a:t>
+              <a:t>03.04.25</a:t>
             </a:fld>
             <a:endParaRPr lang="en-US" noProof="0"/>
           </a:p>
@@ -43395,7 +43395,7 @@
           <a:p>
             <a:fld id="{FE82E645-BE21-496B-802B-61065ECF19B4}" type="datetime1">
               <a:rPr lang="de-DE" noProof="0" smtClean="0"/>
-              <a:t>20.03.25</a:t>
+              <a:t>03.04.25</a:t>
             </a:fld>
             <a:endParaRPr lang="en-US" noProof="0"/>
           </a:p>
